--- a/70-533-06-ManageSecurity.pptx
+++ b/70-533-06-ManageSecurity.pptx
@@ -5,10 +5,10 @@
     <p:sldMasterId id="2147483660" r:id="rId1"/>
   </p:sldMasterIdLst>
   <p:notesMasterIdLst>
-    <p:notesMasterId r:id="rId71"/>
+    <p:notesMasterId r:id="rId69"/>
   </p:notesMasterIdLst>
   <p:handoutMasterIdLst>
-    <p:handoutMasterId r:id="rId72"/>
+    <p:handoutMasterId r:id="rId70"/>
   </p:handoutMasterIdLst>
   <p:sldIdLst>
     <p:sldId id="256" r:id="rId2"/>
@@ -78,51 +78,42 @@
     <p:sldId id="378" r:id="rId66"/>
     <p:sldId id="379" r:id="rId67"/>
     <p:sldId id="380" r:id="rId68"/>
-    <p:sldId id="309" r:id="rId69"/>
-    <p:sldId id="310" r:id="rId70"/>
   </p:sldIdLst>
   <p:sldSz cx="9144000" cy="6858000" type="screen4x3"/>
   <p:notesSz cx="6858000" cy="9144000"/>
   <p:embeddedFontLst>
     <p:embeddedFont>
+      <p:font typeface="Segoe UI" panose="020B0502040204020203" pitchFamily="34" charset="0"/>
+      <p:regular r:id="rId71"/>
+      <p:bold r:id="rId72"/>
+      <p:italic r:id="rId73"/>
+      <p:boldItalic r:id="rId74"/>
+    </p:embeddedFont>
+    <p:embeddedFont>
       <p:font typeface="Verdana" panose="020B0604030504040204" pitchFamily="34" charset="0"/>
-      <p:regular r:id="rId73"/>
-      <p:bold r:id="rId74"/>
-      <p:italic r:id="rId75"/>
-      <p:boldItalic r:id="rId76"/>
+      <p:regular r:id="rId75"/>
+      <p:bold r:id="rId76"/>
+      <p:italic r:id="rId77"/>
+      <p:boldItalic r:id="rId78"/>
     </p:embeddedFont>
     <p:embeddedFont>
       <p:font typeface="Consolas" panose="020B0609020204030204" pitchFamily="49" charset="0"/>
-      <p:regular r:id="rId77"/>
-      <p:bold r:id="rId78"/>
-      <p:italic r:id="rId79"/>
-      <p:boldItalic r:id="rId80"/>
+      <p:regular r:id="rId79"/>
+      <p:bold r:id="rId80"/>
+      <p:italic r:id="rId81"/>
+      <p:boldItalic r:id="rId82"/>
     </p:embeddedFont>
     <p:embeddedFont>
       <p:font typeface="Calibri" panose="020F0502020204030204" pitchFamily="34" charset="0"/>
-      <p:regular r:id="rId81"/>
-      <p:bold r:id="rId82"/>
-      <p:italic r:id="rId83"/>
-      <p:boldItalic r:id="rId84"/>
-    </p:embeddedFont>
-    <p:embeddedFont>
-      <p:font typeface="Segoe UI" panose="020B0502040204020203" pitchFamily="34" charset="0"/>
-      <p:regular r:id="rId85"/>
-      <p:bold r:id="rId86"/>
-      <p:italic r:id="rId87"/>
-      <p:boldItalic r:id="rId88"/>
+      <p:regular r:id="rId83"/>
+      <p:bold r:id="rId84"/>
+      <p:italic r:id="rId85"/>
+      <p:boldItalic r:id="rId86"/>
     </p:embeddedFont>
     <p:embeddedFont>
       <p:font typeface="Segoe UI Light" panose="020B0502040204020203" pitchFamily="34" charset="0"/>
-      <p:regular r:id="rId89"/>
-      <p:italic r:id="rId90"/>
-    </p:embeddedFont>
-    <p:embeddedFont>
-      <p:font typeface="Segoe" panose="020B0604020202020204" charset="0"/>
-      <p:regular r:id="rId91"/>
-      <p:bold r:id="rId92"/>
-      <p:italic r:id="rId93"/>
-      <p:boldItalic r:id="rId94"/>
+      <p:regular r:id="rId87"/>
+      <p:italic r:id="rId88"/>
     </p:embeddedFont>
   </p:embeddedFontLst>
   <p:defaultTextStyle>
@@ -330,8 +321,6 @@
             <p14:sldId id="378"/>
             <p14:sldId id="379"/>
             <p14:sldId id="380"/>
-            <p14:sldId id="309"/>
-            <p14:sldId id="310"/>
           </p14:sldIdLst>
         </p14:section>
       </p14:sectionLst>
@@ -344,10 +333,6 @@
     </p:ext>
   </p:extLst>
 </p:presentation>
-</file>
-
-<file path=ppt/revisionInfo.xml><?xml version="1.0" encoding="utf-8"?>
-<p1510:revInfo xmlns:a="http://schemas.openxmlformats.org/drawingml/2006/main" xmlns:r="http://schemas.openxmlformats.org/officeDocument/2006/relationships" xmlns:p1510="http://schemas.microsoft.com/office/powerpoint/2015/10/main"/>
 </file>
 
 <file path=ppt/handoutMasters/handoutMaster1.xml><?xml version="1.0" encoding="utf-8"?>
@@ -444,7 +429,7 @@
           <a:p>
             <a:fld id="{7D784404-57E5-4341-9230-5EC072B8C3C5}" type="datetimeFigureOut">
               <a:rPr lang="en-US" smtClean="0"/>
-              <a:t>1/31/2018</a:t>
+              <a:t>2/7/2018</a:t>
             </a:fld>
             <a:endParaRPr lang="en-US"/>
           </a:p>
@@ -621,7 +606,7 @@
           <a:p>
             <a:fld id="{9933EFA3-31EF-403B-8080-9776000D59FF}" type="datetimeFigureOut">
               <a:rPr lang="en-US" smtClean="0"/>
-              <a:t>1/31/2018</a:t>
+              <a:t>2/7/2018</a:t>
             </a:fld>
             <a:endParaRPr lang="en-US" dirty="0"/>
           </a:p>
@@ -1624,6 +1609,896 @@
 </p:notes>
 </file>
 
+<file path=ppt/notesSlides/notesSlide10.xml><?xml version="1.0" encoding="utf-8"?>
+<p:notes xmlns:a="http://schemas.openxmlformats.org/drawingml/2006/main" xmlns:r="http://schemas.openxmlformats.org/officeDocument/2006/relationships" xmlns:p="http://schemas.openxmlformats.org/presentationml/2006/main">
+  <p:cSld>
+    <p:spTree>
+      <p:nvGrpSpPr>
+        <p:cNvPr id="1" name=""/>
+        <p:cNvGrpSpPr/>
+        <p:nvPr/>
+      </p:nvGrpSpPr>
+      <p:grpSpPr>
+        <a:xfrm>
+          <a:off x="0" y="0"/>
+          <a:ext cx="0" cy="0"/>
+          <a:chOff x="0" y="0"/>
+          <a:chExt cx="0" cy="0"/>
+        </a:xfrm>
+      </p:grpSpPr>
+      <p:sp>
+        <p:nvSpPr>
+          <p:cNvPr id="2" name="Slide Image Placeholder 1"/>
+          <p:cNvSpPr>
+            <a:spLocks noGrp="1" noRot="1" noChangeAspect="1"/>
+          </p:cNvSpPr>
+          <p:nvPr>
+            <p:ph type="sldImg"/>
+          </p:nvPr>
+        </p:nvSpPr>
+        <p:spPr>
+          <a:xfrm>
+            <a:off x="4325938" y="73025"/>
+            <a:ext cx="2466975" cy="1851025"/>
+          </a:xfrm>
+        </p:spPr>
+      </p:sp>
+      <p:sp>
+        <p:nvSpPr>
+          <p:cNvPr id="3" name="Notes Placeholder 2"/>
+          <p:cNvSpPr>
+            <a:spLocks noGrp="1"/>
+          </p:cNvSpPr>
+          <p:nvPr>
+            <p:ph type="body" idx="1"/>
+          </p:nvPr>
+        </p:nvSpPr>
+        <p:spPr/>
+        <p:txBody>
+          <a:bodyPr/>
+          <a:lstStyle/>
+          <a:p>
+            <a:endParaRPr lang="en-US"/>
+          </a:p>
+        </p:txBody>
+      </p:sp>
+      <p:sp>
+        <p:nvSpPr>
+          <p:cNvPr id="4" name="Slide Number Placeholder 3"/>
+          <p:cNvSpPr>
+            <a:spLocks noGrp="1"/>
+          </p:cNvSpPr>
+          <p:nvPr>
+            <p:ph type="sldNum" sz="quarter" idx="10"/>
+          </p:nvPr>
+        </p:nvSpPr>
+        <p:spPr/>
+        <p:txBody>
+          <a:bodyPr/>
+          <a:lstStyle/>
+          <a:p>
+            <a:fld id="{F19E9337-0361-41F3-9C17-1F4FFD1214BA}" type="slidenum">
+              <a:rPr lang="en-US" smtClean="0"/>
+              <a:t>10</a:t>
+            </a:fld>
+            <a:endParaRPr lang="en-US" dirty="0"/>
+          </a:p>
+        </p:txBody>
+      </p:sp>
+    </p:spTree>
+    <p:extLst>
+      <p:ext uri="{BB962C8B-B14F-4D97-AF65-F5344CB8AC3E}">
+        <p14:creationId xmlns:p14="http://schemas.microsoft.com/office/powerpoint/2010/main" val="2299132315"/>
+      </p:ext>
+    </p:extLst>
+  </p:cSld>
+  <p:clrMapOvr>
+    <a:masterClrMapping/>
+  </p:clrMapOvr>
+</p:notes>
+</file>
+
+<file path=ppt/notesSlides/notesSlide11.xml><?xml version="1.0" encoding="utf-8"?>
+<p:notes xmlns:a="http://schemas.openxmlformats.org/drawingml/2006/main" xmlns:r="http://schemas.openxmlformats.org/officeDocument/2006/relationships" xmlns:p="http://schemas.openxmlformats.org/presentationml/2006/main">
+  <p:cSld>
+    <p:spTree>
+      <p:nvGrpSpPr>
+        <p:cNvPr id="1" name=""/>
+        <p:cNvGrpSpPr/>
+        <p:nvPr/>
+      </p:nvGrpSpPr>
+      <p:grpSpPr>
+        <a:xfrm>
+          <a:off x="0" y="0"/>
+          <a:ext cx="0" cy="0"/>
+          <a:chOff x="0" y="0"/>
+          <a:chExt cx="0" cy="0"/>
+        </a:xfrm>
+      </p:grpSpPr>
+      <p:sp>
+        <p:nvSpPr>
+          <p:cNvPr id="2" name="Slide Image Placeholder 1"/>
+          <p:cNvSpPr>
+            <a:spLocks noGrp="1" noRot="1" noChangeAspect="1"/>
+          </p:cNvSpPr>
+          <p:nvPr>
+            <p:ph type="sldImg"/>
+          </p:nvPr>
+        </p:nvSpPr>
+        <p:spPr>
+          <a:xfrm>
+            <a:off x="4325938" y="73025"/>
+            <a:ext cx="2466975" cy="1851025"/>
+          </a:xfrm>
+        </p:spPr>
+      </p:sp>
+      <p:sp>
+        <p:nvSpPr>
+          <p:cNvPr id="3" name="Notes Placeholder 2"/>
+          <p:cNvSpPr>
+            <a:spLocks noGrp="1"/>
+          </p:cNvSpPr>
+          <p:nvPr>
+            <p:ph type="body" idx="1"/>
+          </p:nvPr>
+        </p:nvSpPr>
+        <p:spPr/>
+        <p:txBody>
+          <a:bodyPr/>
+          <a:lstStyle/>
+          <a:p>
+            <a:endParaRPr lang="en-US"/>
+          </a:p>
+        </p:txBody>
+      </p:sp>
+      <p:sp>
+        <p:nvSpPr>
+          <p:cNvPr id="4" name="Slide Number Placeholder 3"/>
+          <p:cNvSpPr>
+            <a:spLocks noGrp="1"/>
+          </p:cNvSpPr>
+          <p:nvPr>
+            <p:ph type="sldNum" sz="quarter" idx="10"/>
+          </p:nvPr>
+        </p:nvSpPr>
+        <p:spPr/>
+        <p:txBody>
+          <a:bodyPr/>
+          <a:lstStyle/>
+          <a:p>
+            <a:fld id="{F19E9337-0361-41F3-9C17-1F4FFD1214BA}" type="slidenum">
+              <a:rPr lang="en-US" smtClean="0"/>
+              <a:t>11</a:t>
+            </a:fld>
+            <a:endParaRPr lang="en-US" dirty="0"/>
+          </a:p>
+        </p:txBody>
+      </p:sp>
+    </p:spTree>
+    <p:extLst>
+      <p:ext uri="{BB962C8B-B14F-4D97-AF65-F5344CB8AC3E}">
+        <p14:creationId xmlns:p14="http://schemas.microsoft.com/office/powerpoint/2010/main" val="374193086"/>
+      </p:ext>
+    </p:extLst>
+  </p:cSld>
+  <p:clrMapOvr>
+    <a:masterClrMapping/>
+  </p:clrMapOvr>
+</p:notes>
+</file>
+
+<file path=ppt/notesSlides/notesSlide12.xml><?xml version="1.0" encoding="utf-8"?>
+<p:notes xmlns:a="http://schemas.openxmlformats.org/drawingml/2006/main" xmlns:r="http://schemas.openxmlformats.org/officeDocument/2006/relationships" xmlns:p="http://schemas.openxmlformats.org/presentationml/2006/main">
+  <p:cSld>
+    <p:spTree>
+      <p:nvGrpSpPr>
+        <p:cNvPr id="1" name=""/>
+        <p:cNvGrpSpPr/>
+        <p:nvPr/>
+      </p:nvGrpSpPr>
+      <p:grpSpPr>
+        <a:xfrm>
+          <a:off x="0" y="0"/>
+          <a:ext cx="0" cy="0"/>
+          <a:chOff x="0" y="0"/>
+          <a:chExt cx="0" cy="0"/>
+        </a:xfrm>
+      </p:grpSpPr>
+      <p:sp>
+        <p:nvSpPr>
+          <p:cNvPr id="2" name="Slide Image Placeholder 1"/>
+          <p:cNvSpPr>
+            <a:spLocks noGrp="1" noRot="1" noChangeAspect="1"/>
+          </p:cNvSpPr>
+          <p:nvPr>
+            <p:ph type="sldImg"/>
+          </p:nvPr>
+        </p:nvSpPr>
+        <p:spPr>
+          <a:xfrm>
+            <a:off x="4325938" y="73025"/>
+            <a:ext cx="2466975" cy="1851025"/>
+          </a:xfrm>
+        </p:spPr>
+      </p:sp>
+      <p:sp>
+        <p:nvSpPr>
+          <p:cNvPr id="3" name="Notes Placeholder 2"/>
+          <p:cNvSpPr>
+            <a:spLocks noGrp="1"/>
+          </p:cNvSpPr>
+          <p:nvPr>
+            <p:ph type="body" idx="1"/>
+          </p:nvPr>
+        </p:nvSpPr>
+        <p:spPr/>
+        <p:txBody>
+          <a:bodyPr/>
+          <a:lstStyle/>
+          <a:p>
+            <a:endParaRPr lang="en-US"/>
+          </a:p>
+        </p:txBody>
+      </p:sp>
+      <p:sp>
+        <p:nvSpPr>
+          <p:cNvPr id="4" name="Slide Number Placeholder 3"/>
+          <p:cNvSpPr>
+            <a:spLocks noGrp="1"/>
+          </p:cNvSpPr>
+          <p:nvPr>
+            <p:ph type="sldNum" sz="quarter" idx="10"/>
+          </p:nvPr>
+        </p:nvSpPr>
+        <p:spPr/>
+        <p:txBody>
+          <a:bodyPr/>
+          <a:lstStyle/>
+          <a:p>
+            <a:fld id="{F19E9337-0361-41F3-9C17-1F4FFD1214BA}" type="slidenum">
+              <a:rPr lang="en-US" smtClean="0"/>
+              <a:t>12</a:t>
+            </a:fld>
+            <a:endParaRPr lang="en-US" dirty="0"/>
+          </a:p>
+        </p:txBody>
+      </p:sp>
+    </p:spTree>
+    <p:extLst>
+      <p:ext uri="{BB962C8B-B14F-4D97-AF65-F5344CB8AC3E}">
+        <p14:creationId xmlns:p14="http://schemas.microsoft.com/office/powerpoint/2010/main" val="3205492040"/>
+      </p:ext>
+    </p:extLst>
+  </p:cSld>
+  <p:clrMapOvr>
+    <a:masterClrMapping/>
+  </p:clrMapOvr>
+</p:notes>
+</file>
+
+<file path=ppt/notesSlides/notesSlide13.xml><?xml version="1.0" encoding="utf-8"?>
+<p:notes xmlns:a="http://schemas.openxmlformats.org/drawingml/2006/main" xmlns:r="http://schemas.openxmlformats.org/officeDocument/2006/relationships" xmlns:p="http://schemas.openxmlformats.org/presentationml/2006/main">
+  <p:cSld>
+    <p:spTree>
+      <p:nvGrpSpPr>
+        <p:cNvPr id="1" name=""/>
+        <p:cNvGrpSpPr/>
+        <p:nvPr/>
+      </p:nvGrpSpPr>
+      <p:grpSpPr>
+        <a:xfrm>
+          <a:off x="0" y="0"/>
+          <a:ext cx="0" cy="0"/>
+          <a:chOff x="0" y="0"/>
+          <a:chExt cx="0" cy="0"/>
+        </a:xfrm>
+      </p:grpSpPr>
+      <p:sp>
+        <p:nvSpPr>
+          <p:cNvPr id="2" name="Slide Image Placeholder 1"/>
+          <p:cNvSpPr>
+            <a:spLocks noGrp="1" noRot="1" noChangeAspect="1"/>
+          </p:cNvSpPr>
+          <p:nvPr>
+            <p:ph type="sldImg"/>
+          </p:nvPr>
+        </p:nvSpPr>
+        <p:spPr>
+          <a:xfrm>
+            <a:off x="4325938" y="73025"/>
+            <a:ext cx="2466975" cy="1851025"/>
+          </a:xfrm>
+        </p:spPr>
+      </p:sp>
+      <p:sp>
+        <p:nvSpPr>
+          <p:cNvPr id="3" name="Notes Placeholder 2"/>
+          <p:cNvSpPr>
+            <a:spLocks noGrp="1"/>
+          </p:cNvSpPr>
+          <p:nvPr>
+            <p:ph type="body" idx="1"/>
+          </p:nvPr>
+        </p:nvSpPr>
+        <p:spPr/>
+        <p:txBody>
+          <a:bodyPr/>
+          <a:lstStyle/>
+          <a:p>
+            <a:endParaRPr lang="en-US"/>
+          </a:p>
+        </p:txBody>
+      </p:sp>
+      <p:sp>
+        <p:nvSpPr>
+          <p:cNvPr id="4" name="Slide Number Placeholder 3"/>
+          <p:cNvSpPr>
+            <a:spLocks noGrp="1"/>
+          </p:cNvSpPr>
+          <p:nvPr>
+            <p:ph type="sldNum" sz="quarter" idx="10"/>
+          </p:nvPr>
+        </p:nvSpPr>
+        <p:spPr/>
+        <p:txBody>
+          <a:bodyPr/>
+          <a:lstStyle/>
+          <a:p>
+            <a:fld id="{F19E9337-0361-41F3-9C17-1F4FFD1214BA}" type="slidenum">
+              <a:rPr lang="en-US" smtClean="0"/>
+              <a:t>13</a:t>
+            </a:fld>
+            <a:endParaRPr lang="en-US" dirty="0"/>
+          </a:p>
+        </p:txBody>
+      </p:sp>
+    </p:spTree>
+    <p:extLst>
+      <p:ext uri="{BB962C8B-B14F-4D97-AF65-F5344CB8AC3E}">
+        <p14:creationId xmlns:p14="http://schemas.microsoft.com/office/powerpoint/2010/main" val="268371455"/>
+      </p:ext>
+    </p:extLst>
+  </p:cSld>
+  <p:clrMapOvr>
+    <a:masterClrMapping/>
+  </p:clrMapOvr>
+</p:notes>
+</file>
+
+<file path=ppt/notesSlides/notesSlide14.xml><?xml version="1.0" encoding="utf-8"?>
+<p:notes xmlns:a="http://schemas.openxmlformats.org/drawingml/2006/main" xmlns:r="http://schemas.openxmlformats.org/officeDocument/2006/relationships" xmlns:p="http://schemas.openxmlformats.org/presentationml/2006/main">
+  <p:cSld>
+    <p:spTree>
+      <p:nvGrpSpPr>
+        <p:cNvPr id="1" name=""/>
+        <p:cNvGrpSpPr/>
+        <p:nvPr/>
+      </p:nvGrpSpPr>
+      <p:grpSpPr>
+        <a:xfrm>
+          <a:off x="0" y="0"/>
+          <a:ext cx="0" cy="0"/>
+          <a:chOff x="0" y="0"/>
+          <a:chExt cx="0" cy="0"/>
+        </a:xfrm>
+      </p:grpSpPr>
+      <p:sp>
+        <p:nvSpPr>
+          <p:cNvPr id="2" name="Slide Image Placeholder 1"/>
+          <p:cNvSpPr>
+            <a:spLocks noGrp="1" noRot="1" noChangeAspect="1"/>
+          </p:cNvSpPr>
+          <p:nvPr>
+            <p:ph type="sldImg"/>
+          </p:nvPr>
+        </p:nvSpPr>
+        <p:spPr>
+          <a:xfrm>
+            <a:off x="4325938" y="73025"/>
+            <a:ext cx="2466975" cy="1851025"/>
+          </a:xfrm>
+        </p:spPr>
+      </p:sp>
+      <p:sp>
+        <p:nvSpPr>
+          <p:cNvPr id="3" name="Notes Placeholder 2"/>
+          <p:cNvSpPr>
+            <a:spLocks noGrp="1"/>
+          </p:cNvSpPr>
+          <p:nvPr>
+            <p:ph type="body" idx="1"/>
+          </p:nvPr>
+        </p:nvSpPr>
+        <p:spPr/>
+        <p:txBody>
+          <a:bodyPr/>
+          <a:lstStyle/>
+          <a:p>
+            <a:endParaRPr lang="en-US"/>
+          </a:p>
+        </p:txBody>
+      </p:sp>
+      <p:sp>
+        <p:nvSpPr>
+          <p:cNvPr id="4" name="Slide Number Placeholder 3"/>
+          <p:cNvSpPr>
+            <a:spLocks noGrp="1"/>
+          </p:cNvSpPr>
+          <p:nvPr>
+            <p:ph type="sldNum" sz="quarter" idx="10"/>
+          </p:nvPr>
+        </p:nvSpPr>
+        <p:spPr/>
+        <p:txBody>
+          <a:bodyPr/>
+          <a:lstStyle/>
+          <a:p>
+            <a:fld id="{F19E9337-0361-41F3-9C17-1F4FFD1214BA}" type="slidenum">
+              <a:rPr lang="en-US" smtClean="0"/>
+              <a:t>14</a:t>
+            </a:fld>
+            <a:endParaRPr lang="en-US" dirty="0"/>
+          </a:p>
+        </p:txBody>
+      </p:sp>
+    </p:spTree>
+    <p:extLst>
+      <p:ext uri="{BB962C8B-B14F-4D97-AF65-F5344CB8AC3E}">
+        <p14:creationId xmlns:p14="http://schemas.microsoft.com/office/powerpoint/2010/main" val="615061063"/>
+      </p:ext>
+    </p:extLst>
+  </p:cSld>
+  <p:clrMapOvr>
+    <a:masterClrMapping/>
+  </p:clrMapOvr>
+</p:notes>
+</file>
+
+<file path=ppt/notesSlides/notesSlide15.xml><?xml version="1.0" encoding="utf-8"?>
+<p:notes xmlns:a="http://schemas.openxmlformats.org/drawingml/2006/main" xmlns:r="http://schemas.openxmlformats.org/officeDocument/2006/relationships" xmlns:p="http://schemas.openxmlformats.org/presentationml/2006/main">
+  <p:cSld>
+    <p:spTree>
+      <p:nvGrpSpPr>
+        <p:cNvPr id="1" name=""/>
+        <p:cNvGrpSpPr/>
+        <p:nvPr/>
+      </p:nvGrpSpPr>
+      <p:grpSpPr>
+        <a:xfrm>
+          <a:off x="0" y="0"/>
+          <a:ext cx="0" cy="0"/>
+          <a:chOff x="0" y="0"/>
+          <a:chExt cx="0" cy="0"/>
+        </a:xfrm>
+      </p:grpSpPr>
+      <p:sp>
+        <p:nvSpPr>
+          <p:cNvPr id="2" name="Slide Image Placeholder 1"/>
+          <p:cNvSpPr>
+            <a:spLocks noGrp="1" noRot="1" noChangeAspect="1"/>
+          </p:cNvSpPr>
+          <p:nvPr>
+            <p:ph type="sldImg"/>
+          </p:nvPr>
+        </p:nvSpPr>
+        <p:spPr>
+          <a:xfrm>
+            <a:off x="4325938" y="73025"/>
+            <a:ext cx="2466975" cy="1851025"/>
+          </a:xfrm>
+        </p:spPr>
+      </p:sp>
+      <p:sp>
+        <p:nvSpPr>
+          <p:cNvPr id="3" name="Notes Placeholder 2"/>
+          <p:cNvSpPr>
+            <a:spLocks noGrp="1"/>
+          </p:cNvSpPr>
+          <p:nvPr>
+            <p:ph type="body" idx="1"/>
+          </p:nvPr>
+        </p:nvSpPr>
+        <p:spPr/>
+        <p:txBody>
+          <a:bodyPr/>
+          <a:lstStyle/>
+          <a:p>
+            <a:endParaRPr lang="en-US"/>
+          </a:p>
+        </p:txBody>
+      </p:sp>
+      <p:sp>
+        <p:nvSpPr>
+          <p:cNvPr id="4" name="Slide Number Placeholder 3"/>
+          <p:cNvSpPr>
+            <a:spLocks noGrp="1"/>
+          </p:cNvSpPr>
+          <p:nvPr>
+            <p:ph type="sldNum" sz="quarter" idx="10"/>
+          </p:nvPr>
+        </p:nvSpPr>
+        <p:spPr/>
+        <p:txBody>
+          <a:bodyPr/>
+          <a:lstStyle/>
+          <a:p>
+            <a:fld id="{F19E9337-0361-41F3-9C17-1F4FFD1214BA}" type="slidenum">
+              <a:rPr lang="en-US" smtClean="0"/>
+              <a:t>15</a:t>
+            </a:fld>
+            <a:endParaRPr lang="en-US" dirty="0"/>
+          </a:p>
+        </p:txBody>
+      </p:sp>
+    </p:spTree>
+    <p:extLst>
+      <p:ext uri="{BB962C8B-B14F-4D97-AF65-F5344CB8AC3E}">
+        <p14:creationId xmlns:p14="http://schemas.microsoft.com/office/powerpoint/2010/main" val="3107967328"/>
+      </p:ext>
+    </p:extLst>
+  </p:cSld>
+  <p:clrMapOvr>
+    <a:masterClrMapping/>
+  </p:clrMapOvr>
+</p:notes>
+</file>
+
+<file path=ppt/notesSlides/notesSlide16.xml><?xml version="1.0" encoding="utf-8"?>
+<p:notes xmlns:a="http://schemas.openxmlformats.org/drawingml/2006/main" xmlns:r="http://schemas.openxmlformats.org/officeDocument/2006/relationships" xmlns:p="http://schemas.openxmlformats.org/presentationml/2006/main">
+  <p:cSld>
+    <p:spTree>
+      <p:nvGrpSpPr>
+        <p:cNvPr id="1" name=""/>
+        <p:cNvGrpSpPr/>
+        <p:nvPr/>
+      </p:nvGrpSpPr>
+      <p:grpSpPr>
+        <a:xfrm>
+          <a:off x="0" y="0"/>
+          <a:ext cx="0" cy="0"/>
+          <a:chOff x="0" y="0"/>
+          <a:chExt cx="0" cy="0"/>
+        </a:xfrm>
+      </p:grpSpPr>
+      <p:sp>
+        <p:nvSpPr>
+          <p:cNvPr id="2" name="Slide Image Placeholder 1"/>
+          <p:cNvSpPr>
+            <a:spLocks noGrp="1" noRot="1" noChangeAspect="1"/>
+          </p:cNvSpPr>
+          <p:nvPr>
+            <p:ph type="sldImg"/>
+          </p:nvPr>
+        </p:nvSpPr>
+        <p:spPr>
+          <a:xfrm>
+            <a:off x="4325938" y="73025"/>
+            <a:ext cx="2466975" cy="1851025"/>
+          </a:xfrm>
+        </p:spPr>
+      </p:sp>
+      <p:sp>
+        <p:nvSpPr>
+          <p:cNvPr id="3" name="Notes Placeholder 2"/>
+          <p:cNvSpPr>
+            <a:spLocks noGrp="1"/>
+          </p:cNvSpPr>
+          <p:nvPr>
+            <p:ph type="body" idx="1"/>
+          </p:nvPr>
+        </p:nvSpPr>
+        <p:spPr/>
+        <p:txBody>
+          <a:bodyPr/>
+          <a:lstStyle/>
+          <a:p>
+            <a:endParaRPr lang="en-US"/>
+          </a:p>
+        </p:txBody>
+      </p:sp>
+      <p:sp>
+        <p:nvSpPr>
+          <p:cNvPr id="4" name="Slide Number Placeholder 3"/>
+          <p:cNvSpPr>
+            <a:spLocks noGrp="1"/>
+          </p:cNvSpPr>
+          <p:nvPr>
+            <p:ph type="sldNum" sz="quarter" idx="10"/>
+          </p:nvPr>
+        </p:nvSpPr>
+        <p:spPr/>
+        <p:txBody>
+          <a:bodyPr/>
+          <a:lstStyle/>
+          <a:p>
+            <a:fld id="{F19E9337-0361-41F3-9C17-1F4FFD1214BA}" type="slidenum">
+              <a:rPr lang="en-US" smtClean="0"/>
+              <a:t>16</a:t>
+            </a:fld>
+            <a:endParaRPr lang="en-US" dirty="0"/>
+          </a:p>
+        </p:txBody>
+      </p:sp>
+    </p:spTree>
+    <p:extLst>
+      <p:ext uri="{BB962C8B-B14F-4D97-AF65-F5344CB8AC3E}">
+        <p14:creationId xmlns:p14="http://schemas.microsoft.com/office/powerpoint/2010/main" val="663625724"/>
+      </p:ext>
+    </p:extLst>
+  </p:cSld>
+  <p:clrMapOvr>
+    <a:masterClrMapping/>
+  </p:clrMapOvr>
+</p:notes>
+</file>
+
+<file path=ppt/notesSlides/notesSlide17.xml><?xml version="1.0" encoding="utf-8"?>
+<p:notes xmlns:a="http://schemas.openxmlformats.org/drawingml/2006/main" xmlns:r="http://schemas.openxmlformats.org/officeDocument/2006/relationships" xmlns:p="http://schemas.openxmlformats.org/presentationml/2006/main">
+  <p:cSld>
+    <p:spTree>
+      <p:nvGrpSpPr>
+        <p:cNvPr id="1" name=""/>
+        <p:cNvGrpSpPr/>
+        <p:nvPr/>
+      </p:nvGrpSpPr>
+      <p:grpSpPr>
+        <a:xfrm>
+          <a:off x="0" y="0"/>
+          <a:ext cx="0" cy="0"/>
+          <a:chOff x="0" y="0"/>
+          <a:chExt cx="0" cy="0"/>
+        </a:xfrm>
+      </p:grpSpPr>
+      <p:sp>
+        <p:nvSpPr>
+          <p:cNvPr id="2" name="Slide Image Placeholder 1"/>
+          <p:cNvSpPr>
+            <a:spLocks noGrp="1" noRot="1" noChangeAspect="1"/>
+          </p:cNvSpPr>
+          <p:nvPr>
+            <p:ph type="sldImg"/>
+          </p:nvPr>
+        </p:nvSpPr>
+        <p:spPr>
+          <a:xfrm>
+            <a:off x="4325938" y="73025"/>
+            <a:ext cx="2466975" cy="1851025"/>
+          </a:xfrm>
+        </p:spPr>
+      </p:sp>
+      <p:sp>
+        <p:nvSpPr>
+          <p:cNvPr id="3" name="Notes Placeholder 2"/>
+          <p:cNvSpPr>
+            <a:spLocks noGrp="1"/>
+          </p:cNvSpPr>
+          <p:nvPr>
+            <p:ph type="body" idx="1"/>
+          </p:nvPr>
+        </p:nvSpPr>
+        <p:spPr/>
+        <p:txBody>
+          <a:bodyPr/>
+          <a:lstStyle/>
+          <a:p>
+            <a:endParaRPr lang="en-US"/>
+          </a:p>
+        </p:txBody>
+      </p:sp>
+      <p:sp>
+        <p:nvSpPr>
+          <p:cNvPr id="4" name="Slide Number Placeholder 3"/>
+          <p:cNvSpPr>
+            <a:spLocks noGrp="1"/>
+          </p:cNvSpPr>
+          <p:nvPr>
+            <p:ph type="sldNum" sz="quarter" idx="10"/>
+          </p:nvPr>
+        </p:nvSpPr>
+        <p:spPr/>
+        <p:txBody>
+          <a:bodyPr/>
+          <a:lstStyle/>
+          <a:p>
+            <a:fld id="{F19E9337-0361-41F3-9C17-1F4FFD1214BA}" type="slidenum">
+              <a:rPr lang="en-US" smtClean="0"/>
+              <a:t>17</a:t>
+            </a:fld>
+            <a:endParaRPr lang="en-US" dirty="0"/>
+          </a:p>
+        </p:txBody>
+      </p:sp>
+    </p:spTree>
+    <p:extLst>
+      <p:ext uri="{BB962C8B-B14F-4D97-AF65-F5344CB8AC3E}">
+        <p14:creationId xmlns:p14="http://schemas.microsoft.com/office/powerpoint/2010/main" val="291973161"/>
+      </p:ext>
+    </p:extLst>
+  </p:cSld>
+  <p:clrMapOvr>
+    <a:masterClrMapping/>
+  </p:clrMapOvr>
+</p:notes>
+</file>
+
+<file path=ppt/notesSlides/notesSlide18.xml><?xml version="1.0" encoding="utf-8"?>
+<p:notes xmlns:a="http://schemas.openxmlformats.org/drawingml/2006/main" xmlns:r="http://schemas.openxmlformats.org/officeDocument/2006/relationships" xmlns:p="http://schemas.openxmlformats.org/presentationml/2006/main">
+  <p:cSld>
+    <p:spTree>
+      <p:nvGrpSpPr>
+        <p:cNvPr id="1" name=""/>
+        <p:cNvGrpSpPr/>
+        <p:nvPr/>
+      </p:nvGrpSpPr>
+      <p:grpSpPr>
+        <a:xfrm>
+          <a:off x="0" y="0"/>
+          <a:ext cx="0" cy="0"/>
+          <a:chOff x="0" y="0"/>
+          <a:chExt cx="0" cy="0"/>
+        </a:xfrm>
+      </p:grpSpPr>
+      <p:sp>
+        <p:nvSpPr>
+          <p:cNvPr id="2" name="Slide Image Placeholder 1"/>
+          <p:cNvSpPr>
+            <a:spLocks noGrp="1" noRot="1" noChangeAspect="1"/>
+          </p:cNvSpPr>
+          <p:nvPr>
+            <p:ph type="sldImg"/>
+          </p:nvPr>
+        </p:nvSpPr>
+        <p:spPr>
+          <a:xfrm>
+            <a:off x="4325938" y="73025"/>
+            <a:ext cx="2466975" cy="1851025"/>
+          </a:xfrm>
+        </p:spPr>
+      </p:sp>
+      <p:sp>
+        <p:nvSpPr>
+          <p:cNvPr id="3" name="Notes Placeholder 2"/>
+          <p:cNvSpPr>
+            <a:spLocks noGrp="1"/>
+          </p:cNvSpPr>
+          <p:nvPr>
+            <p:ph type="body" idx="1"/>
+          </p:nvPr>
+        </p:nvSpPr>
+        <p:spPr/>
+        <p:txBody>
+          <a:bodyPr/>
+          <a:lstStyle/>
+          <a:p>
+            <a:endParaRPr lang="en-US"/>
+          </a:p>
+        </p:txBody>
+      </p:sp>
+      <p:sp>
+        <p:nvSpPr>
+          <p:cNvPr id="4" name="Slide Number Placeholder 3"/>
+          <p:cNvSpPr>
+            <a:spLocks noGrp="1"/>
+          </p:cNvSpPr>
+          <p:nvPr>
+            <p:ph type="sldNum" sz="quarter" idx="10"/>
+          </p:nvPr>
+        </p:nvSpPr>
+        <p:spPr/>
+        <p:txBody>
+          <a:bodyPr/>
+          <a:lstStyle/>
+          <a:p>
+            <a:fld id="{F19E9337-0361-41F3-9C17-1F4FFD1214BA}" type="slidenum">
+              <a:rPr lang="en-US" smtClean="0"/>
+              <a:t>18</a:t>
+            </a:fld>
+            <a:endParaRPr lang="en-US" dirty="0"/>
+          </a:p>
+        </p:txBody>
+      </p:sp>
+    </p:spTree>
+    <p:extLst>
+      <p:ext uri="{BB962C8B-B14F-4D97-AF65-F5344CB8AC3E}">
+        <p14:creationId xmlns:p14="http://schemas.microsoft.com/office/powerpoint/2010/main" val="881194081"/>
+      </p:ext>
+    </p:extLst>
+  </p:cSld>
+  <p:clrMapOvr>
+    <a:masterClrMapping/>
+  </p:clrMapOvr>
+</p:notes>
+</file>
+
+<file path=ppt/notesSlides/notesSlide19.xml><?xml version="1.0" encoding="utf-8"?>
+<p:notes xmlns:a="http://schemas.openxmlformats.org/drawingml/2006/main" xmlns:r="http://schemas.openxmlformats.org/officeDocument/2006/relationships" xmlns:p="http://schemas.openxmlformats.org/presentationml/2006/main">
+  <p:cSld>
+    <p:spTree>
+      <p:nvGrpSpPr>
+        <p:cNvPr id="1" name=""/>
+        <p:cNvGrpSpPr/>
+        <p:nvPr/>
+      </p:nvGrpSpPr>
+      <p:grpSpPr>
+        <a:xfrm>
+          <a:off x="0" y="0"/>
+          <a:ext cx="0" cy="0"/>
+          <a:chOff x="0" y="0"/>
+          <a:chExt cx="0" cy="0"/>
+        </a:xfrm>
+      </p:grpSpPr>
+      <p:sp>
+        <p:nvSpPr>
+          <p:cNvPr id="2" name="Slide Image Placeholder 1"/>
+          <p:cNvSpPr>
+            <a:spLocks noGrp="1" noRot="1" noChangeAspect="1"/>
+          </p:cNvSpPr>
+          <p:nvPr>
+            <p:ph type="sldImg"/>
+          </p:nvPr>
+        </p:nvSpPr>
+        <p:spPr>
+          <a:xfrm>
+            <a:off x="4325938" y="73025"/>
+            <a:ext cx="2466975" cy="1851025"/>
+          </a:xfrm>
+        </p:spPr>
+      </p:sp>
+      <p:sp>
+        <p:nvSpPr>
+          <p:cNvPr id="3" name="Notes Placeholder 2"/>
+          <p:cNvSpPr>
+            <a:spLocks noGrp="1"/>
+          </p:cNvSpPr>
+          <p:nvPr>
+            <p:ph type="body" idx="1"/>
+          </p:nvPr>
+        </p:nvSpPr>
+        <p:spPr/>
+        <p:txBody>
+          <a:bodyPr/>
+          <a:lstStyle/>
+          <a:p>
+            <a:endParaRPr lang="en-US"/>
+          </a:p>
+        </p:txBody>
+      </p:sp>
+      <p:sp>
+        <p:nvSpPr>
+          <p:cNvPr id="4" name="Slide Number Placeholder 3"/>
+          <p:cNvSpPr>
+            <a:spLocks noGrp="1"/>
+          </p:cNvSpPr>
+          <p:nvPr>
+            <p:ph type="sldNum" sz="quarter" idx="10"/>
+          </p:nvPr>
+        </p:nvSpPr>
+        <p:spPr/>
+        <p:txBody>
+          <a:bodyPr/>
+          <a:lstStyle/>
+          <a:p>
+            <a:fld id="{F19E9337-0361-41F3-9C17-1F4FFD1214BA}" type="slidenum">
+              <a:rPr lang="en-US" smtClean="0"/>
+              <a:t>19</a:t>
+            </a:fld>
+            <a:endParaRPr lang="en-US" dirty="0"/>
+          </a:p>
+        </p:txBody>
+      </p:sp>
+    </p:spTree>
+    <p:extLst>
+      <p:ext uri="{BB962C8B-B14F-4D97-AF65-F5344CB8AC3E}">
+        <p14:creationId xmlns:p14="http://schemas.microsoft.com/office/powerpoint/2010/main" val="1467837849"/>
+      </p:ext>
+    </p:extLst>
+  </p:cSld>
+  <p:clrMapOvr>
+    <a:masterClrMapping/>
+  </p:clrMapOvr>
+</p:notes>
+</file>
+
 <file path=ppt/notesSlides/notesSlide2.xml><?xml version="1.0" encoding="utf-8"?>
 <p:notes xmlns:a="http://schemas.openxmlformats.org/drawingml/2006/main" xmlns:r="http://schemas.openxmlformats.org/officeDocument/2006/relationships" xmlns:p="http://schemas.openxmlformats.org/presentationml/2006/main">
   <p:cSld>
@@ -1704,6 +2579,896 @@
     <p:extLst>
       <p:ext uri="{BB962C8B-B14F-4D97-AF65-F5344CB8AC3E}">
         <p14:creationId xmlns:p14="http://schemas.microsoft.com/office/powerpoint/2010/main" val="1100409942"/>
+      </p:ext>
+    </p:extLst>
+  </p:cSld>
+  <p:clrMapOvr>
+    <a:masterClrMapping/>
+  </p:clrMapOvr>
+</p:notes>
+</file>
+
+<file path=ppt/notesSlides/notesSlide20.xml><?xml version="1.0" encoding="utf-8"?>
+<p:notes xmlns:a="http://schemas.openxmlformats.org/drawingml/2006/main" xmlns:r="http://schemas.openxmlformats.org/officeDocument/2006/relationships" xmlns:p="http://schemas.openxmlformats.org/presentationml/2006/main">
+  <p:cSld>
+    <p:spTree>
+      <p:nvGrpSpPr>
+        <p:cNvPr id="1" name=""/>
+        <p:cNvGrpSpPr/>
+        <p:nvPr/>
+      </p:nvGrpSpPr>
+      <p:grpSpPr>
+        <a:xfrm>
+          <a:off x="0" y="0"/>
+          <a:ext cx="0" cy="0"/>
+          <a:chOff x="0" y="0"/>
+          <a:chExt cx="0" cy="0"/>
+        </a:xfrm>
+      </p:grpSpPr>
+      <p:sp>
+        <p:nvSpPr>
+          <p:cNvPr id="2" name="Slide Image Placeholder 1"/>
+          <p:cNvSpPr>
+            <a:spLocks noGrp="1" noRot="1" noChangeAspect="1"/>
+          </p:cNvSpPr>
+          <p:nvPr>
+            <p:ph type="sldImg"/>
+          </p:nvPr>
+        </p:nvSpPr>
+        <p:spPr>
+          <a:xfrm>
+            <a:off x="4325938" y="73025"/>
+            <a:ext cx="2466975" cy="1851025"/>
+          </a:xfrm>
+        </p:spPr>
+      </p:sp>
+      <p:sp>
+        <p:nvSpPr>
+          <p:cNvPr id="3" name="Notes Placeholder 2"/>
+          <p:cNvSpPr>
+            <a:spLocks noGrp="1"/>
+          </p:cNvSpPr>
+          <p:nvPr>
+            <p:ph type="body" idx="1"/>
+          </p:nvPr>
+        </p:nvSpPr>
+        <p:spPr/>
+        <p:txBody>
+          <a:bodyPr/>
+          <a:lstStyle/>
+          <a:p>
+            <a:endParaRPr lang="en-US"/>
+          </a:p>
+        </p:txBody>
+      </p:sp>
+      <p:sp>
+        <p:nvSpPr>
+          <p:cNvPr id="4" name="Slide Number Placeholder 3"/>
+          <p:cNvSpPr>
+            <a:spLocks noGrp="1"/>
+          </p:cNvSpPr>
+          <p:nvPr>
+            <p:ph type="sldNum" sz="quarter" idx="10"/>
+          </p:nvPr>
+        </p:nvSpPr>
+        <p:spPr/>
+        <p:txBody>
+          <a:bodyPr/>
+          <a:lstStyle/>
+          <a:p>
+            <a:fld id="{F19E9337-0361-41F3-9C17-1F4FFD1214BA}" type="slidenum">
+              <a:rPr lang="en-US" smtClean="0"/>
+              <a:t>20</a:t>
+            </a:fld>
+            <a:endParaRPr lang="en-US" dirty="0"/>
+          </a:p>
+        </p:txBody>
+      </p:sp>
+    </p:spTree>
+    <p:extLst>
+      <p:ext uri="{BB962C8B-B14F-4D97-AF65-F5344CB8AC3E}">
+        <p14:creationId xmlns:p14="http://schemas.microsoft.com/office/powerpoint/2010/main" val="1433701225"/>
+      </p:ext>
+    </p:extLst>
+  </p:cSld>
+  <p:clrMapOvr>
+    <a:masterClrMapping/>
+  </p:clrMapOvr>
+</p:notes>
+</file>
+
+<file path=ppt/notesSlides/notesSlide21.xml><?xml version="1.0" encoding="utf-8"?>
+<p:notes xmlns:a="http://schemas.openxmlformats.org/drawingml/2006/main" xmlns:r="http://schemas.openxmlformats.org/officeDocument/2006/relationships" xmlns:p="http://schemas.openxmlformats.org/presentationml/2006/main">
+  <p:cSld>
+    <p:spTree>
+      <p:nvGrpSpPr>
+        <p:cNvPr id="1" name=""/>
+        <p:cNvGrpSpPr/>
+        <p:nvPr/>
+      </p:nvGrpSpPr>
+      <p:grpSpPr>
+        <a:xfrm>
+          <a:off x="0" y="0"/>
+          <a:ext cx="0" cy="0"/>
+          <a:chOff x="0" y="0"/>
+          <a:chExt cx="0" cy="0"/>
+        </a:xfrm>
+      </p:grpSpPr>
+      <p:sp>
+        <p:nvSpPr>
+          <p:cNvPr id="2" name="Slide Image Placeholder 1"/>
+          <p:cNvSpPr>
+            <a:spLocks noGrp="1" noRot="1" noChangeAspect="1"/>
+          </p:cNvSpPr>
+          <p:nvPr>
+            <p:ph type="sldImg"/>
+          </p:nvPr>
+        </p:nvSpPr>
+        <p:spPr>
+          <a:xfrm>
+            <a:off x="4325938" y="73025"/>
+            <a:ext cx="2466975" cy="1851025"/>
+          </a:xfrm>
+        </p:spPr>
+      </p:sp>
+      <p:sp>
+        <p:nvSpPr>
+          <p:cNvPr id="3" name="Notes Placeholder 2"/>
+          <p:cNvSpPr>
+            <a:spLocks noGrp="1"/>
+          </p:cNvSpPr>
+          <p:nvPr>
+            <p:ph type="body" idx="1"/>
+          </p:nvPr>
+        </p:nvSpPr>
+        <p:spPr/>
+        <p:txBody>
+          <a:bodyPr/>
+          <a:lstStyle/>
+          <a:p>
+            <a:endParaRPr lang="en-US"/>
+          </a:p>
+        </p:txBody>
+      </p:sp>
+      <p:sp>
+        <p:nvSpPr>
+          <p:cNvPr id="4" name="Slide Number Placeholder 3"/>
+          <p:cNvSpPr>
+            <a:spLocks noGrp="1"/>
+          </p:cNvSpPr>
+          <p:nvPr>
+            <p:ph type="sldNum" sz="quarter" idx="10"/>
+          </p:nvPr>
+        </p:nvSpPr>
+        <p:spPr/>
+        <p:txBody>
+          <a:bodyPr/>
+          <a:lstStyle/>
+          <a:p>
+            <a:fld id="{F19E9337-0361-41F3-9C17-1F4FFD1214BA}" type="slidenum">
+              <a:rPr lang="en-US" smtClean="0"/>
+              <a:t>21</a:t>
+            </a:fld>
+            <a:endParaRPr lang="en-US" dirty="0"/>
+          </a:p>
+        </p:txBody>
+      </p:sp>
+    </p:spTree>
+    <p:extLst>
+      <p:ext uri="{BB962C8B-B14F-4D97-AF65-F5344CB8AC3E}">
+        <p14:creationId xmlns:p14="http://schemas.microsoft.com/office/powerpoint/2010/main" val="708321070"/>
+      </p:ext>
+    </p:extLst>
+  </p:cSld>
+  <p:clrMapOvr>
+    <a:masterClrMapping/>
+  </p:clrMapOvr>
+</p:notes>
+</file>
+
+<file path=ppt/notesSlides/notesSlide22.xml><?xml version="1.0" encoding="utf-8"?>
+<p:notes xmlns:a="http://schemas.openxmlformats.org/drawingml/2006/main" xmlns:r="http://schemas.openxmlformats.org/officeDocument/2006/relationships" xmlns:p="http://schemas.openxmlformats.org/presentationml/2006/main">
+  <p:cSld>
+    <p:spTree>
+      <p:nvGrpSpPr>
+        <p:cNvPr id="1" name=""/>
+        <p:cNvGrpSpPr/>
+        <p:nvPr/>
+      </p:nvGrpSpPr>
+      <p:grpSpPr>
+        <a:xfrm>
+          <a:off x="0" y="0"/>
+          <a:ext cx="0" cy="0"/>
+          <a:chOff x="0" y="0"/>
+          <a:chExt cx="0" cy="0"/>
+        </a:xfrm>
+      </p:grpSpPr>
+      <p:sp>
+        <p:nvSpPr>
+          <p:cNvPr id="2" name="Slide Image Placeholder 1"/>
+          <p:cNvSpPr>
+            <a:spLocks noGrp="1" noRot="1" noChangeAspect="1"/>
+          </p:cNvSpPr>
+          <p:nvPr>
+            <p:ph type="sldImg"/>
+          </p:nvPr>
+        </p:nvSpPr>
+        <p:spPr>
+          <a:xfrm>
+            <a:off x="4325938" y="73025"/>
+            <a:ext cx="2466975" cy="1851025"/>
+          </a:xfrm>
+        </p:spPr>
+      </p:sp>
+      <p:sp>
+        <p:nvSpPr>
+          <p:cNvPr id="3" name="Notes Placeholder 2"/>
+          <p:cNvSpPr>
+            <a:spLocks noGrp="1"/>
+          </p:cNvSpPr>
+          <p:nvPr>
+            <p:ph type="body" idx="1"/>
+          </p:nvPr>
+        </p:nvSpPr>
+        <p:spPr/>
+        <p:txBody>
+          <a:bodyPr/>
+          <a:lstStyle/>
+          <a:p>
+            <a:endParaRPr lang="en-US"/>
+          </a:p>
+        </p:txBody>
+      </p:sp>
+      <p:sp>
+        <p:nvSpPr>
+          <p:cNvPr id="4" name="Slide Number Placeholder 3"/>
+          <p:cNvSpPr>
+            <a:spLocks noGrp="1"/>
+          </p:cNvSpPr>
+          <p:nvPr>
+            <p:ph type="sldNum" sz="quarter" idx="10"/>
+          </p:nvPr>
+        </p:nvSpPr>
+        <p:spPr/>
+        <p:txBody>
+          <a:bodyPr/>
+          <a:lstStyle/>
+          <a:p>
+            <a:fld id="{F19E9337-0361-41F3-9C17-1F4FFD1214BA}" type="slidenum">
+              <a:rPr lang="en-US" smtClean="0"/>
+              <a:t>22</a:t>
+            </a:fld>
+            <a:endParaRPr lang="en-US" dirty="0"/>
+          </a:p>
+        </p:txBody>
+      </p:sp>
+    </p:spTree>
+    <p:extLst>
+      <p:ext uri="{BB962C8B-B14F-4D97-AF65-F5344CB8AC3E}">
+        <p14:creationId xmlns:p14="http://schemas.microsoft.com/office/powerpoint/2010/main" val="876991427"/>
+      </p:ext>
+    </p:extLst>
+  </p:cSld>
+  <p:clrMapOvr>
+    <a:masterClrMapping/>
+  </p:clrMapOvr>
+</p:notes>
+</file>
+
+<file path=ppt/notesSlides/notesSlide23.xml><?xml version="1.0" encoding="utf-8"?>
+<p:notes xmlns:a="http://schemas.openxmlformats.org/drawingml/2006/main" xmlns:r="http://schemas.openxmlformats.org/officeDocument/2006/relationships" xmlns:p="http://schemas.openxmlformats.org/presentationml/2006/main">
+  <p:cSld>
+    <p:spTree>
+      <p:nvGrpSpPr>
+        <p:cNvPr id="1" name=""/>
+        <p:cNvGrpSpPr/>
+        <p:nvPr/>
+      </p:nvGrpSpPr>
+      <p:grpSpPr>
+        <a:xfrm>
+          <a:off x="0" y="0"/>
+          <a:ext cx="0" cy="0"/>
+          <a:chOff x="0" y="0"/>
+          <a:chExt cx="0" cy="0"/>
+        </a:xfrm>
+      </p:grpSpPr>
+      <p:sp>
+        <p:nvSpPr>
+          <p:cNvPr id="2" name="Slide Image Placeholder 1"/>
+          <p:cNvSpPr>
+            <a:spLocks noGrp="1" noRot="1" noChangeAspect="1"/>
+          </p:cNvSpPr>
+          <p:nvPr>
+            <p:ph type="sldImg"/>
+          </p:nvPr>
+        </p:nvSpPr>
+        <p:spPr>
+          <a:xfrm>
+            <a:off x="4325938" y="73025"/>
+            <a:ext cx="2466975" cy="1851025"/>
+          </a:xfrm>
+        </p:spPr>
+      </p:sp>
+      <p:sp>
+        <p:nvSpPr>
+          <p:cNvPr id="3" name="Notes Placeholder 2"/>
+          <p:cNvSpPr>
+            <a:spLocks noGrp="1"/>
+          </p:cNvSpPr>
+          <p:nvPr>
+            <p:ph type="body" idx="1"/>
+          </p:nvPr>
+        </p:nvSpPr>
+        <p:spPr/>
+        <p:txBody>
+          <a:bodyPr/>
+          <a:lstStyle/>
+          <a:p>
+            <a:endParaRPr lang="en-US"/>
+          </a:p>
+        </p:txBody>
+      </p:sp>
+      <p:sp>
+        <p:nvSpPr>
+          <p:cNvPr id="4" name="Slide Number Placeholder 3"/>
+          <p:cNvSpPr>
+            <a:spLocks noGrp="1"/>
+          </p:cNvSpPr>
+          <p:nvPr>
+            <p:ph type="sldNum" sz="quarter" idx="10"/>
+          </p:nvPr>
+        </p:nvSpPr>
+        <p:spPr/>
+        <p:txBody>
+          <a:bodyPr/>
+          <a:lstStyle/>
+          <a:p>
+            <a:fld id="{F19E9337-0361-41F3-9C17-1F4FFD1214BA}" type="slidenum">
+              <a:rPr lang="en-US" smtClean="0"/>
+              <a:t>23</a:t>
+            </a:fld>
+            <a:endParaRPr lang="en-US" dirty="0"/>
+          </a:p>
+        </p:txBody>
+      </p:sp>
+    </p:spTree>
+    <p:extLst>
+      <p:ext uri="{BB962C8B-B14F-4D97-AF65-F5344CB8AC3E}">
+        <p14:creationId xmlns:p14="http://schemas.microsoft.com/office/powerpoint/2010/main" val="3609955261"/>
+      </p:ext>
+    </p:extLst>
+  </p:cSld>
+  <p:clrMapOvr>
+    <a:masterClrMapping/>
+  </p:clrMapOvr>
+</p:notes>
+</file>
+
+<file path=ppt/notesSlides/notesSlide24.xml><?xml version="1.0" encoding="utf-8"?>
+<p:notes xmlns:a="http://schemas.openxmlformats.org/drawingml/2006/main" xmlns:r="http://schemas.openxmlformats.org/officeDocument/2006/relationships" xmlns:p="http://schemas.openxmlformats.org/presentationml/2006/main">
+  <p:cSld>
+    <p:spTree>
+      <p:nvGrpSpPr>
+        <p:cNvPr id="1" name=""/>
+        <p:cNvGrpSpPr/>
+        <p:nvPr/>
+      </p:nvGrpSpPr>
+      <p:grpSpPr>
+        <a:xfrm>
+          <a:off x="0" y="0"/>
+          <a:ext cx="0" cy="0"/>
+          <a:chOff x="0" y="0"/>
+          <a:chExt cx="0" cy="0"/>
+        </a:xfrm>
+      </p:grpSpPr>
+      <p:sp>
+        <p:nvSpPr>
+          <p:cNvPr id="2" name="Slide Image Placeholder 1"/>
+          <p:cNvSpPr>
+            <a:spLocks noGrp="1" noRot="1" noChangeAspect="1"/>
+          </p:cNvSpPr>
+          <p:nvPr>
+            <p:ph type="sldImg"/>
+          </p:nvPr>
+        </p:nvSpPr>
+        <p:spPr>
+          <a:xfrm>
+            <a:off x="4325938" y="73025"/>
+            <a:ext cx="2466975" cy="1851025"/>
+          </a:xfrm>
+        </p:spPr>
+      </p:sp>
+      <p:sp>
+        <p:nvSpPr>
+          <p:cNvPr id="3" name="Notes Placeholder 2"/>
+          <p:cNvSpPr>
+            <a:spLocks noGrp="1"/>
+          </p:cNvSpPr>
+          <p:nvPr>
+            <p:ph type="body" idx="1"/>
+          </p:nvPr>
+        </p:nvSpPr>
+        <p:spPr/>
+        <p:txBody>
+          <a:bodyPr/>
+          <a:lstStyle/>
+          <a:p>
+            <a:endParaRPr lang="en-US"/>
+          </a:p>
+        </p:txBody>
+      </p:sp>
+      <p:sp>
+        <p:nvSpPr>
+          <p:cNvPr id="4" name="Slide Number Placeholder 3"/>
+          <p:cNvSpPr>
+            <a:spLocks noGrp="1"/>
+          </p:cNvSpPr>
+          <p:nvPr>
+            <p:ph type="sldNum" sz="quarter" idx="10"/>
+          </p:nvPr>
+        </p:nvSpPr>
+        <p:spPr/>
+        <p:txBody>
+          <a:bodyPr/>
+          <a:lstStyle/>
+          <a:p>
+            <a:fld id="{F19E9337-0361-41F3-9C17-1F4FFD1214BA}" type="slidenum">
+              <a:rPr lang="en-US" smtClean="0"/>
+              <a:t>24</a:t>
+            </a:fld>
+            <a:endParaRPr lang="en-US" dirty="0"/>
+          </a:p>
+        </p:txBody>
+      </p:sp>
+    </p:spTree>
+    <p:extLst>
+      <p:ext uri="{BB962C8B-B14F-4D97-AF65-F5344CB8AC3E}">
+        <p14:creationId xmlns:p14="http://schemas.microsoft.com/office/powerpoint/2010/main" val="3152457729"/>
+      </p:ext>
+    </p:extLst>
+  </p:cSld>
+  <p:clrMapOvr>
+    <a:masterClrMapping/>
+  </p:clrMapOvr>
+</p:notes>
+</file>
+
+<file path=ppt/notesSlides/notesSlide25.xml><?xml version="1.0" encoding="utf-8"?>
+<p:notes xmlns:a="http://schemas.openxmlformats.org/drawingml/2006/main" xmlns:r="http://schemas.openxmlformats.org/officeDocument/2006/relationships" xmlns:p="http://schemas.openxmlformats.org/presentationml/2006/main">
+  <p:cSld>
+    <p:spTree>
+      <p:nvGrpSpPr>
+        <p:cNvPr id="1" name=""/>
+        <p:cNvGrpSpPr/>
+        <p:nvPr/>
+      </p:nvGrpSpPr>
+      <p:grpSpPr>
+        <a:xfrm>
+          <a:off x="0" y="0"/>
+          <a:ext cx="0" cy="0"/>
+          <a:chOff x="0" y="0"/>
+          <a:chExt cx="0" cy="0"/>
+        </a:xfrm>
+      </p:grpSpPr>
+      <p:sp>
+        <p:nvSpPr>
+          <p:cNvPr id="2" name="Slide Image Placeholder 1"/>
+          <p:cNvSpPr>
+            <a:spLocks noGrp="1" noRot="1" noChangeAspect="1"/>
+          </p:cNvSpPr>
+          <p:nvPr>
+            <p:ph type="sldImg"/>
+          </p:nvPr>
+        </p:nvSpPr>
+        <p:spPr>
+          <a:xfrm>
+            <a:off x="4325938" y="73025"/>
+            <a:ext cx="2466975" cy="1851025"/>
+          </a:xfrm>
+        </p:spPr>
+      </p:sp>
+      <p:sp>
+        <p:nvSpPr>
+          <p:cNvPr id="3" name="Notes Placeholder 2"/>
+          <p:cNvSpPr>
+            <a:spLocks noGrp="1"/>
+          </p:cNvSpPr>
+          <p:nvPr>
+            <p:ph type="body" idx="1"/>
+          </p:nvPr>
+        </p:nvSpPr>
+        <p:spPr/>
+        <p:txBody>
+          <a:bodyPr/>
+          <a:lstStyle/>
+          <a:p>
+            <a:endParaRPr lang="en-US"/>
+          </a:p>
+        </p:txBody>
+      </p:sp>
+      <p:sp>
+        <p:nvSpPr>
+          <p:cNvPr id="4" name="Slide Number Placeholder 3"/>
+          <p:cNvSpPr>
+            <a:spLocks noGrp="1"/>
+          </p:cNvSpPr>
+          <p:nvPr>
+            <p:ph type="sldNum" sz="quarter" idx="10"/>
+          </p:nvPr>
+        </p:nvSpPr>
+        <p:spPr/>
+        <p:txBody>
+          <a:bodyPr/>
+          <a:lstStyle/>
+          <a:p>
+            <a:fld id="{F19E9337-0361-41F3-9C17-1F4FFD1214BA}" type="slidenum">
+              <a:rPr lang="en-US" smtClean="0"/>
+              <a:t>25</a:t>
+            </a:fld>
+            <a:endParaRPr lang="en-US" dirty="0"/>
+          </a:p>
+        </p:txBody>
+      </p:sp>
+    </p:spTree>
+    <p:extLst>
+      <p:ext uri="{BB962C8B-B14F-4D97-AF65-F5344CB8AC3E}">
+        <p14:creationId xmlns:p14="http://schemas.microsoft.com/office/powerpoint/2010/main" val="391031036"/>
+      </p:ext>
+    </p:extLst>
+  </p:cSld>
+  <p:clrMapOvr>
+    <a:masterClrMapping/>
+  </p:clrMapOvr>
+</p:notes>
+</file>
+
+<file path=ppt/notesSlides/notesSlide26.xml><?xml version="1.0" encoding="utf-8"?>
+<p:notes xmlns:a="http://schemas.openxmlformats.org/drawingml/2006/main" xmlns:r="http://schemas.openxmlformats.org/officeDocument/2006/relationships" xmlns:p="http://schemas.openxmlformats.org/presentationml/2006/main">
+  <p:cSld>
+    <p:spTree>
+      <p:nvGrpSpPr>
+        <p:cNvPr id="1" name=""/>
+        <p:cNvGrpSpPr/>
+        <p:nvPr/>
+      </p:nvGrpSpPr>
+      <p:grpSpPr>
+        <a:xfrm>
+          <a:off x="0" y="0"/>
+          <a:ext cx="0" cy="0"/>
+          <a:chOff x="0" y="0"/>
+          <a:chExt cx="0" cy="0"/>
+        </a:xfrm>
+      </p:grpSpPr>
+      <p:sp>
+        <p:nvSpPr>
+          <p:cNvPr id="2" name="Slide Image Placeholder 1"/>
+          <p:cNvSpPr>
+            <a:spLocks noGrp="1" noRot="1" noChangeAspect="1"/>
+          </p:cNvSpPr>
+          <p:nvPr>
+            <p:ph type="sldImg"/>
+          </p:nvPr>
+        </p:nvSpPr>
+        <p:spPr>
+          <a:xfrm>
+            <a:off x="4325938" y="73025"/>
+            <a:ext cx="2466975" cy="1851025"/>
+          </a:xfrm>
+        </p:spPr>
+      </p:sp>
+      <p:sp>
+        <p:nvSpPr>
+          <p:cNvPr id="3" name="Notes Placeholder 2"/>
+          <p:cNvSpPr>
+            <a:spLocks noGrp="1"/>
+          </p:cNvSpPr>
+          <p:nvPr>
+            <p:ph type="body" idx="1"/>
+          </p:nvPr>
+        </p:nvSpPr>
+        <p:spPr/>
+        <p:txBody>
+          <a:bodyPr/>
+          <a:lstStyle/>
+          <a:p>
+            <a:endParaRPr lang="en-US"/>
+          </a:p>
+        </p:txBody>
+      </p:sp>
+      <p:sp>
+        <p:nvSpPr>
+          <p:cNvPr id="4" name="Slide Number Placeholder 3"/>
+          <p:cNvSpPr>
+            <a:spLocks noGrp="1"/>
+          </p:cNvSpPr>
+          <p:nvPr>
+            <p:ph type="sldNum" sz="quarter" idx="10"/>
+          </p:nvPr>
+        </p:nvSpPr>
+        <p:spPr/>
+        <p:txBody>
+          <a:bodyPr/>
+          <a:lstStyle/>
+          <a:p>
+            <a:fld id="{F19E9337-0361-41F3-9C17-1F4FFD1214BA}" type="slidenum">
+              <a:rPr lang="en-US" smtClean="0"/>
+              <a:t>26</a:t>
+            </a:fld>
+            <a:endParaRPr lang="en-US" dirty="0"/>
+          </a:p>
+        </p:txBody>
+      </p:sp>
+    </p:spTree>
+    <p:extLst>
+      <p:ext uri="{BB962C8B-B14F-4D97-AF65-F5344CB8AC3E}">
+        <p14:creationId xmlns:p14="http://schemas.microsoft.com/office/powerpoint/2010/main" val="1533366992"/>
+      </p:ext>
+    </p:extLst>
+  </p:cSld>
+  <p:clrMapOvr>
+    <a:masterClrMapping/>
+  </p:clrMapOvr>
+</p:notes>
+</file>
+
+<file path=ppt/notesSlides/notesSlide27.xml><?xml version="1.0" encoding="utf-8"?>
+<p:notes xmlns:a="http://schemas.openxmlformats.org/drawingml/2006/main" xmlns:r="http://schemas.openxmlformats.org/officeDocument/2006/relationships" xmlns:p="http://schemas.openxmlformats.org/presentationml/2006/main">
+  <p:cSld>
+    <p:spTree>
+      <p:nvGrpSpPr>
+        <p:cNvPr id="1" name=""/>
+        <p:cNvGrpSpPr/>
+        <p:nvPr/>
+      </p:nvGrpSpPr>
+      <p:grpSpPr>
+        <a:xfrm>
+          <a:off x="0" y="0"/>
+          <a:ext cx="0" cy="0"/>
+          <a:chOff x="0" y="0"/>
+          <a:chExt cx="0" cy="0"/>
+        </a:xfrm>
+      </p:grpSpPr>
+      <p:sp>
+        <p:nvSpPr>
+          <p:cNvPr id="2" name="Slide Image Placeholder 1"/>
+          <p:cNvSpPr>
+            <a:spLocks noGrp="1" noRot="1" noChangeAspect="1"/>
+          </p:cNvSpPr>
+          <p:nvPr>
+            <p:ph type="sldImg"/>
+          </p:nvPr>
+        </p:nvSpPr>
+        <p:spPr>
+          <a:xfrm>
+            <a:off x="4325938" y="73025"/>
+            <a:ext cx="2466975" cy="1851025"/>
+          </a:xfrm>
+        </p:spPr>
+      </p:sp>
+      <p:sp>
+        <p:nvSpPr>
+          <p:cNvPr id="3" name="Notes Placeholder 2"/>
+          <p:cNvSpPr>
+            <a:spLocks noGrp="1"/>
+          </p:cNvSpPr>
+          <p:nvPr>
+            <p:ph type="body" idx="1"/>
+          </p:nvPr>
+        </p:nvSpPr>
+        <p:spPr/>
+        <p:txBody>
+          <a:bodyPr/>
+          <a:lstStyle/>
+          <a:p>
+            <a:endParaRPr lang="en-US"/>
+          </a:p>
+        </p:txBody>
+      </p:sp>
+      <p:sp>
+        <p:nvSpPr>
+          <p:cNvPr id="4" name="Slide Number Placeholder 3"/>
+          <p:cNvSpPr>
+            <a:spLocks noGrp="1"/>
+          </p:cNvSpPr>
+          <p:nvPr>
+            <p:ph type="sldNum" sz="quarter" idx="10"/>
+          </p:nvPr>
+        </p:nvSpPr>
+        <p:spPr/>
+        <p:txBody>
+          <a:bodyPr/>
+          <a:lstStyle/>
+          <a:p>
+            <a:fld id="{F19E9337-0361-41F3-9C17-1F4FFD1214BA}" type="slidenum">
+              <a:rPr lang="en-US" smtClean="0"/>
+              <a:t>27</a:t>
+            </a:fld>
+            <a:endParaRPr lang="en-US" dirty="0"/>
+          </a:p>
+        </p:txBody>
+      </p:sp>
+    </p:spTree>
+    <p:extLst>
+      <p:ext uri="{BB962C8B-B14F-4D97-AF65-F5344CB8AC3E}">
+        <p14:creationId xmlns:p14="http://schemas.microsoft.com/office/powerpoint/2010/main" val="1364524860"/>
+      </p:ext>
+    </p:extLst>
+  </p:cSld>
+  <p:clrMapOvr>
+    <a:masterClrMapping/>
+  </p:clrMapOvr>
+</p:notes>
+</file>
+
+<file path=ppt/notesSlides/notesSlide28.xml><?xml version="1.0" encoding="utf-8"?>
+<p:notes xmlns:a="http://schemas.openxmlformats.org/drawingml/2006/main" xmlns:r="http://schemas.openxmlformats.org/officeDocument/2006/relationships" xmlns:p="http://schemas.openxmlformats.org/presentationml/2006/main">
+  <p:cSld>
+    <p:spTree>
+      <p:nvGrpSpPr>
+        <p:cNvPr id="1" name=""/>
+        <p:cNvGrpSpPr/>
+        <p:nvPr/>
+      </p:nvGrpSpPr>
+      <p:grpSpPr>
+        <a:xfrm>
+          <a:off x="0" y="0"/>
+          <a:ext cx="0" cy="0"/>
+          <a:chOff x="0" y="0"/>
+          <a:chExt cx="0" cy="0"/>
+        </a:xfrm>
+      </p:grpSpPr>
+      <p:sp>
+        <p:nvSpPr>
+          <p:cNvPr id="2" name="Slide Image Placeholder 1"/>
+          <p:cNvSpPr>
+            <a:spLocks noGrp="1" noRot="1" noChangeAspect="1"/>
+          </p:cNvSpPr>
+          <p:nvPr>
+            <p:ph type="sldImg"/>
+          </p:nvPr>
+        </p:nvSpPr>
+        <p:spPr>
+          <a:xfrm>
+            <a:off x="4325938" y="73025"/>
+            <a:ext cx="2466975" cy="1851025"/>
+          </a:xfrm>
+        </p:spPr>
+      </p:sp>
+      <p:sp>
+        <p:nvSpPr>
+          <p:cNvPr id="3" name="Notes Placeholder 2"/>
+          <p:cNvSpPr>
+            <a:spLocks noGrp="1"/>
+          </p:cNvSpPr>
+          <p:nvPr>
+            <p:ph type="body" idx="1"/>
+          </p:nvPr>
+        </p:nvSpPr>
+        <p:spPr/>
+        <p:txBody>
+          <a:bodyPr/>
+          <a:lstStyle/>
+          <a:p>
+            <a:endParaRPr lang="en-US"/>
+          </a:p>
+        </p:txBody>
+      </p:sp>
+      <p:sp>
+        <p:nvSpPr>
+          <p:cNvPr id="4" name="Slide Number Placeholder 3"/>
+          <p:cNvSpPr>
+            <a:spLocks noGrp="1"/>
+          </p:cNvSpPr>
+          <p:nvPr>
+            <p:ph type="sldNum" sz="quarter" idx="10"/>
+          </p:nvPr>
+        </p:nvSpPr>
+        <p:spPr/>
+        <p:txBody>
+          <a:bodyPr/>
+          <a:lstStyle/>
+          <a:p>
+            <a:fld id="{F19E9337-0361-41F3-9C17-1F4FFD1214BA}" type="slidenum">
+              <a:rPr lang="en-US" smtClean="0"/>
+              <a:t>28</a:t>
+            </a:fld>
+            <a:endParaRPr lang="en-US" dirty="0"/>
+          </a:p>
+        </p:txBody>
+      </p:sp>
+    </p:spTree>
+    <p:extLst>
+      <p:ext uri="{BB962C8B-B14F-4D97-AF65-F5344CB8AC3E}">
+        <p14:creationId xmlns:p14="http://schemas.microsoft.com/office/powerpoint/2010/main" val="908498621"/>
+      </p:ext>
+    </p:extLst>
+  </p:cSld>
+  <p:clrMapOvr>
+    <a:masterClrMapping/>
+  </p:clrMapOvr>
+</p:notes>
+</file>
+
+<file path=ppt/notesSlides/notesSlide29.xml><?xml version="1.0" encoding="utf-8"?>
+<p:notes xmlns:a="http://schemas.openxmlformats.org/drawingml/2006/main" xmlns:r="http://schemas.openxmlformats.org/officeDocument/2006/relationships" xmlns:p="http://schemas.openxmlformats.org/presentationml/2006/main">
+  <p:cSld>
+    <p:spTree>
+      <p:nvGrpSpPr>
+        <p:cNvPr id="1" name=""/>
+        <p:cNvGrpSpPr/>
+        <p:nvPr/>
+      </p:nvGrpSpPr>
+      <p:grpSpPr>
+        <a:xfrm>
+          <a:off x="0" y="0"/>
+          <a:ext cx="0" cy="0"/>
+          <a:chOff x="0" y="0"/>
+          <a:chExt cx="0" cy="0"/>
+        </a:xfrm>
+      </p:grpSpPr>
+      <p:sp>
+        <p:nvSpPr>
+          <p:cNvPr id="2" name="Slide Image Placeholder 1"/>
+          <p:cNvSpPr>
+            <a:spLocks noGrp="1" noRot="1" noChangeAspect="1"/>
+          </p:cNvSpPr>
+          <p:nvPr>
+            <p:ph type="sldImg"/>
+          </p:nvPr>
+        </p:nvSpPr>
+        <p:spPr>
+          <a:xfrm>
+            <a:off x="4325938" y="73025"/>
+            <a:ext cx="2466975" cy="1851025"/>
+          </a:xfrm>
+        </p:spPr>
+      </p:sp>
+      <p:sp>
+        <p:nvSpPr>
+          <p:cNvPr id="3" name="Notes Placeholder 2"/>
+          <p:cNvSpPr>
+            <a:spLocks noGrp="1"/>
+          </p:cNvSpPr>
+          <p:nvPr>
+            <p:ph type="body" idx="1"/>
+          </p:nvPr>
+        </p:nvSpPr>
+        <p:spPr/>
+        <p:txBody>
+          <a:bodyPr/>
+          <a:lstStyle/>
+          <a:p>
+            <a:endParaRPr lang="en-US"/>
+          </a:p>
+        </p:txBody>
+      </p:sp>
+      <p:sp>
+        <p:nvSpPr>
+          <p:cNvPr id="4" name="Slide Number Placeholder 3"/>
+          <p:cNvSpPr>
+            <a:spLocks noGrp="1"/>
+          </p:cNvSpPr>
+          <p:nvPr>
+            <p:ph type="sldNum" sz="quarter" idx="10"/>
+          </p:nvPr>
+        </p:nvSpPr>
+        <p:spPr/>
+        <p:txBody>
+          <a:bodyPr/>
+          <a:lstStyle/>
+          <a:p>
+            <a:fld id="{F19E9337-0361-41F3-9C17-1F4FFD1214BA}" type="slidenum">
+              <a:rPr lang="en-US" smtClean="0"/>
+              <a:t>29</a:t>
+            </a:fld>
+            <a:endParaRPr lang="en-US" dirty="0"/>
+          </a:p>
+        </p:txBody>
+      </p:sp>
+    </p:spTree>
+    <p:extLst>
+      <p:ext uri="{BB962C8B-B14F-4D97-AF65-F5344CB8AC3E}">
+        <p14:creationId xmlns:p14="http://schemas.microsoft.com/office/powerpoint/2010/main" val="206026183"/>
       </p:ext>
     </p:extLst>
   </p:cSld>
@@ -1802,6 +3567,896 @@
 </p:notes>
 </file>
 
+<file path=ppt/notesSlides/notesSlide30.xml><?xml version="1.0" encoding="utf-8"?>
+<p:notes xmlns:a="http://schemas.openxmlformats.org/drawingml/2006/main" xmlns:r="http://schemas.openxmlformats.org/officeDocument/2006/relationships" xmlns:p="http://schemas.openxmlformats.org/presentationml/2006/main">
+  <p:cSld>
+    <p:spTree>
+      <p:nvGrpSpPr>
+        <p:cNvPr id="1" name=""/>
+        <p:cNvGrpSpPr/>
+        <p:nvPr/>
+      </p:nvGrpSpPr>
+      <p:grpSpPr>
+        <a:xfrm>
+          <a:off x="0" y="0"/>
+          <a:ext cx="0" cy="0"/>
+          <a:chOff x="0" y="0"/>
+          <a:chExt cx="0" cy="0"/>
+        </a:xfrm>
+      </p:grpSpPr>
+      <p:sp>
+        <p:nvSpPr>
+          <p:cNvPr id="2" name="Slide Image Placeholder 1"/>
+          <p:cNvSpPr>
+            <a:spLocks noGrp="1" noRot="1" noChangeAspect="1"/>
+          </p:cNvSpPr>
+          <p:nvPr>
+            <p:ph type="sldImg"/>
+          </p:nvPr>
+        </p:nvSpPr>
+        <p:spPr>
+          <a:xfrm>
+            <a:off x="4325938" y="73025"/>
+            <a:ext cx="2466975" cy="1851025"/>
+          </a:xfrm>
+        </p:spPr>
+      </p:sp>
+      <p:sp>
+        <p:nvSpPr>
+          <p:cNvPr id="3" name="Notes Placeholder 2"/>
+          <p:cNvSpPr>
+            <a:spLocks noGrp="1"/>
+          </p:cNvSpPr>
+          <p:nvPr>
+            <p:ph type="body" idx="1"/>
+          </p:nvPr>
+        </p:nvSpPr>
+        <p:spPr/>
+        <p:txBody>
+          <a:bodyPr/>
+          <a:lstStyle/>
+          <a:p>
+            <a:endParaRPr lang="en-US"/>
+          </a:p>
+        </p:txBody>
+      </p:sp>
+      <p:sp>
+        <p:nvSpPr>
+          <p:cNvPr id="4" name="Slide Number Placeholder 3"/>
+          <p:cNvSpPr>
+            <a:spLocks noGrp="1"/>
+          </p:cNvSpPr>
+          <p:nvPr>
+            <p:ph type="sldNum" sz="quarter" idx="10"/>
+          </p:nvPr>
+        </p:nvSpPr>
+        <p:spPr/>
+        <p:txBody>
+          <a:bodyPr/>
+          <a:lstStyle/>
+          <a:p>
+            <a:fld id="{F19E9337-0361-41F3-9C17-1F4FFD1214BA}" type="slidenum">
+              <a:rPr lang="en-US" smtClean="0"/>
+              <a:t>30</a:t>
+            </a:fld>
+            <a:endParaRPr lang="en-US" dirty="0"/>
+          </a:p>
+        </p:txBody>
+      </p:sp>
+    </p:spTree>
+    <p:extLst>
+      <p:ext uri="{BB962C8B-B14F-4D97-AF65-F5344CB8AC3E}">
+        <p14:creationId xmlns:p14="http://schemas.microsoft.com/office/powerpoint/2010/main" val="3547252881"/>
+      </p:ext>
+    </p:extLst>
+  </p:cSld>
+  <p:clrMapOvr>
+    <a:masterClrMapping/>
+  </p:clrMapOvr>
+</p:notes>
+</file>
+
+<file path=ppt/notesSlides/notesSlide31.xml><?xml version="1.0" encoding="utf-8"?>
+<p:notes xmlns:a="http://schemas.openxmlformats.org/drawingml/2006/main" xmlns:r="http://schemas.openxmlformats.org/officeDocument/2006/relationships" xmlns:p="http://schemas.openxmlformats.org/presentationml/2006/main">
+  <p:cSld>
+    <p:spTree>
+      <p:nvGrpSpPr>
+        <p:cNvPr id="1" name=""/>
+        <p:cNvGrpSpPr/>
+        <p:nvPr/>
+      </p:nvGrpSpPr>
+      <p:grpSpPr>
+        <a:xfrm>
+          <a:off x="0" y="0"/>
+          <a:ext cx="0" cy="0"/>
+          <a:chOff x="0" y="0"/>
+          <a:chExt cx="0" cy="0"/>
+        </a:xfrm>
+      </p:grpSpPr>
+      <p:sp>
+        <p:nvSpPr>
+          <p:cNvPr id="2" name="Slide Image Placeholder 1"/>
+          <p:cNvSpPr>
+            <a:spLocks noGrp="1" noRot="1" noChangeAspect="1"/>
+          </p:cNvSpPr>
+          <p:nvPr>
+            <p:ph type="sldImg"/>
+          </p:nvPr>
+        </p:nvSpPr>
+        <p:spPr>
+          <a:xfrm>
+            <a:off x="4325938" y="73025"/>
+            <a:ext cx="2466975" cy="1851025"/>
+          </a:xfrm>
+        </p:spPr>
+      </p:sp>
+      <p:sp>
+        <p:nvSpPr>
+          <p:cNvPr id="3" name="Notes Placeholder 2"/>
+          <p:cNvSpPr>
+            <a:spLocks noGrp="1"/>
+          </p:cNvSpPr>
+          <p:nvPr>
+            <p:ph type="body" idx="1"/>
+          </p:nvPr>
+        </p:nvSpPr>
+        <p:spPr/>
+        <p:txBody>
+          <a:bodyPr/>
+          <a:lstStyle/>
+          <a:p>
+            <a:endParaRPr lang="en-US"/>
+          </a:p>
+        </p:txBody>
+      </p:sp>
+      <p:sp>
+        <p:nvSpPr>
+          <p:cNvPr id="4" name="Slide Number Placeholder 3"/>
+          <p:cNvSpPr>
+            <a:spLocks noGrp="1"/>
+          </p:cNvSpPr>
+          <p:nvPr>
+            <p:ph type="sldNum" sz="quarter" idx="10"/>
+          </p:nvPr>
+        </p:nvSpPr>
+        <p:spPr/>
+        <p:txBody>
+          <a:bodyPr/>
+          <a:lstStyle/>
+          <a:p>
+            <a:fld id="{F19E9337-0361-41F3-9C17-1F4FFD1214BA}" type="slidenum">
+              <a:rPr lang="en-US" smtClean="0"/>
+              <a:t>31</a:t>
+            </a:fld>
+            <a:endParaRPr lang="en-US" dirty="0"/>
+          </a:p>
+        </p:txBody>
+      </p:sp>
+    </p:spTree>
+    <p:extLst>
+      <p:ext uri="{BB962C8B-B14F-4D97-AF65-F5344CB8AC3E}">
+        <p14:creationId xmlns:p14="http://schemas.microsoft.com/office/powerpoint/2010/main" val="814245555"/>
+      </p:ext>
+    </p:extLst>
+  </p:cSld>
+  <p:clrMapOvr>
+    <a:masterClrMapping/>
+  </p:clrMapOvr>
+</p:notes>
+</file>
+
+<file path=ppt/notesSlides/notesSlide32.xml><?xml version="1.0" encoding="utf-8"?>
+<p:notes xmlns:a="http://schemas.openxmlformats.org/drawingml/2006/main" xmlns:r="http://schemas.openxmlformats.org/officeDocument/2006/relationships" xmlns:p="http://schemas.openxmlformats.org/presentationml/2006/main">
+  <p:cSld>
+    <p:spTree>
+      <p:nvGrpSpPr>
+        <p:cNvPr id="1" name=""/>
+        <p:cNvGrpSpPr/>
+        <p:nvPr/>
+      </p:nvGrpSpPr>
+      <p:grpSpPr>
+        <a:xfrm>
+          <a:off x="0" y="0"/>
+          <a:ext cx="0" cy="0"/>
+          <a:chOff x="0" y="0"/>
+          <a:chExt cx="0" cy="0"/>
+        </a:xfrm>
+      </p:grpSpPr>
+      <p:sp>
+        <p:nvSpPr>
+          <p:cNvPr id="2" name="Slide Image Placeholder 1"/>
+          <p:cNvSpPr>
+            <a:spLocks noGrp="1" noRot="1" noChangeAspect="1"/>
+          </p:cNvSpPr>
+          <p:nvPr>
+            <p:ph type="sldImg"/>
+          </p:nvPr>
+        </p:nvSpPr>
+        <p:spPr>
+          <a:xfrm>
+            <a:off x="4325938" y="73025"/>
+            <a:ext cx="2466975" cy="1851025"/>
+          </a:xfrm>
+        </p:spPr>
+      </p:sp>
+      <p:sp>
+        <p:nvSpPr>
+          <p:cNvPr id="3" name="Notes Placeholder 2"/>
+          <p:cNvSpPr>
+            <a:spLocks noGrp="1"/>
+          </p:cNvSpPr>
+          <p:nvPr>
+            <p:ph type="body" idx="1"/>
+          </p:nvPr>
+        </p:nvSpPr>
+        <p:spPr/>
+        <p:txBody>
+          <a:bodyPr/>
+          <a:lstStyle/>
+          <a:p>
+            <a:endParaRPr lang="en-US"/>
+          </a:p>
+        </p:txBody>
+      </p:sp>
+      <p:sp>
+        <p:nvSpPr>
+          <p:cNvPr id="4" name="Slide Number Placeholder 3"/>
+          <p:cNvSpPr>
+            <a:spLocks noGrp="1"/>
+          </p:cNvSpPr>
+          <p:nvPr>
+            <p:ph type="sldNum" sz="quarter" idx="10"/>
+          </p:nvPr>
+        </p:nvSpPr>
+        <p:spPr/>
+        <p:txBody>
+          <a:bodyPr/>
+          <a:lstStyle/>
+          <a:p>
+            <a:fld id="{F19E9337-0361-41F3-9C17-1F4FFD1214BA}" type="slidenum">
+              <a:rPr lang="en-US" smtClean="0"/>
+              <a:t>32</a:t>
+            </a:fld>
+            <a:endParaRPr lang="en-US" dirty="0"/>
+          </a:p>
+        </p:txBody>
+      </p:sp>
+    </p:spTree>
+    <p:extLst>
+      <p:ext uri="{BB962C8B-B14F-4D97-AF65-F5344CB8AC3E}">
+        <p14:creationId xmlns:p14="http://schemas.microsoft.com/office/powerpoint/2010/main" val="506436832"/>
+      </p:ext>
+    </p:extLst>
+  </p:cSld>
+  <p:clrMapOvr>
+    <a:masterClrMapping/>
+  </p:clrMapOvr>
+</p:notes>
+</file>
+
+<file path=ppt/notesSlides/notesSlide33.xml><?xml version="1.0" encoding="utf-8"?>
+<p:notes xmlns:a="http://schemas.openxmlformats.org/drawingml/2006/main" xmlns:r="http://schemas.openxmlformats.org/officeDocument/2006/relationships" xmlns:p="http://schemas.openxmlformats.org/presentationml/2006/main">
+  <p:cSld>
+    <p:spTree>
+      <p:nvGrpSpPr>
+        <p:cNvPr id="1" name=""/>
+        <p:cNvGrpSpPr/>
+        <p:nvPr/>
+      </p:nvGrpSpPr>
+      <p:grpSpPr>
+        <a:xfrm>
+          <a:off x="0" y="0"/>
+          <a:ext cx="0" cy="0"/>
+          <a:chOff x="0" y="0"/>
+          <a:chExt cx="0" cy="0"/>
+        </a:xfrm>
+      </p:grpSpPr>
+      <p:sp>
+        <p:nvSpPr>
+          <p:cNvPr id="2" name="Slide Image Placeholder 1"/>
+          <p:cNvSpPr>
+            <a:spLocks noGrp="1" noRot="1" noChangeAspect="1"/>
+          </p:cNvSpPr>
+          <p:nvPr>
+            <p:ph type="sldImg"/>
+          </p:nvPr>
+        </p:nvSpPr>
+        <p:spPr>
+          <a:xfrm>
+            <a:off x="4325938" y="73025"/>
+            <a:ext cx="2466975" cy="1851025"/>
+          </a:xfrm>
+        </p:spPr>
+      </p:sp>
+      <p:sp>
+        <p:nvSpPr>
+          <p:cNvPr id="3" name="Notes Placeholder 2"/>
+          <p:cNvSpPr>
+            <a:spLocks noGrp="1"/>
+          </p:cNvSpPr>
+          <p:nvPr>
+            <p:ph type="body" idx="1"/>
+          </p:nvPr>
+        </p:nvSpPr>
+        <p:spPr/>
+        <p:txBody>
+          <a:bodyPr/>
+          <a:lstStyle/>
+          <a:p>
+            <a:endParaRPr lang="en-US"/>
+          </a:p>
+        </p:txBody>
+      </p:sp>
+      <p:sp>
+        <p:nvSpPr>
+          <p:cNvPr id="4" name="Slide Number Placeholder 3"/>
+          <p:cNvSpPr>
+            <a:spLocks noGrp="1"/>
+          </p:cNvSpPr>
+          <p:nvPr>
+            <p:ph type="sldNum" sz="quarter" idx="10"/>
+          </p:nvPr>
+        </p:nvSpPr>
+        <p:spPr/>
+        <p:txBody>
+          <a:bodyPr/>
+          <a:lstStyle/>
+          <a:p>
+            <a:fld id="{F19E9337-0361-41F3-9C17-1F4FFD1214BA}" type="slidenum">
+              <a:rPr lang="en-US" smtClean="0"/>
+              <a:t>33</a:t>
+            </a:fld>
+            <a:endParaRPr lang="en-US" dirty="0"/>
+          </a:p>
+        </p:txBody>
+      </p:sp>
+    </p:spTree>
+    <p:extLst>
+      <p:ext uri="{BB962C8B-B14F-4D97-AF65-F5344CB8AC3E}">
+        <p14:creationId xmlns:p14="http://schemas.microsoft.com/office/powerpoint/2010/main" val="329295864"/>
+      </p:ext>
+    </p:extLst>
+  </p:cSld>
+  <p:clrMapOvr>
+    <a:masterClrMapping/>
+  </p:clrMapOvr>
+</p:notes>
+</file>
+
+<file path=ppt/notesSlides/notesSlide34.xml><?xml version="1.0" encoding="utf-8"?>
+<p:notes xmlns:a="http://schemas.openxmlformats.org/drawingml/2006/main" xmlns:r="http://schemas.openxmlformats.org/officeDocument/2006/relationships" xmlns:p="http://schemas.openxmlformats.org/presentationml/2006/main">
+  <p:cSld>
+    <p:spTree>
+      <p:nvGrpSpPr>
+        <p:cNvPr id="1" name=""/>
+        <p:cNvGrpSpPr/>
+        <p:nvPr/>
+      </p:nvGrpSpPr>
+      <p:grpSpPr>
+        <a:xfrm>
+          <a:off x="0" y="0"/>
+          <a:ext cx="0" cy="0"/>
+          <a:chOff x="0" y="0"/>
+          <a:chExt cx="0" cy="0"/>
+        </a:xfrm>
+      </p:grpSpPr>
+      <p:sp>
+        <p:nvSpPr>
+          <p:cNvPr id="2" name="Slide Image Placeholder 1"/>
+          <p:cNvSpPr>
+            <a:spLocks noGrp="1" noRot="1" noChangeAspect="1"/>
+          </p:cNvSpPr>
+          <p:nvPr>
+            <p:ph type="sldImg"/>
+          </p:nvPr>
+        </p:nvSpPr>
+        <p:spPr>
+          <a:xfrm>
+            <a:off x="4325938" y="73025"/>
+            <a:ext cx="2466975" cy="1851025"/>
+          </a:xfrm>
+        </p:spPr>
+      </p:sp>
+      <p:sp>
+        <p:nvSpPr>
+          <p:cNvPr id="3" name="Notes Placeholder 2"/>
+          <p:cNvSpPr>
+            <a:spLocks noGrp="1"/>
+          </p:cNvSpPr>
+          <p:nvPr>
+            <p:ph type="body" idx="1"/>
+          </p:nvPr>
+        </p:nvSpPr>
+        <p:spPr/>
+        <p:txBody>
+          <a:bodyPr/>
+          <a:lstStyle/>
+          <a:p>
+            <a:endParaRPr lang="en-US"/>
+          </a:p>
+        </p:txBody>
+      </p:sp>
+      <p:sp>
+        <p:nvSpPr>
+          <p:cNvPr id="4" name="Slide Number Placeholder 3"/>
+          <p:cNvSpPr>
+            <a:spLocks noGrp="1"/>
+          </p:cNvSpPr>
+          <p:nvPr>
+            <p:ph type="sldNum" sz="quarter" idx="10"/>
+          </p:nvPr>
+        </p:nvSpPr>
+        <p:spPr/>
+        <p:txBody>
+          <a:bodyPr/>
+          <a:lstStyle/>
+          <a:p>
+            <a:fld id="{F19E9337-0361-41F3-9C17-1F4FFD1214BA}" type="slidenum">
+              <a:rPr lang="en-US" smtClean="0"/>
+              <a:t>34</a:t>
+            </a:fld>
+            <a:endParaRPr lang="en-US" dirty="0"/>
+          </a:p>
+        </p:txBody>
+      </p:sp>
+    </p:spTree>
+    <p:extLst>
+      <p:ext uri="{BB962C8B-B14F-4D97-AF65-F5344CB8AC3E}">
+        <p14:creationId xmlns:p14="http://schemas.microsoft.com/office/powerpoint/2010/main" val="1825010772"/>
+      </p:ext>
+    </p:extLst>
+  </p:cSld>
+  <p:clrMapOvr>
+    <a:masterClrMapping/>
+  </p:clrMapOvr>
+</p:notes>
+</file>
+
+<file path=ppt/notesSlides/notesSlide35.xml><?xml version="1.0" encoding="utf-8"?>
+<p:notes xmlns:a="http://schemas.openxmlformats.org/drawingml/2006/main" xmlns:r="http://schemas.openxmlformats.org/officeDocument/2006/relationships" xmlns:p="http://schemas.openxmlformats.org/presentationml/2006/main">
+  <p:cSld>
+    <p:spTree>
+      <p:nvGrpSpPr>
+        <p:cNvPr id="1" name=""/>
+        <p:cNvGrpSpPr/>
+        <p:nvPr/>
+      </p:nvGrpSpPr>
+      <p:grpSpPr>
+        <a:xfrm>
+          <a:off x="0" y="0"/>
+          <a:ext cx="0" cy="0"/>
+          <a:chOff x="0" y="0"/>
+          <a:chExt cx="0" cy="0"/>
+        </a:xfrm>
+      </p:grpSpPr>
+      <p:sp>
+        <p:nvSpPr>
+          <p:cNvPr id="2" name="Slide Image Placeholder 1"/>
+          <p:cNvSpPr>
+            <a:spLocks noGrp="1" noRot="1" noChangeAspect="1"/>
+          </p:cNvSpPr>
+          <p:nvPr>
+            <p:ph type="sldImg"/>
+          </p:nvPr>
+        </p:nvSpPr>
+        <p:spPr>
+          <a:xfrm>
+            <a:off x="4325938" y="73025"/>
+            <a:ext cx="2466975" cy="1851025"/>
+          </a:xfrm>
+        </p:spPr>
+      </p:sp>
+      <p:sp>
+        <p:nvSpPr>
+          <p:cNvPr id="3" name="Notes Placeholder 2"/>
+          <p:cNvSpPr>
+            <a:spLocks noGrp="1"/>
+          </p:cNvSpPr>
+          <p:nvPr>
+            <p:ph type="body" idx="1"/>
+          </p:nvPr>
+        </p:nvSpPr>
+        <p:spPr/>
+        <p:txBody>
+          <a:bodyPr/>
+          <a:lstStyle/>
+          <a:p>
+            <a:endParaRPr lang="en-US"/>
+          </a:p>
+        </p:txBody>
+      </p:sp>
+      <p:sp>
+        <p:nvSpPr>
+          <p:cNvPr id="4" name="Slide Number Placeholder 3"/>
+          <p:cNvSpPr>
+            <a:spLocks noGrp="1"/>
+          </p:cNvSpPr>
+          <p:nvPr>
+            <p:ph type="sldNum" sz="quarter" idx="10"/>
+          </p:nvPr>
+        </p:nvSpPr>
+        <p:spPr/>
+        <p:txBody>
+          <a:bodyPr/>
+          <a:lstStyle/>
+          <a:p>
+            <a:fld id="{F19E9337-0361-41F3-9C17-1F4FFD1214BA}" type="slidenum">
+              <a:rPr lang="en-US" smtClean="0"/>
+              <a:t>35</a:t>
+            </a:fld>
+            <a:endParaRPr lang="en-US" dirty="0"/>
+          </a:p>
+        </p:txBody>
+      </p:sp>
+    </p:spTree>
+    <p:extLst>
+      <p:ext uri="{BB962C8B-B14F-4D97-AF65-F5344CB8AC3E}">
+        <p14:creationId xmlns:p14="http://schemas.microsoft.com/office/powerpoint/2010/main" val="268786961"/>
+      </p:ext>
+    </p:extLst>
+  </p:cSld>
+  <p:clrMapOvr>
+    <a:masterClrMapping/>
+  </p:clrMapOvr>
+</p:notes>
+</file>
+
+<file path=ppt/notesSlides/notesSlide36.xml><?xml version="1.0" encoding="utf-8"?>
+<p:notes xmlns:a="http://schemas.openxmlformats.org/drawingml/2006/main" xmlns:r="http://schemas.openxmlformats.org/officeDocument/2006/relationships" xmlns:p="http://schemas.openxmlformats.org/presentationml/2006/main">
+  <p:cSld>
+    <p:spTree>
+      <p:nvGrpSpPr>
+        <p:cNvPr id="1" name=""/>
+        <p:cNvGrpSpPr/>
+        <p:nvPr/>
+      </p:nvGrpSpPr>
+      <p:grpSpPr>
+        <a:xfrm>
+          <a:off x="0" y="0"/>
+          <a:ext cx="0" cy="0"/>
+          <a:chOff x="0" y="0"/>
+          <a:chExt cx="0" cy="0"/>
+        </a:xfrm>
+      </p:grpSpPr>
+      <p:sp>
+        <p:nvSpPr>
+          <p:cNvPr id="2" name="Slide Image Placeholder 1"/>
+          <p:cNvSpPr>
+            <a:spLocks noGrp="1" noRot="1" noChangeAspect="1"/>
+          </p:cNvSpPr>
+          <p:nvPr>
+            <p:ph type="sldImg"/>
+          </p:nvPr>
+        </p:nvSpPr>
+        <p:spPr>
+          <a:xfrm>
+            <a:off x="4325938" y="73025"/>
+            <a:ext cx="2466975" cy="1851025"/>
+          </a:xfrm>
+        </p:spPr>
+      </p:sp>
+      <p:sp>
+        <p:nvSpPr>
+          <p:cNvPr id="3" name="Notes Placeholder 2"/>
+          <p:cNvSpPr>
+            <a:spLocks noGrp="1"/>
+          </p:cNvSpPr>
+          <p:nvPr>
+            <p:ph type="body" idx="1"/>
+          </p:nvPr>
+        </p:nvSpPr>
+        <p:spPr/>
+        <p:txBody>
+          <a:bodyPr/>
+          <a:lstStyle/>
+          <a:p>
+            <a:endParaRPr lang="en-US"/>
+          </a:p>
+        </p:txBody>
+      </p:sp>
+      <p:sp>
+        <p:nvSpPr>
+          <p:cNvPr id="4" name="Slide Number Placeholder 3"/>
+          <p:cNvSpPr>
+            <a:spLocks noGrp="1"/>
+          </p:cNvSpPr>
+          <p:nvPr>
+            <p:ph type="sldNum" sz="quarter" idx="10"/>
+          </p:nvPr>
+        </p:nvSpPr>
+        <p:spPr/>
+        <p:txBody>
+          <a:bodyPr/>
+          <a:lstStyle/>
+          <a:p>
+            <a:fld id="{F19E9337-0361-41F3-9C17-1F4FFD1214BA}" type="slidenum">
+              <a:rPr lang="en-US" smtClean="0"/>
+              <a:t>36</a:t>
+            </a:fld>
+            <a:endParaRPr lang="en-US" dirty="0"/>
+          </a:p>
+        </p:txBody>
+      </p:sp>
+    </p:spTree>
+    <p:extLst>
+      <p:ext uri="{BB962C8B-B14F-4D97-AF65-F5344CB8AC3E}">
+        <p14:creationId xmlns:p14="http://schemas.microsoft.com/office/powerpoint/2010/main" val="2384611926"/>
+      </p:ext>
+    </p:extLst>
+  </p:cSld>
+  <p:clrMapOvr>
+    <a:masterClrMapping/>
+  </p:clrMapOvr>
+</p:notes>
+</file>
+
+<file path=ppt/notesSlides/notesSlide37.xml><?xml version="1.0" encoding="utf-8"?>
+<p:notes xmlns:a="http://schemas.openxmlformats.org/drawingml/2006/main" xmlns:r="http://schemas.openxmlformats.org/officeDocument/2006/relationships" xmlns:p="http://schemas.openxmlformats.org/presentationml/2006/main">
+  <p:cSld>
+    <p:spTree>
+      <p:nvGrpSpPr>
+        <p:cNvPr id="1" name=""/>
+        <p:cNvGrpSpPr/>
+        <p:nvPr/>
+      </p:nvGrpSpPr>
+      <p:grpSpPr>
+        <a:xfrm>
+          <a:off x="0" y="0"/>
+          <a:ext cx="0" cy="0"/>
+          <a:chOff x="0" y="0"/>
+          <a:chExt cx="0" cy="0"/>
+        </a:xfrm>
+      </p:grpSpPr>
+      <p:sp>
+        <p:nvSpPr>
+          <p:cNvPr id="2" name="Slide Image Placeholder 1"/>
+          <p:cNvSpPr>
+            <a:spLocks noGrp="1" noRot="1" noChangeAspect="1"/>
+          </p:cNvSpPr>
+          <p:nvPr>
+            <p:ph type="sldImg"/>
+          </p:nvPr>
+        </p:nvSpPr>
+        <p:spPr>
+          <a:xfrm>
+            <a:off x="4325938" y="73025"/>
+            <a:ext cx="2466975" cy="1851025"/>
+          </a:xfrm>
+        </p:spPr>
+      </p:sp>
+      <p:sp>
+        <p:nvSpPr>
+          <p:cNvPr id="3" name="Notes Placeholder 2"/>
+          <p:cNvSpPr>
+            <a:spLocks noGrp="1"/>
+          </p:cNvSpPr>
+          <p:nvPr>
+            <p:ph type="body" idx="1"/>
+          </p:nvPr>
+        </p:nvSpPr>
+        <p:spPr/>
+        <p:txBody>
+          <a:bodyPr/>
+          <a:lstStyle/>
+          <a:p>
+            <a:endParaRPr lang="en-US"/>
+          </a:p>
+        </p:txBody>
+      </p:sp>
+      <p:sp>
+        <p:nvSpPr>
+          <p:cNvPr id="4" name="Slide Number Placeholder 3"/>
+          <p:cNvSpPr>
+            <a:spLocks noGrp="1"/>
+          </p:cNvSpPr>
+          <p:nvPr>
+            <p:ph type="sldNum" sz="quarter" idx="10"/>
+          </p:nvPr>
+        </p:nvSpPr>
+        <p:spPr/>
+        <p:txBody>
+          <a:bodyPr/>
+          <a:lstStyle/>
+          <a:p>
+            <a:fld id="{F19E9337-0361-41F3-9C17-1F4FFD1214BA}" type="slidenum">
+              <a:rPr lang="en-US" smtClean="0"/>
+              <a:t>37</a:t>
+            </a:fld>
+            <a:endParaRPr lang="en-US" dirty="0"/>
+          </a:p>
+        </p:txBody>
+      </p:sp>
+    </p:spTree>
+    <p:extLst>
+      <p:ext uri="{BB962C8B-B14F-4D97-AF65-F5344CB8AC3E}">
+        <p14:creationId xmlns:p14="http://schemas.microsoft.com/office/powerpoint/2010/main" val="3838670323"/>
+      </p:ext>
+    </p:extLst>
+  </p:cSld>
+  <p:clrMapOvr>
+    <a:masterClrMapping/>
+  </p:clrMapOvr>
+</p:notes>
+</file>
+
+<file path=ppt/notesSlides/notesSlide38.xml><?xml version="1.0" encoding="utf-8"?>
+<p:notes xmlns:a="http://schemas.openxmlformats.org/drawingml/2006/main" xmlns:r="http://schemas.openxmlformats.org/officeDocument/2006/relationships" xmlns:p="http://schemas.openxmlformats.org/presentationml/2006/main">
+  <p:cSld>
+    <p:spTree>
+      <p:nvGrpSpPr>
+        <p:cNvPr id="1" name=""/>
+        <p:cNvGrpSpPr/>
+        <p:nvPr/>
+      </p:nvGrpSpPr>
+      <p:grpSpPr>
+        <a:xfrm>
+          <a:off x="0" y="0"/>
+          <a:ext cx="0" cy="0"/>
+          <a:chOff x="0" y="0"/>
+          <a:chExt cx="0" cy="0"/>
+        </a:xfrm>
+      </p:grpSpPr>
+      <p:sp>
+        <p:nvSpPr>
+          <p:cNvPr id="2" name="Slide Image Placeholder 1"/>
+          <p:cNvSpPr>
+            <a:spLocks noGrp="1" noRot="1" noChangeAspect="1"/>
+          </p:cNvSpPr>
+          <p:nvPr>
+            <p:ph type="sldImg"/>
+          </p:nvPr>
+        </p:nvSpPr>
+        <p:spPr>
+          <a:xfrm>
+            <a:off x="4325938" y="73025"/>
+            <a:ext cx="2466975" cy="1851025"/>
+          </a:xfrm>
+        </p:spPr>
+      </p:sp>
+      <p:sp>
+        <p:nvSpPr>
+          <p:cNvPr id="3" name="Notes Placeholder 2"/>
+          <p:cNvSpPr>
+            <a:spLocks noGrp="1"/>
+          </p:cNvSpPr>
+          <p:nvPr>
+            <p:ph type="body" idx="1"/>
+          </p:nvPr>
+        </p:nvSpPr>
+        <p:spPr/>
+        <p:txBody>
+          <a:bodyPr/>
+          <a:lstStyle/>
+          <a:p>
+            <a:endParaRPr lang="en-US"/>
+          </a:p>
+        </p:txBody>
+      </p:sp>
+      <p:sp>
+        <p:nvSpPr>
+          <p:cNvPr id="4" name="Slide Number Placeholder 3"/>
+          <p:cNvSpPr>
+            <a:spLocks noGrp="1"/>
+          </p:cNvSpPr>
+          <p:nvPr>
+            <p:ph type="sldNum" sz="quarter" idx="10"/>
+          </p:nvPr>
+        </p:nvSpPr>
+        <p:spPr/>
+        <p:txBody>
+          <a:bodyPr/>
+          <a:lstStyle/>
+          <a:p>
+            <a:fld id="{F19E9337-0361-41F3-9C17-1F4FFD1214BA}" type="slidenum">
+              <a:rPr lang="en-US" smtClean="0"/>
+              <a:t>38</a:t>
+            </a:fld>
+            <a:endParaRPr lang="en-US" dirty="0"/>
+          </a:p>
+        </p:txBody>
+      </p:sp>
+    </p:spTree>
+    <p:extLst>
+      <p:ext uri="{BB962C8B-B14F-4D97-AF65-F5344CB8AC3E}">
+        <p14:creationId xmlns:p14="http://schemas.microsoft.com/office/powerpoint/2010/main" val="2037426446"/>
+      </p:ext>
+    </p:extLst>
+  </p:cSld>
+  <p:clrMapOvr>
+    <a:masterClrMapping/>
+  </p:clrMapOvr>
+</p:notes>
+</file>
+
+<file path=ppt/notesSlides/notesSlide39.xml><?xml version="1.0" encoding="utf-8"?>
+<p:notes xmlns:a="http://schemas.openxmlformats.org/drawingml/2006/main" xmlns:r="http://schemas.openxmlformats.org/officeDocument/2006/relationships" xmlns:p="http://schemas.openxmlformats.org/presentationml/2006/main">
+  <p:cSld>
+    <p:spTree>
+      <p:nvGrpSpPr>
+        <p:cNvPr id="1" name=""/>
+        <p:cNvGrpSpPr/>
+        <p:nvPr/>
+      </p:nvGrpSpPr>
+      <p:grpSpPr>
+        <a:xfrm>
+          <a:off x="0" y="0"/>
+          <a:ext cx="0" cy="0"/>
+          <a:chOff x="0" y="0"/>
+          <a:chExt cx="0" cy="0"/>
+        </a:xfrm>
+      </p:grpSpPr>
+      <p:sp>
+        <p:nvSpPr>
+          <p:cNvPr id="2" name="Slide Image Placeholder 1"/>
+          <p:cNvSpPr>
+            <a:spLocks noGrp="1" noRot="1" noChangeAspect="1"/>
+          </p:cNvSpPr>
+          <p:nvPr>
+            <p:ph type="sldImg"/>
+          </p:nvPr>
+        </p:nvSpPr>
+        <p:spPr>
+          <a:xfrm>
+            <a:off x="4325938" y="73025"/>
+            <a:ext cx="2466975" cy="1851025"/>
+          </a:xfrm>
+        </p:spPr>
+      </p:sp>
+      <p:sp>
+        <p:nvSpPr>
+          <p:cNvPr id="3" name="Notes Placeholder 2"/>
+          <p:cNvSpPr>
+            <a:spLocks noGrp="1"/>
+          </p:cNvSpPr>
+          <p:nvPr>
+            <p:ph type="body" idx="1"/>
+          </p:nvPr>
+        </p:nvSpPr>
+        <p:spPr/>
+        <p:txBody>
+          <a:bodyPr/>
+          <a:lstStyle/>
+          <a:p>
+            <a:endParaRPr lang="en-US"/>
+          </a:p>
+        </p:txBody>
+      </p:sp>
+      <p:sp>
+        <p:nvSpPr>
+          <p:cNvPr id="4" name="Slide Number Placeholder 3"/>
+          <p:cNvSpPr>
+            <a:spLocks noGrp="1"/>
+          </p:cNvSpPr>
+          <p:nvPr>
+            <p:ph type="sldNum" sz="quarter" idx="10"/>
+          </p:nvPr>
+        </p:nvSpPr>
+        <p:spPr/>
+        <p:txBody>
+          <a:bodyPr/>
+          <a:lstStyle/>
+          <a:p>
+            <a:fld id="{F19E9337-0361-41F3-9C17-1F4FFD1214BA}" type="slidenum">
+              <a:rPr lang="en-US" smtClean="0"/>
+              <a:t>39</a:t>
+            </a:fld>
+            <a:endParaRPr lang="en-US" dirty="0"/>
+          </a:p>
+        </p:txBody>
+      </p:sp>
+    </p:spTree>
+    <p:extLst>
+      <p:ext uri="{BB962C8B-B14F-4D97-AF65-F5344CB8AC3E}">
+        <p14:creationId xmlns:p14="http://schemas.microsoft.com/office/powerpoint/2010/main" val="2099574537"/>
+      </p:ext>
+    </p:extLst>
+  </p:cSld>
+  <p:clrMapOvr>
+    <a:masterClrMapping/>
+  </p:clrMapOvr>
+</p:notes>
+</file>
+
 <file path=ppt/notesSlides/notesSlide4.xml><?xml version="1.0" encoding="utf-8"?>
 <p:notes xmlns:a="http://schemas.openxmlformats.org/drawingml/2006/main" xmlns:r="http://schemas.openxmlformats.org/officeDocument/2006/relationships" xmlns:p="http://schemas.openxmlformats.org/presentationml/2006/main">
   <p:cSld>
@@ -1882,6 +4537,896 @@
     <p:extLst>
       <p:ext uri="{BB962C8B-B14F-4D97-AF65-F5344CB8AC3E}">
         <p14:creationId xmlns:p14="http://schemas.microsoft.com/office/powerpoint/2010/main" val="1902671431"/>
+      </p:ext>
+    </p:extLst>
+  </p:cSld>
+  <p:clrMapOvr>
+    <a:masterClrMapping/>
+  </p:clrMapOvr>
+</p:notes>
+</file>
+
+<file path=ppt/notesSlides/notesSlide40.xml><?xml version="1.0" encoding="utf-8"?>
+<p:notes xmlns:a="http://schemas.openxmlformats.org/drawingml/2006/main" xmlns:r="http://schemas.openxmlformats.org/officeDocument/2006/relationships" xmlns:p="http://schemas.openxmlformats.org/presentationml/2006/main">
+  <p:cSld>
+    <p:spTree>
+      <p:nvGrpSpPr>
+        <p:cNvPr id="1" name=""/>
+        <p:cNvGrpSpPr/>
+        <p:nvPr/>
+      </p:nvGrpSpPr>
+      <p:grpSpPr>
+        <a:xfrm>
+          <a:off x="0" y="0"/>
+          <a:ext cx="0" cy="0"/>
+          <a:chOff x="0" y="0"/>
+          <a:chExt cx="0" cy="0"/>
+        </a:xfrm>
+      </p:grpSpPr>
+      <p:sp>
+        <p:nvSpPr>
+          <p:cNvPr id="2" name="Slide Image Placeholder 1"/>
+          <p:cNvSpPr>
+            <a:spLocks noGrp="1" noRot="1" noChangeAspect="1"/>
+          </p:cNvSpPr>
+          <p:nvPr>
+            <p:ph type="sldImg"/>
+          </p:nvPr>
+        </p:nvSpPr>
+        <p:spPr>
+          <a:xfrm>
+            <a:off x="4325938" y="73025"/>
+            <a:ext cx="2466975" cy="1851025"/>
+          </a:xfrm>
+        </p:spPr>
+      </p:sp>
+      <p:sp>
+        <p:nvSpPr>
+          <p:cNvPr id="3" name="Notes Placeholder 2"/>
+          <p:cNvSpPr>
+            <a:spLocks noGrp="1"/>
+          </p:cNvSpPr>
+          <p:nvPr>
+            <p:ph type="body" idx="1"/>
+          </p:nvPr>
+        </p:nvSpPr>
+        <p:spPr/>
+        <p:txBody>
+          <a:bodyPr/>
+          <a:lstStyle/>
+          <a:p>
+            <a:endParaRPr lang="en-US"/>
+          </a:p>
+        </p:txBody>
+      </p:sp>
+      <p:sp>
+        <p:nvSpPr>
+          <p:cNvPr id="4" name="Slide Number Placeholder 3"/>
+          <p:cNvSpPr>
+            <a:spLocks noGrp="1"/>
+          </p:cNvSpPr>
+          <p:nvPr>
+            <p:ph type="sldNum" sz="quarter" idx="10"/>
+          </p:nvPr>
+        </p:nvSpPr>
+        <p:spPr/>
+        <p:txBody>
+          <a:bodyPr/>
+          <a:lstStyle/>
+          <a:p>
+            <a:fld id="{F19E9337-0361-41F3-9C17-1F4FFD1214BA}" type="slidenum">
+              <a:rPr lang="en-US" smtClean="0"/>
+              <a:t>40</a:t>
+            </a:fld>
+            <a:endParaRPr lang="en-US" dirty="0"/>
+          </a:p>
+        </p:txBody>
+      </p:sp>
+    </p:spTree>
+    <p:extLst>
+      <p:ext uri="{BB962C8B-B14F-4D97-AF65-F5344CB8AC3E}">
+        <p14:creationId xmlns:p14="http://schemas.microsoft.com/office/powerpoint/2010/main" val="1077260911"/>
+      </p:ext>
+    </p:extLst>
+  </p:cSld>
+  <p:clrMapOvr>
+    <a:masterClrMapping/>
+  </p:clrMapOvr>
+</p:notes>
+</file>
+
+<file path=ppt/notesSlides/notesSlide41.xml><?xml version="1.0" encoding="utf-8"?>
+<p:notes xmlns:a="http://schemas.openxmlformats.org/drawingml/2006/main" xmlns:r="http://schemas.openxmlformats.org/officeDocument/2006/relationships" xmlns:p="http://schemas.openxmlformats.org/presentationml/2006/main">
+  <p:cSld>
+    <p:spTree>
+      <p:nvGrpSpPr>
+        <p:cNvPr id="1" name=""/>
+        <p:cNvGrpSpPr/>
+        <p:nvPr/>
+      </p:nvGrpSpPr>
+      <p:grpSpPr>
+        <a:xfrm>
+          <a:off x="0" y="0"/>
+          <a:ext cx="0" cy="0"/>
+          <a:chOff x="0" y="0"/>
+          <a:chExt cx="0" cy="0"/>
+        </a:xfrm>
+      </p:grpSpPr>
+      <p:sp>
+        <p:nvSpPr>
+          <p:cNvPr id="2" name="Slide Image Placeholder 1"/>
+          <p:cNvSpPr>
+            <a:spLocks noGrp="1" noRot="1" noChangeAspect="1"/>
+          </p:cNvSpPr>
+          <p:nvPr>
+            <p:ph type="sldImg"/>
+          </p:nvPr>
+        </p:nvSpPr>
+        <p:spPr>
+          <a:xfrm>
+            <a:off x="4325938" y="73025"/>
+            <a:ext cx="2466975" cy="1851025"/>
+          </a:xfrm>
+        </p:spPr>
+      </p:sp>
+      <p:sp>
+        <p:nvSpPr>
+          <p:cNvPr id="3" name="Notes Placeholder 2"/>
+          <p:cNvSpPr>
+            <a:spLocks noGrp="1"/>
+          </p:cNvSpPr>
+          <p:nvPr>
+            <p:ph type="body" idx="1"/>
+          </p:nvPr>
+        </p:nvSpPr>
+        <p:spPr/>
+        <p:txBody>
+          <a:bodyPr/>
+          <a:lstStyle/>
+          <a:p>
+            <a:endParaRPr lang="en-US"/>
+          </a:p>
+        </p:txBody>
+      </p:sp>
+      <p:sp>
+        <p:nvSpPr>
+          <p:cNvPr id="4" name="Slide Number Placeholder 3"/>
+          <p:cNvSpPr>
+            <a:spLocks noGrp="1"/>
+          </p:cNvSpPr>
+          <p:nvPr>
+            <p:ph type="sldNum" sz="quarter" idx="10"/>
+          </p:nvPr>
+        </p:nvSpPr>
+        <p:spPr/>
+        <p:txBody>
+          <a:bodyPr/>
+          <a:lstStyle/>
+          <a:p>
+            <a:fld id="{F19E9337-0361-41F3-9C17-1F4FFD1214BA}" type="slidenum">
+              <a:rPr lang="en-US" smtClean="0"/>
+              <a:t>41</a:t>
+            </a:fld>
+            <a:endParaRPr lang="en-US" dirty="0"/>
+          </a:p>
+        </p:txBody>
+      </p:sp>
+    </p:spTree>
+    <p:extLst>
+      <p:ext uri="{BB962C8B-B14F-4D97-AF65-F5344CB8AC3E}">
+        <p14:creationId xmlns:p14="http://schemas.microsoft.com/office/powerpoint/2010/main" val="3650186478"/>
+      </p:ext>
+    </p:extLst>
+  </p:cSld>
+  <p:clrMapOvr>
+    <a:masterClrMapping/>
+  </p:clrMapOvr>
+</p:notes>
+</file>
+
+<file path=ppt/notesSlides/notesSlide42.xml><?xml version="1.0" encoding="utf-8"?>
+<p:notes xmlns:a="http://schemas.openxmlformats.org/drawingml/2006/main" xmlns:r="http://schemas.openxmlformats.org/officeDocument/2006/relationships" xmlns:p="http://schemas.openxmlformats.org/presentationml/2006/main">
+  <p:cSld>
+    <p:spTree>
+      <p:nvGrpSpPr>
+        <p:cNvPr id="1" name=""/>
+        <p:cNvGrpSpPr/>
+        <p:nvPr/>
+      </p:nvGrpSpPr>
+      <p:grpSpPr>
+        <a:xfrm>
+          <a:off x="0" y="0"/>
+          <a:ext cx="0" cy="0"/>
+          <a:chOff x="0" y="0"/>
+          <a:chExt cx="0" cy="0"/>
+        </a:xfrm>
+      </p:grpSpPr>
+      <p:sp>
+        <p:nvSpPr>
+          <p:cNvPr id="2" name="Slide Image Placeholder 1"/>
+          <p:cNvSpPr>
+            <a:spLocks noGrp="1" noRot="1" noChangeAspect="1"/>
+          </p:cNvSpPr>
+          <p:nvPr>
+            <p:ph type="sldImg"/>
+          </p:nvPr>
+        </p:nvSpPr>
+        <p:spPr>
+          <a:xfrm>
+            <a:off x="4325938" y="73025"/>
+            <a:ext cx="2466975" cy="1851025"/>
+          </a:xfrm>
+        </p:spPr>
+      </p:sp>
+      <p:sp>
+        <p:nvSpPr>
+          <p:cNvPr id="3" name="Notes Placeholder 2"/>
+          <p:cNvSpPr>
+            <a:spLocks noGrp="1"/>
+          </p:cNvSpPr>
+          <p:nvPr>
+            <p:ph type="body" idx="1"/>
+          </p:nvPr>
+        </p:nvSpPr>
+        <p:spPr/>
+        <p:txBody>
+          <a:bodyPr/>
+          <a:lstStyle/>
+          <a:p>
+            <a:endParaRPr lang="en-US"/>
+          </a:p>
+        </p:txBody>
+      </p:sp>
+      <p:sp>
+        <p:nvSpPr>
+          <p:cNvPr id="4" name="Slide Number Placeholder 3"/>
+          <p:cNvSpPr>
+            <a:spLocks noGrp="1"/>
+          </p:cNvSpPr>
+          <p:nvPr>
+            <p:ph type="sldNum" sz="quarter" idx="10"/>
+          </p:nvPr>
+        </p:nvSpPr>
+        <p:spPr/>
+        <p:txBody>
+          <a:bodyPr/>
+          <a:lstStyle/>
+          <a:p>
+            <a:fld id="{F19E9337-0361-41F3-9C17-1F4FFD1214BA}" type="slidenum">
+              <a:rPr lang="en-US" smtClean="0"/>
+              <a:t>42</a:t>
+            </a:fld>
+            <a:endParaRPr lang="en-US" dirty="0"/>
+          </a:p>
+        </p:txBody>
+      </p:sp>
+    </p:spTree>
+    <p:extLst>
+      <p:ext uri="{BB962C8B-B14F-4D97-AF65-F5344CB8AC3E}">
+        <p14:creationId xmlns:p14="http://schemas.microsoft.com/office/powerpoint/2010/main" val="3475435805"/>
+      </p:ext>
+    </p:extLst>
+  </p:cSld>
+  <p:clrMapOvr>
+    <a:masterClrMapping/>
+  </p:clrMapOvr>
+</p:notes>
+</file>
+
+<file path=ppt/notesSlides/notesSlide43.xml><?xml version="1.0" encoding="utf-8"?>
+<p:notes xmlns:a="http://schemas.openxmlformats.org/drawingml/2006/main" xmlns:r="http://schemas.openxmlformats.org/officeDocument/2006/relationships" xmlns:p="http://schemas.openxmlformats.org/presentationml/2006/main">
+  <p:cSld>
+    <p:spTree>
+      <p:nvGrpSpPr>
+        <p:cNvPr id="1" name=""/>
+        <p:cNvGrpSpPr/>
+        <p:nvPr/>
+      </p:nvGrpSpPr>
+      <p:grpSpPr>
+        <a:xfrm>
+          <a:off x="0" y="0"/>
+          <a:ext cx="0" cy="0"/>
+          <a:chOff x="0" y="0"/>
+          <a:chExt cx="0" cy="0"/>
+        </a:xfrm>
+      </p:grpSpPr>
+      <p:sp>
+        <p:nvSpPr>
+          <p:cNvPr id="2" name="Slide Image Placeholder 1"/>
+          <p:cNvSpPr>
+            <a:spLocks noGrp="1" noRot="1" noChangeAspect="1"/>
+          </p:cNvSpPr>
+          <p:nvPr>
+            <p:ph type="sldImg"/>
+          </p:nvPr>
+        </p:nvSpPr>
+        <p:spPr>
+          <a:xfrm>
+            <a:off x="4325938" y="73025"/>
+            <a:ext cx="2466975" cy="1851025"/>
+          </a:xfrm>
+        </p:spPr>
+      </p:sp>
+      <p:sp>
+        <p:nvSpPr>
+          <p:cNvPr id="3" name="Notes Placeholder 2"/>
+          <p:cNvSpPr>
+            <a:spLocks noGrp="1"/>
+          </p:cNvSpPr>
+          <p:nvPr>
+            <p:ph type="body" idx="1"/>
+          </p:nvPr>
+        </p:nvSpPr>
+        <p:spPr/>
+        <p:txBody>
+          <a:bodyPr/>
+          <a:lstStyle/>
+          <a:p>
+            <a:endParaRPr lang="en-US"/>
+          </a:p>
+        </p:txBody>
+      </p:sp>
+      <p:sp>
+        <p:nvSpPr>
+          <p:cNvPr id="4" name="Slide Number Placeholder 3"/>
+          <p:cNvSpPr>
+            <a:spLocks noGrp="1"/>
+          </p:cNvSpPr>
+          <p:nvPr>
+            <p:ph type="sldNum" sz="quarter" idx="10"/>
+          </p:nvPr>
+        </p:nvSpPr>
+        <p:spPr/>
+        <p:txBody>
+          <a:bodyPr/>
+          <a:lstStyle/>
+          <a:p>
+            <a:fld id="{F19E9337-0361-41F3-9C17-1F4FFD1214BA}" type="slidenum">
+              <a:rPr lang="en-US" smtClean="0"/>
+              <a:t>43</a:t>
+            </a:fld>
+            <a:endParaRPr lang="en-US" dirty="0"/>
+          </a:p>
+        </p:txBody>
+      </p:sp>
+    </p:spTree>
+    <p:extLst>
+      <p:ext uri="{BB962C8B-B14F-4D97-AF65-F5344CB8AC3E}">
+        <p14:creationId xmlns:p14="http://schemas.microsoft.com/office/powerpoint/2010/main" val="4078426778"/>
+      </p:ext>
+    </p:extLst>
+  </p:cSld>
+  <p:clrMapOvr>
+    <a:masterClrMapping/>
+  </p:clrMapOvr>
+</p:notes>
+</file>
+
+<file path=ppt/notesSlides/notesSlide44.xml><?xml version="1.0" encoding="utf-8"?>
+<p:notes xmlns:a="http://schemas.openxmlformats.org/drawingml/2006/main" xmlns:r="http://schemas.openxmlformats.org/officeDocument/2006/relationships" xmlns:p="http://schemas.openxmlformats.org/presentationml/2006/main">
+  <p:cSld>
+    <p:spTree>
+      <p:nvGrpSpPr>
+        <p:cNvPr id="1" name=""/>
+        <p:cNvGrpSpPr/>
+        <p:nvPr/>
+      </p:nvGrpSpPr>
+      <p:grpSpPr>
+        <a:xfrm>
+          <a:off x="0" y="0"/>
+          <a:ext cx="0" cy="0"/>
+          <a:chOff x="0" y="0"/>
+          <a:chExt cx="0" cy="0"/>
+        </a:xfrm>
+      </p:grpSpPr>
+      <p:sp>
+        <p:nvSpPr>
+          <p:cNvPr id="2" name="Slide Image Placeholder 1"/>
+          <p:cNvSpPr>
+            <a:spLocks noGrp="1" noRot="1" noChangeAspect="1"/>
+          </p:cNvSpPr>
+          <p:nvPr>
+            <p:ph type="sldImg"/>
+          </p:nvPr>
+        </p:nvSpPr>
+        <p:spPr>
+          <a:xfrm>
+            <a:off x="4325938" y="73025"/>
+            <a:ext cx="2466975" cy="1851025"/>
+          </a:xfrm>
+        </p:spPr>
+      </p:sp>
+      <p:sp>
+        <p:nvSpPr>
+          <p:cNvPr id="3" name="Notes Placeholder 2"/>
+          <p:cNvSpPr>
+            <a:spLocks noGrp="1"/>
+          </p:cNvSpPr>
+          <p:nvPr>
+            <p:ph type="body" idx="1"/>
+          </p:nvPr>
+        </p:nvSpPr>
+        <p:spPr/>
+        <p:txBody>
+          <a:bodyPr/>
+          <a:lstStyle/>
+          <a:p>
+            <a:endParaRPr lang="en-US"/>
+          </a:p>
+        </p:txBody>
+      </p:sp>
+      <p:sp>
+        <p:nvSpPr>
+          <p:cNvPr id="4" name="Slide Number Placeholder 3"/>
+          <p:cNvSpPr>
+            <a:spLocks noGrp="1"/>
+          </p:cNvSpPr>
+          <p:nvPr>
+            <p:ph type="sldNum" sz="quarter" idx="10"/>
+          </p:nvPr>
+        </p:nvSpPr>
+        <p:spPr/>
+        <p:txBody>
+          <a:bodyPr/>
+          <a:lstStyle/>
+          <a:p>
+            <a:fld id="{F19E9337-0361-41F3-9C17-1F4FFD1214BA}" type="slidenum">
+              <a:rPr lang="en-US" smtClean="0"/>
+              <a:t>44</a:t>
+            </a:fld>
+            <a:endParaRPr lang="en-US" dirty="0"/>
+          </a:p>
+        </p:txBody>
+      </p:sp>
+    </p:spTree>
+    <p:extLst>
+      <p:ext uri="{BB962C8B-B14F-4D97-AF65-F5344CB8AC3E}">
+        <p14:creationId xmlns:p14="http://schemas.microsoft.com/office/powerpoint/2010/main" val="2635804886"/>
+      </p:ext>
+    </p:extLst>
+  </p:cSld>
+  <p:clrMapOvr>
+    <a:masterClrMapping/>
+  </p:clrMapOvr>
+</p:notes>
+</file>
+
+<file path=ppt/notesSlides/notesSlide45.xml><?xml version="1.0" encoding="utf-8"?>
+<p:notes xmlns:a="http://schemas.openxmlformats.org/drawingml/2006/main" xmlns:r="http://schemas.openxmlformats.org/officeDocument/2006/relationships" xmlns:p="http://schemas.openxmlformats.org/presentationml/2006/main">
+  <p:cSld>
+    <p:spTree>
+      <p:nvGrpSpPr>
+        <p:cNvPr id="1" name=""/>
+        <p:cNvGrpSpPr/>
+        <p:nvPr/>
+      </p:nvGrpSpPr>
+      <p:grpSpPr>
+        <a:xfrm>
+          <a:off x="0" y="0"/>
+          <a:ext cx="0" cy="0"/>
+          <a:chOff x="0" y="0"/>
+          <a:chExt cx="0" cy="0"/>
+        </a:xfrm>
+      </p:grpSpPr>
+      <p:sp>
+        <p:nvSpPr>
+          <p:cNvPr id="2" name="Slide Image Placeholder 1"/>
+          <p:cNvSpPr>
+            <a:spLocks noGrp="1" noRot="1" noChangeAspect="1"/>
+          </p:cNvSpPr>
+          <p:nvPr>
+            <p:ph type="sldImg"/>
+          </p:nvPr>
+        </p:nvSpPr>
+        <p:spPr>
+          <a:xfrm>
+            <a:off x="4325938" y="73025"/>
+            <a:ext cx="2466975" cy="1851025"/>
+          </a:xfrm>
+        </p:spPr>
+      </p:sp>
+      <p:sp>
+        <p:nvSpPr>
+          <p:cNvPr id="3" name="Notes Placeholder 2"/>
+          <p:cNvSpPr>
+            <a:spLocks noGrp="1"/>
+          </p:cNvSpPr>
+          <p:nvPr>
+            <p:ph type="body" idx="1"/>
+          </p:nvPr>
+        </p:nvSpPr>
+        <p:spPr/>
+        <p:txBody>
+          <a:bodyPr/>
+          <a:lstStyle/>
+          <a:p>
+            <a:endParaRPr lang="en-US"/>
+          </a:p>
+        </p:txBody>
+      </p:sp>
+      <p:sp>
+        <p:nvSpPr>
+          <p:cNvPr id="4" name="Slide Number Placeholder 3"/>
+          <p:cNvSpPr>
+            <a:spLocks noGrp="1"/>
+          </p:cNvSpPr>
+          <p:nvPr>
+            <p:ph type="sldNum" sz="quarter" idx="10"/>
+          </p:nvPr>
+        </p:nvSpPr>
+        <p:spPr/>
+        <p:txBody>
+          <a:bodyPr/>
+          <a:lstStyle/>
+          <a:p>
+            <a:fld id="{F19E9337-0361-41F3-9C17-1F4FFD1214BA}" type="slidenum">
+              <a:rPr lang="en-US" smtClean="0"/>
+              <a:t>45</a:t>
+            </a:fld>
+            <a:endParaRPr lang="en-US" dirty="0"/>
+          </a:p>
+        </p:txBody>
+      </p:sp>
+    </p:spTree>
+    <p:extLst>
+      <p:ext uri="{BB962C8B-B14F-4D97-AF65-F5344CB8AC3E}">
+        <p14:creationId xmlns:p14="http://schemas.microsoft.com/office/powerpoint/2010/main" val="1613559661"/>
+      </p:ext>
+    </p:extLst>
+  </p:cSld>
+  <p:clrMapOvr>
+    <a:masterClrMapping/>
+  </p:clrMapOvr>
+</p:notes>
+</file>
+
+<file path=ppt/notesSlides/notesSlide46.xml><?xml version="1.0" encoding="utf-8"?>
+<p:notes xmlns:a="http://schemas.openxmlformats.org/drawingml/2006/main" xmlns:r="http://schemas.openxmlformats.org/officeDocument/2006/relationships" xmlns:p="http://schemas.openxmlformats.org/presentationml/2006/main">
+  <p:cSld>
+    <p:spTree>
+      <p:nvGrpSpPr>
+        <p:cNvPr id="1" name=""/>
+        <p:cNvGrpSpPr/>
+        <p:nvPr/>
+      </p:nvGrpSpPr>
+      <p:grpSpPr>
+        <a:xfrm>
+          <a:off x="0" y="0"/>
+          <a:ext cx="0" cy="0"/>
+          <a:chOff x="0" y="0"/>
+          <a:chExt cx="0" cy="0"/>
+        </a:xfrm>
+      </p:grpSpPr>
+      <p:sp>
+        <p:nvSpPr>
+          <p:cNvPr id="2" name="Slide Image Placeholder 1"/>
+          <p:cNvSpPr>
+            <a:spLocks noGrp="1" noRot="1" noChangeAspect="1"/>
+          </p:cNvSpPr>
+          <p:nvPr>
+            <p:ph type="sldImg"/>
+          </p:nvPr>
+        </p:nvSpPr>
+        <p:spPr>
+          <a:xfrm>
+            <a:off x="4325938" y="73025"/>
+            <a:ext cx="2466975" cy="1851025"/>
+          </a:xfrm>
+        </p:spPr>
+      </p:sp>
+      <p:sp>
+        <p:nvSpPr>
+          <p:cNvPr id="3" name="Notes Placeholder 2"/>
+          <p:cNvSpPr>
+            <a:spLocks noGrp="1"/>
+          </p:cNvSpPr>
+          <p:nvPr>
+            <p:ph type="body" idx="1"/>
+          </p:nvPr>
+        </p:nvSpPr>
+        <p:spPr/>
+        <p:txBody>
+          <a:bodyPr/>
+          <a:lstStyle/>
+          <a:p>
+            <a:endParaRPr lang="en-US"/>
+          </a:p>
+        </p:txBody>
+      </p:sp>
+      <p:sp>
+        <p:nvSpPr>
+          <p:cNvPr id="4" name="Slide Number Placeholder 3"/>
+          <p:cNvSpPr>
+            <a:spLocks noGrp="1"/>
+          </p:cNvSpPr>
+          <p:nvPr>
+            <p:ph type="sldNum" sz="quarter" idx="10"/>
+          </p:nvPr>
+        </p:nvSpPr>
+        <p:spPr/>
+        <p:txBody>
+          <a:bodyPr/>
+          <a:lstStyle/>
+          <a:p>
+            <a:fld id="{F19E9337-0361-41F3-9C17-1F4FFD1214BA}" type="slidenum">
+              <a:rPr lang="en-US" smtClean="0"/>
+              <a:t>46</a:t>
+            </a:fld>
+            <a:endParaRPr lang="en-US" dirty="0"/>
+          </a:p>
+        </p:txBody>
+      </p:sp>
+    </p:spTree>
+    <p:extLst>
+      <p:ext uri="{BB962C8B-B14F-4D97-AF65-F5344CB8AC3E}">
+        <p14:creationId xmlns:p14="http://schemas.microsoft.com/office/powerpoint/2010/main" val="2736615015"/>
+      </p:ext>
+    </p:extLst>
+  </p:cSld>
+  <p:clrMapOvr>
+    <a:masterClrMapping/>
+  </p:clrMapOvr>
+</p:notes>
+</file>
+
+<file path=ppt/notesSlides/notesSlide47.xml><?xml version="1.0" encoding="utf-8"?>
+<p:notes xmlns:a="http://schemas.openxmlformats.org/drawingml/2006/main" xmlns:r="http://schemas.openxmlformats.org/officeDocument/2006/relationships" xmlns:p="http://schemas.openxmlformats.org/presentationml/2006/main">
+  <p:cSld>
+    <p:spTree>
+      <p:nvGrpSpPr>
+        <p:cNvPr id="1" name=""/>
+        <p:cNvGrpSpPr/>
+        <p:nvPr/>
+      </p:nvGrpSpPr>
+      <p:grpSpPr>
+        <a:xfrm>
+          <a:off x="0" y="0"/>
+          <a:ext cx="0" cy="0"/>
+          <a:chOff x="0" y="0"/>
+          <a:chExt cx="0" cy="0"/>
+        </a:xfrm>
+      </p:grpSpPr>
+      <p:sp>
+        <p:nvSpPr>
+          <p:cNvPr id="2" name="Slide Image Placeholder 1"/>
+          <p:cNvSpPr>
+            <a:spLocks noGrp="1" noRot="1" noChangeAspect="1"/>
+          </p:cNvSpPr>
+          <p:nvPr>
+            <p:ph type="sldImg"/>
+          </p:nvPr>
+        </p:nvSpPr>
+        <p:spPr>
+          <a:xfrm>
+            <a:off x="4325938" y="73025"/>
+            <a:ext cx="2466975" cy="1851025"/>
+          </a:xfrm>
+        </p:spPr>
+      </p:sp>
+      <p:sp>
+        <p:nvSpPr>
+          <p:cNvPr id="3" name="Notes Placeholder 2"/>
+          <p:cNvSpPr>
+            <a:spLocks noGrp="1"/>
+          </p:cNvSpPr>
+          <p:nvPr>
+            <p:ph type="body" idx="1"/>
+          </p:nvPr>
+        </p:nvSpPr>
+        <p:spPr/>
+        <p:txBody>
+          <a:bodyPr/>
+          <a:lstStyle/>
+          <a:p>
+            <a:endParaRPr lang="en-US"/>
+          </a:p>
+        </p:txBody>
+      </p:sp>
+      <p:sp>
+        <p:nvSpPr>
+          <p:cNvPr id="4" name="Slide Number Placeholder 3"/>
+          <p:cNvSpPr>
+            <a:spLocks noGrp="1"/>
+          </p:cNvSpPr>
+          <p:nvPr>
+            <p:ph type="sldNum" sz="quarter" idx="10"/>
+          </p:nvPr>
+        </p:nvSpPr>
+        <p:spPr/>
+        <p:txBody>
+          <a:bodyPr/>
+          <a:lstStyle/>
+          <a:p>
+            <a:fld id="{F19E9337-0361-41F3-9C17-1F4FFD1214BA}" type="slidenum">
+              <a:rPr lang="en-US" smtClean="0"/>
+              <a:t>47</a:t>
+            </a:fld>
+            <a:endParaRPr lang="en-US" dirty="0"/>
+          </a:p>
+        </p:txBody>
+      </p:sp>
+    </p:spTree>
+    <p:extLst>
+      <p:ext uri="{BB962C8B-B14F-4D97-AF65-F5344CB8AC3E}">
+        <p14:creationId xmlns:p14="http://schemas.microsoft.com/office/powerpoint/2010/main" val="1097709719"/>
+      </p:ext>
+    </p:extLst>
+  </p:cSld>
+  <p:clrMapOvr>
+    <a:masterClrMapping/>
+  </p:clrMapOvr>
+</p:notes>
+</file>
+
+<file path=ppt/notesSlides/notesSlide48.xml><?xml version="1.0" encoding="utf-8"?>
+<p:notes xmlns:a="http://schemas.openxmlformats.org/drawingml/2006/main" xmlns:r="http://schemas.openxmlformats.org/officeDocument/2006/relationships" xmlns:p="http://schemas.openxmlformats.org/presentationml/2006/main">
+  <p:cSld>
+    <p:spTree>
+      <p:nvGrpSpPr>
+        <p:cNvPr id="1" name=""/>
+        <p:cNvGrpSpPr/>
+        <p:nvPr/>
+      </p:nvGrpSpPr>
+      <p:grpSpPr>
+        <a:xfrm>
+          <a:off x="0" y="0"/>
+          <a:ext cx="0" cy="0"/>
+          <a:chOff x="0" y="0"/>
+          <a:chExt cx="0" cy="0"/>
+        </a:xfrm>
+      </p:grpSpPr>
+      <p:sp>
+        <p:nvSpPr>
+          <p:cNvPr id="2" name="Slide Image Placeholder 1"/>
+          <p:cNvSpPr>
+            <a:spLocks noGrp="1" noRot="1" noChangeAspect="1"/>
+          </p:cNvSpPr>
+          <p:nvPr>
+            <p:ph type="sldImg"/>
+          </p:nvPr>
+        </p:nvSpPr>
+        <p:spPr>
+          <a:xfrm>
+            <a:off x="4325938" y="73025"/>
+            <a:ext cx="2466975" cy="1851025"/>
+          </a:xfrm>
+        </p:spPr>
+      </p:sp>
+      <p:sp>
+        <p:nvSpPr>
+          <p:cNvPr id="3" name="Notes Placeholder 2"/>
+          <p:cNvSpPr>
+            <a:spLocks noGrp="1"/>
+          </p:cNvSpPr>
+          <p:nvPr>
+            <p:ph type="body" idx="1"/>
+          </p:nvPr>
+        </p:nvSpPr>
+        <p:spPr/>
+        <p:txBody>
+          <a:bodyPr/>
+          <a:lstStyle/>
+          <a:p>
+            <a:endParaRPr lang="en-US"/>
+          </a:p>
+        </p:txBody>
+      </p:sp>
+      <p:sp>
+        <p:nvSpPr>
+          <p:cNvPr id="4" name="Slide Number Placeholder 3"/>
+          <p:cNvSpPr>
+            <a:spLocks noGrp="1"/>
+          </p:cNvSpPr>
+          <p:nvPr>
+            <p:ph type="sldNum" sz="quarter" idx="10"/>
+          </p:nvPr>
+        </p:nvSpPr>
+        <p:spPr/>
+        <p:txBody>
+          <a:bodyPr/>
+          <a:lstStyle/>
+          <a:p>
+            <a:fld id="{F19E9337-0361-41F3-9C17-1F4FFD1214BA}" type="slidenum">
+              <a:rPr lang="en-US" smtClean="0"/>
+              <a:t>48</a:t>
+            </a:fld>
+            <a:endParaRPr lang="en-US" dirty="0"/>
+          </a:p>
+        </p:txBody>
+      </p:sp>
+    </p:spTree>
+    <p:extLst>
+      <p:ext uri="{BB962C8B-B14F-4D97-AF65-F5344CB8AC3E}">
+        <p14:creationId xmlns:p14="http://schemas.microsoft.com/office/powerpoint/2010/main" val="1770201331"/>
+      </p:ext>
+    </p:extLst>
+  </p:cSld>
+  <p:clrMapOvr>
+    <a:masterClrMapping/>
+  </p:clrMapOvr>
+</p:notes>
+</file>
+
+<file path=ppt/notesSlides/notesSlide49.xml><?xml version="1.0" encoding="utf-8"?>
+<p:notes xmlns:a="http://schemas.openxmlformats.org/drawingml/2006/main" xmlns:r="http://schemas.openxmlformats.org/officeDocument/2006/relationships" xmlns:p="http://schemas.openxmlformats.org/presentationml/2006/main">
+  <p:cSld>
+    <p:spTree>
+      <p:nvGrpSpPr>
+        <p:cNvPr id="1" name=""/>
+        <p:cNvGrpSpPr/>
+        <p:nvPr/>
+      </p:nvGrpSpPr>
+      <p:grpSpPr>
+        <a:xfrm>
+          <a:off x="0" y="0"/>
+          <a:ext cx="0" cy="0"/>
+          <a:chOff x="0" y="0"/>
+          <a:chExt cx="0" cy="0"/>
+        </a:xfrm>
+      </p:grpSpPr>
+      <p:sp>
+        <p:nvSpPr>
+          <p:cNvPr id="2" name="Slide Image Placeholder 1"/>
+          <p:cNvSpPr>
+            <a:spLocks noGrp="1" noRot="1" noChangeAspect="1"/>
+          </p:cNvSpPr>
+          <p:nvPr>
+            <p:ph type="sldImg"/>
+          </p:nvPr>
+        </p:nvSpPr>
+        <p:spPr>
+          <a:xfrm>
+            <a:off x="4325938" y="73025"/>
+            <a:ext cx="2466975" cy="1851025"/>
+          </a:xfrm>
+        </p:spPr>
+      </p:sp>
+      <p:sp>
+        <p:nvSpPr>
+          <p:cNvPr id="3" name="Notes Placeholder 2"/>
+          <p:cNvSpPr>
+            <a:spLocks noGrp="1"/>
+          </p:cNvSpPr>
+          <p:nvPr>
+            <p:ph type="body" idx="1"/>
+          </p:nvPr>
+        </p:nvSpPr>
+        <p:spPr/>
+        <p:txBody>
+          <a:bodyPr/>
+          <a:lstStyle/>
+          <a:p>
+            <a:endParaRPr lang="en-US"/>
+          </a:p>
+        </p:txBody>
+      </p:sp>
+      <p:sp>
+        <p:nvSpPr>
+          <p:cNvPr id="4" name="Slide Number Placeholder 3"/>
+          <p:cNvSpPr>
+            <a:spLocks noGrp="1"/>
+          </p:cNvSpPr>
+          <p:nvPr>
+            <p:ph type="sldNum" sz="quarter" idx="10"/>
+          </p:nvPr>
+        </p:nvSpPr>
+        <p:spPr/>
+        <p:txBody>
+          <a:bodyPr/>
+          <a:lstStyle/>
+          <a:p>
+            <a:fld id="{F19E9337-0361-41F3-9C17-1F4FFD1214BA}" type="slidenum">
+              <a:rPr lang="en-US" smtClean="0"/>
+              <a:t>49</a:t>
+            </a:fld>
+            <a:endParaRPr lang="en-US" dirty="0"/>
+          </a:p>
+        </p:txBody>
+      </p:sp>
+    </p:spTree>
+    <p:extLst>
+      <p:ext uri="{BB962C8B-B14F-4D97-AF65-F5344CB8AC3E}">
+        <p14:creationId xmlns:p14="http://schemas.microsoft.com/office/powerpoint/2010/main" val="1010623177"/>
       </p:ext>
     </p:extLst>
   </p:cSld>
@@ -1961,6 +5506,273 @@
           <a:p>
             <a:fld id="{F19E9337-0361-41F3-9C17-1F4FFD1214BA}" type="slidenum">
               <a:rPr lang="en-US" smtClean="0"/>
+              <a:t>5</a:t>
+            </a:fld>
+            <a:endParaRPr lang="en-US" dirty="0"/>
+          </a:p>
+        </p:txBody>
+      </p:sp>
+    </p:spTree>
+    <p:extLst>
+      <p:ext uri="{BB962C8B-B14F-4D97-AF65-F5344CB8AC3E}">
+        <p14:creationId xmlns:p14="http://schemas.microsoft.com/office/powerpoint/2010/main" val="1623163993"/>
+      </p:ext>
+    </p:extLst>
+  </p:cSld>
+  <p:clrMapOvr>
+    <a:masterClrMapping/>
+  </p:clrMapOvr>
+</p:notes>
+</file>
+
+<file path=ppt/notesSlides/notesSlide50.xml><?xml version="1.0" encoding="utf-8"?>
+<p:notes xmlns:a="http://schemas.openxmlformats.org/drawingml/2006/main" xmlns:r="http://schemas.openxmlformats.org/officeDocument/2006/relationships" xmlns:p="http://schemas.openxmlformats.org/presentationml/2006/main">
+  <p:cSld>
+    <p:spTree>
+      <p:nvGrpSpPr>
+        <p:cNvPr id="1" name=""/>
+        <p:cNvGrpSpPr/>
+        <p:nvPr/>
+      </p:nvGrpSpPr>
+      <p:grpSpPr>
+        <a:xfrm>
+          <a:off x="0" y="0"/>
+          <a:ext cx="0" cy="0"/>
+          <a:chOff x="0" y="0"/>
+          <a:chExt cx="0" cy="0"/>
+        </a:xfrm>
+      </p:grpSpPr>
+      <p:sp>
+        <p:nvSpPr>
+          <p:cNvPr id="2" name="Slide Image Placeholder 1"/>
+          <p:cNvSpPr>
+            <a:spLocks noGrp="1" noRot="1" noChangeAspect="1"/>
+          </p:cNvSpPr>
+          <p:nvPr>
+            <p:ph type="sldImg"/>
+          </p:nvPr>
+        </p:nvSpPr>
+        <p:spPr>
+          <a:xfrm>
+            <a:off x="4325938" y="73025"/>
+            <a:ext cx="2466975" cy="1851025"/>
+          </a:xfrm>
+        </p:spPr>
+      </p:sp>
+      <p:sp>
+        <p:nvSpPr>
+          <p:cNvPr id="3" name="Notes Placeholder 2"/>
+          <p:cNvSpPr>
+            <a:spLocks noGrp="1"/>
+          </p:cNvSpPr>
+          <p:nvPr>
+            <p:ph type="body" idx="1"/>
+          </p:nvPr>
+        </p:nvSpPr>
+        <p:spPr/>
+        <p:txBody>
+          <a:bodyPr/>
+          <a:lstStyle/>
+          <a:p>
+            <a:endParaRPr lang="en-US"/>
+          </a:p>
+        </p:txBody>
+      </p:sp>
+      <p:sp>
+        <p:nvSpPr>
+          <p:cNvPr id="4" name="Slide Number Placeholder 3"/>
+          <p:cNvSpPr>
+            <a:spLocks noGrp="1"/>
+          </p:cNvSpPr>
+          <p:nvPr>
+            <p:ph type="sldNum" sz="quarter" idx="10"/>
+          </p:nvPr>
+        </p:nvSpPr>
+        <p:spPr/>
+        <p:txBody>
+          <a:bodyPr/>
+          <a:lstStyle/>
+          <a:p>
+            <a:fld id="{F19E9337-0361-41F3-9C17-1F4FFD1214BA}" type="slidenum">
+              <a:rPr lang="en-US" smtClean="0"/>
+              <a:t>50</a:t>
+            </a:fld>
+            <a:endParaRPr lang="en-US" dirty="0"/>
+          </a:p>
+        </p:txBody>
+      </p:sp>
+    </p:spTree>
+    <p:extLst>
+      <p:ext uri="{BB962C8B-B14F-4D97-AF65-F5344CB8AC3E}">
+        <p14:creationId xmlns:p14="http://schemas.microsoft.com/office/powerpoint/2010/main" val="2736161638"/>
+      </p:ext>
+    </p:extLst>
+  </p:cSld>
+  <p:clrMapOvr>
+    <a:masterClrMapping/>
+  </p:clrMapOvr>
+</p:notes>
+</file>
+
+<file path=ppt/notesSlides/notesSlide51.xml><?xml version="1.0" encoding="utf-8"?>
+<p:notes xmlns:a="http://schemas.openxmlformats.org/drawingml/2006/main" xmlns:r="http://schemas.openxmlformats.org/officeDocument/2006/relationships" xmlns:p="http://schemas.openxmlformats.org/presentationml/2006/main">
+  <p:cSld>
+    <p:spTree>
+      <p:nvGrpSpPr>
+        <p:cNvPr id="1" name=""/>
+        <p:cNvGrpSpPr/>
+        <p:nvPr/>
+      </p:nvGrpSpPr>
+      <p:grpSpPr>
+        <a:xfrm>
+          <a:off x="0" y="0"/>
+          <a:ext cx="0" cy="0"/>
+          <a:chOff x="0" y="0"/>
+          <a:chExt cx="0" cy="0"/>
+        </a:xfrm>
+      </p:grpSpPr>
+      <p:sp>
+        <p:nvSpPr>
+          <p:cNvPr id="2" name="Slide Image Placeholder 1"/>
+          <p:cNvSpPr>
+            <a:spLocks noGrp="1" noRot="1" noChangeAspect="1"/>
+          </p:cNvSpPr>
+          <p:nvPr>
+            <p:ph type="sldImg"/>
+          </p:nvPr>
+        </p:nvSpPr>
+        <p:spPr>
+          <a:xfrm>
+            <a:off x="4325938" y="73025"/>
+            <a:ext cx="2466975" cy="1851025"/>
+          </a:xfrm>
+        </p:spPr>
+      </p:sp>
+      <p:sp>
+        <p:nvSpPr>
+          <p:cNvPr id="3" name="Notes Placeholder 2"/>
+          <p:cNvSpPr>
+            <a:spLocks noGrp="1"/>
+          </p:cNvSpPr>
+          <p:nvPr>
+            <p:ph type="body" idx="1"/>
+          </p:nvPr>
+        </p:nvSpPr>
+        <p:spPr/>
+        <p:txBody>
+          <a:bodyPr/>
+          <a:lstStyle/>
+          <a:p>
+            <a:endParaRPr lang="en-US"/>
+          </a:p>
+        </p:txBody>
+      </p:sp>
+      <p:sp>
+        <p:nvSpPr>
+          <p:cNvPr id="4" name="Slide Number Placeholder 3"/>
+          <p:cNvSpPr>
+            <a:spLocks noGrp="1"/>
+          </p:cNvSpPr>
+          <p:nvPr>
+            <p:ph type="sldNum" sz="quarter" idx="10"/>
+          </p:nvPr>
+        </p:nvSpPr>
+        <p:spPr/>
+        <p:txBody>
+          <a:bodyPr/>
+          <a:lstStyle/>
+          <a:p>
+            <a:fld id="{F19E9337-0361-41F3-9C17-1F4FFD1214BA}" type="slidenum">
+              <a:rPr lang="en-US" smtClean="0"/>
+              <a:t>51</a:t>
+            </a:fld>
+            <a:endParaRPr lang="en-US" dirty="0"/>
+          </a:p>
+        </p:txBody>
+      </p:sp>
+    </p:spTree>
+    <p:extLst>
+      <p:ext uri="{BB962C8B-B14F-4D97-AF65-F5344CB8AC3E}">
+        <p14:creationId xmlns:p14="http://schemas.microsoft.com/office/powerpoint/2010/main" val="815070913"/>
+      </p:ext>
+    </p:extLst>
+  </p:cSld>
+  <p:clrMapOvr>
+    <a:masterClrMapping/>
+  </p:clrMapOvr>
+</p:notes>
+</file>
+
+<file path=ppt/notesSlides/notesSlide52.xml><?xml version="1.0" encoding="utf-8"?>
+<p:notes xmlns:a="http://schemas.openxmlformats.org/drawingml/2006/main" xmlns:r="http://schemas.openxmlformats.org/officeDocument/2006/relationships" xmlns:p="http://schemas.openxmlformats.org/presentationml/2006/main">
+  <p:cSld>
+    <p:spTree>
+      <p:nvGrpSpPr>
+        <p:cNvPr id="1" name=""/>
+        <p:cNvGrpSpPr/>
+        <p:nvPr/>
+      </p:nvGrpSpPr>
+      <p:grpSpPr>
+        <a:xfrm>
+          <a:off x="0" y="0"/>
+          <a:ext cx="0" cy="0"/>
+          <a:chOff x="0" y="0"/>
+          <a:chExt cx="0" cy="0"/>
+        </a:xfrm>
+      </p:grpSpPr>
+      <p:sp>
+        <p:nvSpPr>
+          <p:cNvPr id="2" name="Slide Image Placeholder 1"/>
+          <p:cNvSpPr>
+            <a:spLocks noGrp="1" noRot="1" noChangeAspect="1"/>
+          </p:cNvSpPr>
+          <p:nvPr>
+            <p:ph type="sldImg"/>
+          </p:nvPr>
+        </p:nvSpPr>
+        <p:spPr>
+          <a:xfrm>
+            <a:off x="4325938" y="73025"/>
+            <a:ext cx="2466975" cy="1851025"/>
+          </a:xfrm>
+        </p:spPr>
+      </p:sp>
+      <p:sp>
+        <p:nvSpPr>
+          <p:cNvPr id="3" name="Notes Placeholder 2"/>
+          <p:cNvSpPr>
+            <a:spLocks noGrp="1"/>
+          </p:cNvSpPr>
+          <p:nvPr>
+            <p:ph type="body" idx="1"/>
+          </p:nvPr>
+        </p:nvSpPr>
+        <p:spPr/>
+        <p:txBody>
+          <a:bodyPr/>
+          <a:lstStyle/>
+          <a:p>
+            <a:endParaRPr lang="en-US"/>
+          </a:p>
+        </p:txBody>
+      </p:sp>
+      <p:sp>
+        <p:nvSpPr>
+          <p:cNvPr id="4" name="Slide Number Placeholder 3"/>
+          <p:cNvSpPr>
+            <a:spLocks noGrp="1"/>
+          </p:cNvSpPr>
+          <p:nvPr>
+            <p:ph type="sldNum" sz="quarter" idx="10"/>
+          </p:nvPr>
+        </p:nvSpPr>
+        <p:spPr/>
+        <p:txBody>
+          <a:bodyPr/>
+          <a:lstStyle/>
+          <a:p>
+            <a:fld id="{F19E9337-0361-41F3-9C17-1F4FFD1214BA}" type="slidenum">
+              <a:rPr lang="en-US" smtClean="0"/>
               <a:t>52</a:t>
             </a:fld>
             <a:endParaRPr lang="en-US" dirty="0"/>
@@ -1971,6 +5783,629 @@
     <p:extLst>
       <p:ext uri="{BB962C8B-B14F-4D97-AF65-F5344CB8AC3E}">
         <p14:creationId xmlns:p14="http://schemas.microsoft.com/office/powerpoint/2010/main" val="2315361192"/>
+      </p:ext>
+    </p:extLst>
+  </p:cSld>
+  <p:clrMapOvr>
+    <a:masterClrMapping/>
+  </p:clrMapOvr>
+</p:notes>
+</file>
+
+<file path=ppt/notesSlides/notesSlide53.xml><?xml version="1.0" encoding="utf-8"?>
+<p:notes xmlns:a="http://schemas.openxmlformats.org/drawingml/2006/main" xmlns:r="http://schemas.openxmlformats.org/officeDocument/2006/relationships" xmlns:p="http://schemas.openxmlformats.org/presentationml/2006/main">
+  <p:cSld>
+    <p:spTree>
+      <p:nvGrpSpPr>
+        <p:cNvPr id="1" name=""/>
+        <p:cNvGrpSpPr/>
+        <p:nvPr/>
+      </p:nvGrpSpPr>
+      <p:grpSpPr>
+        <a:xfrm>
+          <a:off x="0" y="0"/>
+          <a:ext cx="0" cy="0"/>
+          <a:chOff x="0" y="0"/>
+          <a:chExt cx="0" cy="0"/>
+        </a:xfrm>
+      </p:grpSpPr>
+      <p:sp>
+        <p:nvSpPr>
+          <p:cNvPr id="2" name="Slide Image Placeholder 1"/>
+          <p:cNvSpPr>
+            <a:spLocks noGrp="1" noRot="1" noChangeAspect="1"/>
+          </p:cNvSpPr>
+          <p:nvPr>
+            <p:ph type="sldImg"/>
+          </p:nvPr>
+        </p:nvSpPr>
+        <p:spPr>
+          <a:xfrm>
+            <a:off x="4325938" y="73025"/>
+            <a:ext cx="2466975" cy="1851025"/>
+          </a:xfrm>
+        </p:spPr>
+      </p:sp>
+      <p:sp>
+        <p:nvSpPr>
+          <p:cNvPr id="3" name="Notes Placeholder 2"/>
+          <p:cNvSpPr>
+            <a:spLocks noGrp="1"/>
+          </p:cNvSpPr>
+          <p:nvPr>
+            <p:ph type="body" idx="1"/>
+          </p:nvPr>
+        </p:nvSpPr>
+        <p:spPr/>
+        <p:txBody>
+          <a:bodyPr/>
+          <a:lstStyle/>
+          <a:p>
+            <a:endParaRPr lang="en-US"/>
+          </a:p>
+        </p:txBody>
+      </p:sp>
+      <p:sp>
+        <p:nvSpPr>
+          <p:cNvPr id="4" name="Slide Number Placeholder 3"/>
+          <p:cNvSpPr>
+            <a:spLocks noGrp="1"/>
+          </p:cNvSpPr>
+          <p:nvPr>
+            <p:ph type="sldNum" sz="quarter" idx="10"/>
+          </p:nvPr>
+        </p:nvSpPr>
+        <p:spPr/>
+        <p:txBody>
+          <a:bodyPr/>
+          <a:lstStyle/>
+          <a:p>
+            <a:fld id="{F19E9337-0361-41F3-9C17-1F4FFD1214BA}" type="slidenum">
+              <a:rPr lang="en-US" smtClean="0"/>
+              <a:t>53</a:t>
+            </a:fld>
+            <a:endParaRPr lang="en-US" dirty="0"/>
+          </a:p>
+        </p:txBody>
+      </p:sp>
+    </p:spTree>
+    <p:extLst>
+      <p:ext uri="{BB962C8B-B14F-4D97-AF65-F5344CB8AC3E}">
+        <p14:creationId xmlns:p14="http://schemas.microsoft.com/office/powerpoint/2010/main" val="1218998045"/>
+      </p:ext>
+    </p:extLst>
+  </p:cSld>
+  <p:clrMapOvr>
+    <a:masterClrMapping/>
+  </p:clrMapOvr>
+</p:notes>
+</file>
+
+<file path=ppt/notesSlides/notesSlide54.xml><?xml version="1.0" encoding="utf-8"?>
+<p:notes xmlns:a="http://schemas.openxmlformats.org/drawingml/2006/main" xmlns:r="http://schemas.openxmlformats.org/officeDocument/2006/relationships" xmlns:p="http://schemas.openxmlformats.org/presentationml/2006/main">
+  <p:cSld>
+    <p:spTree>
+      <p:nvGrpSpPr>
+        <p:cNvPr id="1" name=""/>
+        <p:cNvGrpSpPr/>
+        <p:nvPr/>
+      </p:nvGrpSpPr>
+      <p:grpSpPr>
+        <a:xfrm>
+          <a:off x="0" y="0"/>
+          <a:ext cx="0" cy="0"/>
+          <a:chOff x="0" y="0"/>
+          <a:chExt cx="0" cy="0"/>
+        </a:xfrm>
+      </p:grpSpPr>
+      <p:sp>
+        <p:nvSpPr>
+          <p:cNvPr id="2" name="Slide Image Placeholder 1"/>
+          <p:cNvSpPr>
+            <a:spLocks noGrp="1" noRot="1" noChangeAspect="1"/>
+          </p:cNvSpPr>
+          <p:nvPr>
+            <p:ph type="sldImg"/>
+          </p:nvPr>
+        </p:nvSpPr>
+        <p:spPr>
+          <a:xfrm>
+            <a:off x="4325938" y="73025"/>
+            <a:ext cx="2466975" cy="1851025"/>
+          </a:xfrm>
+        </p:spPr>
+      </p:sp>
+      <p:sp>
+        <p:nvSpPr>
+          <p:cNvPr id="3" name="Notes Placeholder 2"/>
+          <p:cNvSpPr>
+            <a:spLocks noGrp="1"/>
+          </p:cNvSpPr>
+          <p:nvPr>
+            <p:ph type="body" idx="1"/>
+          </p:nvPr>
+        </p:nvSpPr>
+        <p:spPr/>
+        <p:txBody>
+          <a:bodyPr/>
+          <a:lstStyle/>
+          <a:p>
+            <a:endParaRPr lang="en-US"/>
+          </a:p>
+        </p:txBody>
+      </p:sp>
+      <p:sp>
+        <p:nvSpPr>
+          <p:cNvPr id="4" name="Slide Number Placeholder 3"/>
+          <p:cNvSpPr>
+            <a:spLocks noGrp="1"/>
+          </p:cNvSpPr>
+          <p:nvPr>
+            <p:ph type="sldNum" sz="quarter" idx="10"/>
+          </p:nvPr>
+        </p:nvSpPr>
+        <p:spPr/>
+        <p:txBody>
+          <a:bodyPr/>
+          <a:lstStyle/>
+          <a:p>
+            <a:fld id="{F19E9337-0361-41F3-9C17-1F4FFD1214BA}" type="slidenum">
+              <a:rPr lang="en-US" smtClean="0"/>
+              <a:t>54</a:t>
+            </a:fld>
+            <a:endParaRPr lang="en-US" dirty="0"/>
+          </a:p>
+        </p:txBody>
+      </p:sp>
+    </p:spTree>
+    <p:extLst>
+      <p:ext uri="{BB962C8B-B14F-4D97-AF65-F5344CB8AC3E}">
+        <p14:creationId xmlns:p14="http://schemas.microsoft.com/office/powerpoint/2010/main" val="2046999410"/>
+      </p:ext>
+    </p:extLst>
+  </p:cSld>
+  <p:clrMapOvr>
+    <a:masterClrMapping/>
+  </p:clrMapOvr>
+</p:notes>
+</file>
+
+<file path=ppt/notesSlides/notesSlide55.xml><?xml version="1.0" encoding="utf-8"?>
+<p:notes xmlns:a="http://schemas.openxmlformats.org/drawingml/2006/main" xmlns:r="http://schemas.openxmlformats.org/officeDocument/2006/relationships" xmlns:p="http://schemas.openxmlformats.org/presentationml/2006/main">
+  <p:cSld>
+    <p:spTree>
+      <p:nvGrpSpPr>
+        <p:cNvPr id="1" name=""/>
+        <p:cNvGrpSpPr/>
+        <p:nvPr/>
+      </p:nvGrpSpPr>
+      <p:grpSpPr>
+        <a:xfrm>
+          <a:off x="0" y="0"/>
+          <a:ext cx="0" cy="0"/>
+          <a:chOff x="0" y="0"/>
+          <a:chExt cx="0" cy="0"/>
+        </a:xfrm>
+      </p:grpSpPr>
+      <p:sp>
+        <p:nvSpPr>
+          <p:cNvPr id="2" name="Slide Image Placeholder 1"/>
+          <p:cNvSpPr>
+            <a:spLocks noGrp="1" noRot="1" noChangeAspect="1"/>
+          </p:cNvSpPr>
+          <p:nvPr>
+            <p:ph type="sldImg"/>
+          </p:nvPr>
+        </p:nvSpPr>
+        <p:spPr>
+          <a:xfrm>
+            <a:off x="4325938" y="73025"/>
+            <a:ext cx="2466975" cy="1851025"/>
+          </a:xfrm>
+        </p:spPr>
+      </p:sp>
+      <p:sp>
+        <p:nvSpPr>
+          <p:cNvPr id="3" name="Notes Placeholder 2"/>
+          <p:cNvSpPr>
+            <a:spLocks noGrp="1"/>
+          </p:cNvSpPr>
+          <p:nvPr>
+            <p:ph type="body" idx="1"/>
+          </p:nvPr>
+        </p:nvSpPr>
+        <p:spPr/>
+        <p:txBody>
+          <a:bodyPr/>
+          <a:lstStyle/>
+          <a:p>
+            <a:endParaRPr lang="en-US"/>
+          </a:p>
+        </p:txBody>
+      </p:sp>
+      <p:sp>
+        <p:nvSpPr>
+          <p:cNvPr id="4" name="Slide Number Placeholder 3"/>
+          <p:cNvSpPr>
+            <a:spLocks noGrp="1"/>
+          </p:cNvSpPr>
+          <p:nvPr>
+            <p:ph type="sldNum" sz="quarter" idx="10"/>
+          </p:nvPr>
+        </p:nvSpPr>
+        <p:spPr/>
+        <p:txBody>
+          <a:bodyPr/>
+          <a:lstStyle/>
+          <a:p>
+            <a:fld id="{F19E9337-0361-41F3-9C17-1F4FFD1214BA}" type="slidenum">
+              <a:rPr lang="en-US" smtClean="0"/>
+              <a:t>55</a:t>
+            </a:fld>
+            <a:endParaRPr lang="en-US" dirty="0"/>
+          </a:p>
+        </p:txBody>
+      </p:sp>
+    </p:spTree>
+    <p:extLst>
+      <p:ext uri="{BB962C8B-B14F-4D97-AF65-F5344CB8AC3E}">
+        <p14:creationId xmlns:p14="http://schemas.microsoft.com/office/powerpoint/2010/main" val="2217764393"/>
+      </p:ext>
+    </p:extLst>
+  </p:cSld>
+  <p:clrMapOvr>
+    <a:masterClrMapping/>
+  </p:clrMapOvr>
+</p:notes>
+</file>
+
+<file path=ppt/notesSlides/notesSlide56.xml><?xml version="1.0" encoding="utf-8"?>
+<p:notes xmlns:a="http://schemas.openxmlformats.org/drawingml/2006/main" xmlns:r="http://schemas.openxmlformats.org/officeDocument/2006/relationships" xmlns:p="http://schemas.openxmlformats.org/presentationml/2006/main">
+  <p:cSld>
+    <p:spTree>
+      <p:nvGrpSpPr>
+        <p:cNvPr id="1" name=""/>
+        <p:cNvGrpSpPr/>
+        <p:nvPr/>
+      </p:nvGrpSpPr>
+      <p:grpSpPr>
+        <a:xfrm>
+          <a:off x="0" y="0"/>
+          <a:ext cx="0" cy="0"/>
+          <a:chOff x="0" y="0"/>
+          <a:chExt cx="0" cy="0"/>
+        </a:xfrm>
+      </p:grpSpPr>
+      <p:sp>
+        <p:nvSpPr>
+          <p:cNvPr id="2" name="Slide Image Placeholder 1"/>
+          <p:cNvSpPr>
+            <a:spLocks noGrp="1" noRot="1" noChangeAspect="1"/>
+          </p:cNvSpPr>
+          <p:nvPr>
+            <p:ph type="sldImg"/>
+          </p:nvPr>
+        </p:nvSpPr>
+        <p:spPr>
+          <a:xfrm>
+            <a:off x="4325938" y="73025"/>
+            <a:ext cx="2466975" cy="1851025"/>
+          </a:xfrm>
+        </p:spPr>
+      </p:sp>
+      <p:sp>
+        <p:nvSpPr>
+          <p:cNvPr id="3" name="Notes Placeholder 2"/>
+          <p:cNvSpPr>
+            <a:spLocks noGrp="1"/>
+          </p:cNvSpPr>
+          <p:nvPr>
+            <p:ph type="body" idx="1"/>
+          </p:nvPr>
+        </p:nvSpPr>
+        <p:spPr/>
+        <p:txBody>
+          <a:bodyPr/>
+          <a:lstStyle/>
+          <a:p>
+            <a:endParaRPr lang="en-US"/>
+          </a:p>
+        </p:txBody>
+      </p:sp>
+      <p:sp>
+        <p:nvSpPr>
+          <p:cNvPr id="4" name="Slide Number Placeholder 3"/>
+          <p:cNvSpPr>
+            <a:spLocks noGrp="1"/>
+          </p:cNvSpPr>
+          <p:nvPr>
+            <p:ph type="sldNum" sz="quarter" idx="10"/>
+          </p:nvPr>
+        </p:nvSpPr>
+        <p:spPr/>
+        <p:txBody>
+          <a:bodyPr/>
+          <a:lstStyle/>
+          <a:p>
+            <a:fld id="{F19E9337-0361-41F3-9C17-1F4FFD1214BA}" type="slidenum">
+              <a:rPr lang="en-US" smtClean="0"/>
+              <a:t>56</a:t>
+            </a:fld>
+            <a:endParaRPr lang="en-US" dirty="0"/>
+          </a:p>
+        </p:txBody>
+      </p:sp>
+    </p:spTree>
+    <p:extLst>
+      <p:ext uri="{BB962C8B-B14F-4D97-AF65-F5344CB8AC3E}">
+        <p14:creationId xmlns:p14="http://schemas.microsoft.com/office/powerpoint/2010/main" val="2580763634"/>
+      </p:ext>
+    </p:extLst>
+  </p:cSld>
+  <p:clrMapOvr>
+    <a:masterClrMapping/>
+  </p:clrMapOvr>
+</p:notes>
+</file>
+
+<file path=ppt/notesSlides/notesSlide57.xml><?xml version="1.0" encoding="utf-8"?>
+<p:notes xmlns:a="http://schemas.openxmlformats.org/drawingml/2006/main" xmlns:r="http://schemas.openxmlformats.org/officeDocument/2006/relationships" xmlns:p="http://schemas.openxmlformats.org/presentationml/2006/main">
+  <p:cSld>
+    <p:spTree>
+      <p:nvGrpSpPr>
+        <p:cNvPr id="1" name=""/>
+        <p:cNvGrpSpPr/>
+        <p:nvPr/>
+      </p:nvGrpSpPr>
+      <p:grpSpPr>
+        <a:xfrm>
+          <a:off x="0" y="0"/>
+          <a:ext cx="0" cy="0"/>
+          <a:chOff x="0" y="0"/>
+          <a:chExt cx="0" cy="0"/>
+        </a:xfrm>
+      </p:grpSpPr>
+      <p:sp>
+        <p:nvSpPr>
+          <p:cNvPr id="2" name="Slide Image Placeholder 1"/>
+          <p:cNvSpPr>
+            <a:spLocks noGrp="1" noRot="1" noChangeAspect="1"/>
+          </p:cNvSpPr>
+          <p:nvPr>
+            <p:ph type="sldImg"/>
+          </p:nvPr>
+        </p:nvSpPr>
+        <p:spPr>
+          <a:xfrm>
+            <a:off x="4325938" y="73025"/>
+            <a:ext cx="2466975" cy="1851025"/>
+          </a:xfrm>
+        </p:spPr>
+      </p:sp>
+      <p:sp>
+        <p:nvSpPr>
+          <p:cNvPr id="3" name="Notes Placeholder 2"/>
+          <p:cNvSpPr>
+            <a:spLocks noGrp="1"/>
+          </p:cNvSpPr>
+          <p:nvPr>
+            <p:ph type="body" idx="1"/>
+          </p:nvPr>
+        </p:nvSpPr>
+        <p:spPr/>
+        <p:txBody>
+          <a:bodyPr/>
+          <a:lstStyle/>
+          <a:p>
+            <a:endParaRPr lang="en-US"/>
+          </a:p>
+        </p:txBody>
+      </p:sp>
+      <p:sp>
+        <p:nvSpPr>
+          <p:cNvPr id="4" name="Slide Number Placeholder 3"/>
+          <p:cNvSpPr>
+            <a:spLocks noGrp="1"/>
+          </p:cNvSpPr>
+          <p:nvPr>
+            <p:ph type="sldNum" sz="quarter" idx="10"/>
+          </p:nvPr>
+        </p:nvSpPr>
+        <p:spPr/>
+        <p:txBody>
+          <a:bodyPr/>
+          <a:lstStyle/>
+          <a:p>
+            <a:fld id="{F19E9337-0361-41F3-9C17-1F4FFD1214BA}" type="slidenum">
+              <a:rPr lang="en-US" smtClean="0"/>
+              <a:t>57</a:t>
+            </a:fld>
+            <a:endParaRPr lang="en-US" dirty="0"/>
+          </a:p>
+        </p:txBody>
+      </p:sp>
+    </p:spTree>
+    <p:extLst>
+      <p:ext uri="{BB962C8B-B14F-4D97-AF65-F5344CB8AC3E}">
+        <p14:creationId xmlns:p14="http://schemas.microsoft.com/office/powerpoint/2010/main" val="1480419905"/>
+      </p:ext>
+    </p:extLst>
+  </p:cSld>
+  <p:clrMapOvr>
+    <a:masterClrMapping/>
+  </p:clrMapOvr>
+</p:notes>
+</file>
+
+<file path=ppt/notesSlides/notesSlide58.xml><?xml version="1.0" encoding="utf-8"?>
+<p:notes xmlns:a="http://schemas.openxmlformats.org/drawingml/2006/main" xmlns:r="http://schemas.openxmlformats.org/officeDocument/2006/relationships" xmlns:p="http://schemas.openxmlformats.org/presentationml/2006/main">
+  <p:cSld>
+    <p:spTree>
+      <p:nvGrpSpPr>
+        <p:cNvPr id="1" name=""/>
+        <p:cNvGrpSpPr/>
+        <p:nvPr/>
+      </p:nvGrpSpPr>
+      <p:grpSpPr>
+        <a:xfrm>
+          <a:off x="0" y="0"/>
+          <a:ext cx="0" cy="0"/>
+          <a:chOff x="0" y="0"/>
+          <a:chExt cx="0" cy="0"/>
+        </a:xfrm>
+      </p:grpSpPr>
+      <p:sp>
+        <p:nvSpPr>
+          <p:cNvPr id="2" name="Slide Image Placeholder 1"/>
+          <p:cNvSpPr>
+            <a:spLocks noGrp="1" noRot="1" noChangeAspect="1"/>
+          </p:cNvSpPr>
+          <p:nvPr>
+            <p:ph type="sldImg"/>
+          </p:nvPr>
+        </p:nvSpPr>
+        <p:spPr>
+          <a:xfrm>
+            <a:off x="4325938" y="73025"/>
+            <a:ext cx="2466975" cy="1851025"/>
+          </a:xfrm>
+        </p:spPr>
+      </p:sp>
+      <p:sp>
+        <p:nvSpPr>
+          <p:cNvPr id="3" name="Notes Placeholder 2"/>
+          <p:cNvSpPr>
+            <a:spLocks noGrp="1"/>
+          </p:cNvSpPr>
+          <p:nvPr>
+            <p:ph type="body" idx="1"/>
+          </p:nvPr>
+        </p:nvSpPr>
+        <p:spPr/>
+        <p:txBody>
+          <a:bodyPr/>
+          <a:lstStyle/>
+          <a:p>
+            <a:endParaRPr lang="en-US"/>
+          </a:p>
+        </p:txBody>
+      </p:sp>
+      <p:sp>
+        <p:nvSpPr>
+          <p:cNvPr id="4" name="Slide Number Placeholder 3"/>
+          <p:cNvSpPr>
+            <a:spLocks noGrp="1"/>
+          </p:cNvSpPr>
+          <p:nvPr>
+            <p:ph type="sldNum" sz="quarter" idx="10"/>
+          </p:nvPr>
+        </p:nvSpPr>
+        <p:spPr/>
+        <p:txBody>
+          <a:bodyPr/>
+          <a:lstStyle/>
+          <a:p>
+            <a:fld id="{F19E9337-0361-41F3-9C17-1F4FFD1214BA}" type="slidenum">
+              <a:rPr lang="en-US" smtClean="0"/>
+              <a:t>58</a:t>
+            </a:fld>
+            <a:endParaRPr lang="en-US" dirty="0"/>
+          </a:p>
+        </p:txBody>
+      </p:sp>
+    </p:spTree>
+    <p:extLst>
+      <p:ext uri="{BB962C8B-B14F-4D97-AF65-F5344CB8AC3E}">
+        <p14:creationId xmlns:p14="http://schemas.microsoft.com/office/powerpoint/2010/main" val="1162838701"/>
+      </p:ext>
+    </p:extLst>
+  </p:cSld>
+  <p:clrMapOvr>
+    <a:masterClrMapping/>
+  </p:clrMapOvr>
+</p:notes>
+</file>
+
+<file path=ppt/notesSlides/notesSlide59.xml><?xml version="1.0" encoding="utf-8"?>
+<p:notes xmlns:a="http://schemas.openxmlformats.org/drawingml/2006/main" xmlns:r="http://schemas.openxmlformats.org/officeDocument/2006/relationships" xmlns:p="http://schemas.openxmlformats.org/presentationml/2006/main">
+  <p:cSld>
+    <p:spTree>
+      <p:nvGrpSpPr>
+        <p:cNvPr id="1" name=""/>
+        <p:cNvGrpSpPr/>
+        <p:nvPr/>
+      </p:nvGrpSpPr>
+      <p:grpSpPr>
+        <a:xfrm>
+          <a:off x="0" y="0"/>
+          <a:ext cx="0" cy="0"/>
+          <a:chOff x="0" y="0"/>
+          <a:chExt cx="0" cy="0"/>
+        </a:xfrm>
+      </p:grpSpPr>
+      <p:sp>
+        <p:nvSpPr>
+          <p:cNvPr id="2" name="Slide Image Placeholder 1"/>
+          <p:cNvSpPr>
+            <a:spLocks noGrp="1" noRot="1" noChangeAspect="1"/>
+          </p:cNvSpPr>
+          <p:nvPr>
+            <p:ph type="sldImg"/>
+          </p:nvPr>
+        </p:nvSpPr>
+        <p:spPr>
+          <a:xfrm>
+            <a:off x="4325938" y="73025"/>
+            <a:ext cx="2466975" cy="1851025"/>
+          </a:xfrm>
+        </p:spPr>
+      </p:sp>
+      <p:sp>
+        <p:nvSpPr>
+          <p:cNvPr id="3" name="Notes Placeholder 2"/>
+          <p:cNvSpPr>
+            <a:spLocks noGrp="1"/>
+          </p:cNvSpPr>
+          <p:nvPr>
+            <p:ph type="body" idx="1"/>
+          </p:nvPr>
+        </p:nvSpPr>
+        <p:spPr/>
+        <p:txBody>
+          <a:bodyPr/>
+          <a:lstStyle/>
+          <a:p>
+            <a:endParaRPr lang="en-US"/>
+          </a:p>
+        </p:txBody>
+      </p:sp>
+      <p:sp>
+        <p:nvSpPr>
+          <p:cNvPr id="4" name="Slide Number Placeholder 3"/>
+          <p:cNvSpPr>
+            <a:spLocks noGrp="1"/>
+          </p:cNvSpPr>
+          <p:nvPr>
+            <p:ph type="sldNum" sz="quarter" idx="10"/>
+          </p:nvPr>
+        </p:nvSpPr>
+        <p:spPr/>
+        <p:txBody>
+          <a:bodyPr/>
+          <a:lstStyle/>
+          <a:p>
+            <a:fld id="{F19E9337-0361-41F3-9C17-1F4FFD1214BA}" type="slidenum">
+              <a:rPr lang="en-US" smtClean="0"/>
+              <a:t>59</a:t>
+            </a:fld>
+            <a:endParaRPr lang="en-US" dirty="0"/>
+          </a:p>
+        </p:txBody>
+      </p:sp>
+    </p:spTree>
+    <p:extLst>
+      <p:ext uri="{BB962C8B-B14F-4D97-AF65-F5344CB8AC3E}">
+        <p14:creationId xmlns:p14="http://schemas.microsoft.com/office/powerpoint/2010/main" val="3509013134"/>
       </p:ext>
     </p:extLst>
   </p:cSld>
@@ -2029,9 +6464,7 @@
           <a:bodyPr/>
           <a:lstStyle/>
           <a:p>
-            <a:endParaRPr lang="en-IE" sz="1000" baseline="0" dirty="0">
-              <a:latin typeface="Segoe" panose="020B0502040504020203" pitchFamily="34" charset="0"/>
-            </a:endParaRPr>
+            <a:endParaRPr lang="en-US"/>
           </a:p>
         </p:txBody>
       </p:sp>
@@ -2050,88 +6483,10 @@
           <a:bodyPr/>
           <a:lstStyle/>
           <a:p>
-            <a:fld id="{E2FF7759-803D-4F76-9AEC-98B2D9A07B0D}" type="slidenum">
+            <a:fld id="{F19E9337-0361-41F3-9C17-1F4FFD1214BA}" type="slidenum">
               <a:rPr lang="en-US" smtClean="0"/>
-              <a:pPr/>
-              <a:t>68</a:t>
+              <a:t>6</a:t>
             </a:fld>
-            <a:endParaRPr lang="en-US" dirty="0"/>
-          </a:p>
-        </p:txBody>
-      </p:sp>
-      <p:sp>
-        <p:nvSpPr>
-          <p:cNvPr id="5" name="Rectangle 3"/>
-          <p:cNvSpPr>
-            <a:spLocks noGrp="1" noChangeArrowheads="1"/>
-          </p:cNvSpPr>
-          <p:nvPr>
-            <p:ph type="dt" sz="quarter" idx="1"/>
-          </p:nvPr>
-        </p:nvSpPr>
-        <p:spPr>
-          <a:xfrm>
-            <a:off x="264815" y="186683"/>
-            <a:ext cx="1955088" cy="485365"/>
-          </a:xfrm>
-        </p:spPr>
-        <p:txBody>
-          <a:bodyPr/>
-          <a:lstStyle/>
-          <a:p>
-            <a:pPr algn="l">
-              <a:defRPr/>
-            </a:pPr>
-            <a:r>
-              <a:rPr lang="en-US" b="1" dirty="0">
-                <a:latin typeface="Arial" pitchFamily="34" charset="0"/>
-                <a:cs typeface="Arial" pitchFamily="34" charset="0"/>
-              </a:rPr>
-              <a:t>Course 20533D</a:t>
-            </a:r>
-          </a:p>
-          <a:p>
-            <a:pPr algn="l">
-              <a:defRPr/>
-            </a:pPr>
-            <a:r>
-              <a:rPr lang="en-US" b="1" dirty="0">
-                <a:solidFill>
-                  <a:srgbClr val="336699"/>
-                </a:solidFill>
-                <a:latin typeface="Arial" pitchFamily="34" charset="0"/>
-                <a:cs typeface="Arial" pitchFamily="34" charset="0"/>
-              </a:rPr>
-              <a:t>Module</a:t>
-            </a:r>
-            <a:r>
-              <a:rPr lang="en-US" b="1" dirty="0">
-                <a:latin typeface="Arial" pitchFamily="34" charset="0"/>
-                <a:cs typeface="Arial" pitchFamily="34" charset="0"/>
-              </a:rPr>
-              <a:t> </a:t>
-            </a:r>
-            <a:r>
-              <a:rPr lang="en-US" b="1" dirty="0">
-                <a:solidFill>
-                  <a:srgbClr val="336699"/>
-                </a:solidFill>
-                <a:latin typeface="Arial" pitchFamily="34" charset="0"/>
-                <a:cs typeface="Arial" pitchFamily="34" charset="0"/>
-              </a:rPr>
-              <a:t>0: Introduction</a:t>
-            </a:r>
-          </a:p>
-          <a:p>
-            <a:pPr>
-              <a:defRPr/>
-            </a:pPr>
-            <a:endParaRPr lang="en-US" dirty="0"/>
-          </a:p>
-          <a:p>
-            <a:pPr>
-              <a:defRPr/>
-            </a:pPr>
             <a:endParaRPr lang="en-US" dirty="0"/>
           </a:p>
         </p:txBody>
@@ -2139,7 +6494,719 @@
     </p:spTree>
     <p:extLst>
       <p:ext uri="{BB962C8B-B14F-4D97-AF65-F5344CB8AC3E}">
-        <p14:creationId xmlns:p14="http://schemas.microsoft.com/office/powerpoint/2010/main" val="468583715"/>
+        <p14:creationId xmlns:p14="http://schemas.microsoft.com/office/powerpoint/2010/main" val="1278185486"/>
+      </p:ext>
+    </p:extLst>
+  </p:cSld>
+  <p:clrMapOvr>
+    <a:masterClrMapping/>
+  </p:clrMapOvr>
+</p:notes>
+</file>
+
+<file path=ppt/notesSlides/notesSlide60.xml><?xml version="1.0" encoding="utf-8"?>
+<p:notes xmlns:a="http://schemas.openxmlformats.org/drawingml/2006/main" xmlns:r="http://schemas.openxmlformats.org/officeDocument/2006/relationships" xmlns:p="http://schemas.openxmlformats.org/presentationml/2006/main">
+  <p:cSld>
+    <p:spTree>
+      <p:nvGrpSpPr>
+        <p:cNvPr id="1" name=""/>
+        <p:cNvGrpSpPr/>
+        <p:nvPr/>
+      </p:nvGrpSpPr>
+      <p:grpSpPr>
+        <a:xfrm>
+          <a:off x="0" y="0"/>
+          <a:ext cx="0" cy="0"/>
+          <a:chOff x="0" y="0"/>
+          <a:chExt cx="0" cy="0"/>
+        </a:xfrm>
+      </p:grpSpPr>
+      <p:sp>
+        <p:nvSpPr>
+          <p:cNvPr id="2" name="Slide Image Placeholder 1"/>
+          <p:cNvSpPr>
+            <a:spLocks noGrp="1" noRot="1" noChangeAspect="1"/>
+          </p:cNvSpPr>
+          <p:nvPr>
+            <p:ph type="sldImg"/>
+          </p:nvPr>
+        </p:nvSpPr>
+        <p:spPr>
+          <a:xfrm>
+            <a:off x="4325938" y="73025"/>
+            <a:ext cx="2466975" cy="1851025"/>
+          </a:xfrm>
+        </p:spPr>
+      </p:sp>
+      <p:sp>
+        <p:nvSpPr>
+          <p:cNvPr id="3" name="Notes Placeholder 2"/>
+          <p:cNvSpPr>
+            <a:spLocks noGrp="1"/>
+          </p:cNvSpPr>
+          <p:nvPr>
+            <p:ph type="body" idx="1"/>
+          </p:nvPr>
+        </p:nvSpPr>
+        <p:spPr/>
+        <p:txBody>
+          <a:bodyPr/>
+          <a:lstStyle/>
+          <a:p>
+            <a:endParaRPr lang="en-US"/>
+          </a:p>
+        </p:txBody>
+      </p:sp>
+      <p:sp>
+        <p:nvSpPr>
+          <p:cNvPr id="4" name="Slide Number Placeholder 3"/>
+          <p:cNvSpPr>
+            <a:spLocks noGrp="1"/>
+          </p:cNvSpPr>
+          <p:nvPr>
+            <p:ph type="sldNum" sz="quarter" idx="10"/>
+          </p:nvPr>
+        </p:nvSpPr>
+        <p:spPr/>
+        <p:txBody>
+          <a:bodyPr/>
+          <a:lstStyle/>
+          <a:p>
+            <a:fld id="{F19E9337-0361-41F3-9C17-1F4FFD1214BA}" type="slidenum">
+              <a:rPr lang="en-US" smtClean="0"/>
+              <a:t>60</a:t>
+            </a:fld>
+            <a:endParaRPr lang="en-US" dirty="0"/>
+          </a:p>
+        </p:txBody>
+      </p:sp>
+    </p:spTree>
+    <p:extLst>
+      <p:ext uri="{BB962C8B-B14F-4D97-AF65-F5344CB8AC3E}">
+        <p14:creationId xmlns:p14="http://schemas.microsoft.com/office/powerpoint/2010/main" val="2047880159"/>
+      </p:ext>
+    </p:extLst>
+  </p:cSld>
+  <p:clrMapOvr>
+    <a:masterClrMapping/>
+  </p:clrMapOvr>
+</p:notes>
+</file>
+
+<file path=ppt/notesSlides/notesSlide61.xml><?xml version="1.0" encoding="utf-8"?>
+<p:notes xmlns:a="http://schemas.openxmlformats.org/drawingml/2006/main" xmlns:r="http://schemas.openxmlformats.org/officeDocument/2006/relationships" xmlns:p="http://schemas.openxmlformats.org/presentationml/2006/main">
+  <p:cSld>
+    <p:spTree>
+      <p:nvGrpSpPr>
+        <p:cNvPr id="1" name=""/>
+        <p:cNvGrpSpPr/>
+        <p:nvPr/>
+      </p:nvGrpSpPr>
+      <p:grpSpPr>
+        <a:xfrm>
+          <a:off x="0" y="0"/>
+          <a:ext cx="0" cy="0"/>
+          <a:chOff x="0" y="0"/>
+          <a:chExt cx="0" cy="0"/>
+        </a:xfrm>
+      </p:grpSpPr>
+      <p:sp>
+        <p:nvSpPr>
+          <p:cNvPr id="2" name="Slide Image Placeholder 1"/>
+          <p:cNvSpPr>
+            <a:spLocks noGrp="1" noRot="1" noChangeAspect="1"/>
+          </p:cNvSpPr>
+          <p:nvPr>
+            <p:ph type="sldImg"/>
+          </p:nvPr>
+        </p:nvSpPr>
+        <p:spPr>
+          <a:xfrm>
+            <a:off x="4325938" y="73025"/>
+            <a:ext cx="2466975" cy="1851025"/>
+          </a:xfrm>
+        </p:spPr>
+      </p:sp>
+      <p:sp>
+        <p:nvSpPr>
+          <p:cNvPr id="3" name="Notes Placeholder 2"/>
+          <p:cNvSpPr>
+            <a:spLocks noGrp="1"/>
+          </p:cNvSpPr>
+          <p:nvPr>
+            <p:ph type="body" idx="1"/>
+          </p:nvPr>
+        </p:nvSpPr>
+        <p:spPr/>
+        <p:txBody>
+          <a:bodyPr/>
+          <a:lstStyle/>
+          <a:p>
+            <a:endParaRPr lang="en-US"/>
+          </a:p>
+        </p:txBody>
+      </p:sp>
+      <p:sp>
+        <p:nvSpPr>
+          <p:cNvPr id="4" name="Slide Number Placeholder 3"/>
+          <p:cNvSpPr>
+            <a:spLocks noGrp="1"/>
+          </p:cNvSpPr>
+          <p:nvPr>
+            <p:ph type="sldNum" sz="quarter" idx="10"/>
+          </p:nvPr>
+        </p:nvSpPr>
+        <p:spPr/>
+        <p:txBody>
+          <a:bodyPr/>
+          <a:lstStyle/>
+          <a:p>
+            <a:fld id="{F19E9337-0361-41F3-9C17-1F4FFD1214BA}" type="slidenum">
+              <a:rPr lang="en-US" smtClean="0"/>
+              <a:t>61</a:t>
+            </a:fld>
+            <a:endParaRPr lang="en-US" dirty="0"/>
+          </a:p>
+        </p:txBody>
+      </p:sp>
+    </p:spTree>
+    <p:extLst>
+      <p:ext uri="{BB962C8B-B14F-4D97-AF65-F5344CB8AC3E}">
+        <p14:creationId xmlns:p14="http://schemas.microsoft.com/office/powerpoint/2010/main" val="865979902"/>
+      </p:ext>
+    </p:extLst>
+  </p:cSld>
+  <p:clrMapOvr>
+    <a:masterClrMapping/>
+  </p:clrMapOvr>
+</p:notes>
+</file>
+
+<file path=ppt/notesSlides/notesSlide62.xml><?xml version="1.0" encoding="utf-8"?>
+<p:notes xmlns:a="http://schemas.openxmlformats.org/drawingml/2006/main" xmlns:r="http://schemas.openxmlformats.org/officeDocument/2006/relationships" xmlns:p="http://schemas.openxmlformats.org/presentationml/2006/main">
+  <p:cSld>
+    <p:spTree>
+      <p:nvGrpSpPr>
+        <p:cNvPr id="1" name=""/>
+        <p:cNvGrpSpPr/>
+        <p:nvPr/>
+      </p:nvGrpSpPr>
+      <p:grpSpPr>
+        <a:xfrm>
+          <a:off x="0" y="0"/>
+          <a:ext cx="0" cy="0"/>
+          <a:chOff x="0" y="0"/>
+          <a:chExt cx="0" cy="0"/>
+        </a:xfrm>
+      </p:grpSpPr>
+      <p:sp>
+        <p:nvSpPr>
+          <p:cNvPr id="2" name="Slide Image Placeholder 1"/>
+          <p:cNvSpPr>
+            <a:spLocks noGrp="1" noRot="1" noChangeAspect="1"/>
+          </p:cNvSpPr>
+          <p:nvPr>
+            <p:ph type="sldImg"/>
+          </p:nvPr>
+        </p:nvSpPr>
+        <p:spPr>
+          <a:xfrm>
+            <a:off x="4325938" y="73025"/>
+            <a:ext cx="2466975" cy="1851025"/>
+          </a:xfrm>
+        </p:spPr>
+      </p:sp>
+      <p:sp>
+        <p:nvSpPr>
+          <p:cNvPr id="3" name="Notes Placeholder 2"/>
+          <p:cNvSpPr>
+            <a:spLocks noGrp="1"/>
+          </p:cNvSpPr>
+          <p:nvPr>
+            <p:ph type="body" idx="1"/>
+          </p:nvPr>
+        </p:nvSpPr>
+        <p:spPr/>
+        <p:txBody>
+          <a:bodyPr/>
+          <a:lstStyle/>
+          <a:p>
+            <a:endParaRPr lang="en-US"/>
+          </a:p>
+        </p:txBody>
+      </p:sp>
+      <p:sp>
+        <p:nvSpPr>
+          <p:cNvPr id="4" name="Slide Number Placeholder 3"/>
+          <p:cNvSpPr>
+            <a:spLocks noGrp="1"/>
+          </p:cNvSpPr>
+          <p:nvPr>
+            <p:ph type="sldNum" sz="quarter" idx="10"/>
+          </p:nvPr>
+        </p:nvSpPr>
+        <p:spPr/>
+        <p:txBody>
+          <a:bodyPr/>
+          <a:lstStyle/>
+          <a:p>
+            <a:fld id="{F19E9337-0361-41F3-9C17-1F4FFD1214BA}" type="slidenum">
+              <a:rPr lang="en-US" smtClean="0"/>
+              <a:t>62</a:t>
+            </a:fld>
+            <a:endParaRPr lang="en-US" dirty="0"/>
+          </a:p>
+        </p:txBody>
+      </p:sp>
+    </p:spTree>
+    <p:extLst>
+      <p:ext uri="{BB962C8B-B14F-4D97-AF65-F5344CB8AC3E}">
+        <p14:creationId xmlns:p14="http://schemas.microsoft.com/office/powerpoint/2010/main" val="415275292"/>
+      </p:ext>
+    </p:extLst>
+  </p:cSld>
+  <p:clrMapOvr>
+    <a:masterClrMapping/>
+  </p:clrMapOvr>
+</p:notes>
+</file>
+
+<file path=ppt/notesSlides/notesSlide63.xml><?xml version="1.0" encoding="utf-8"?>
+<p:notes xmlns:a="http://schemas.openxmlformats.org/drawingml/2006/main" xmlns:r="http://schemas.openxmlformats.org/officeDocument/2006/relationships" xmlns:p="http://schemas.openxmlformats.org/presentationml/2006/main">
+  <p:cSld>
+    <p:spTree>
+      <p:nvGrpSpPr>
+        <p:cNvPr id="1" name=""/>
+        <p:cNvGrpSpPr/>
+        <p:nvPr/>
+      </p:nvGrpSpPr>
+      <p:grpSpPr>
+        <a:xfrm>
+          <a:off x="0" y="0"/>
+          <a:ext cx="0" cy="0"/>
+          <a:chOff x="0" y="0"/>
+          <a:chExt cx="0" cy="0"/>
+        </a:xfrm>
+      </p:grpSpPr>
+      <p:sp>
+        <p:nvSpPr>
+          <p:cNvPr id="2" name="Slide Image Placeholder 1"/>
+          <p:cNvSpPr>
+            <a:spLocks noGrp="1" noRot="1" noChangeAspect="1"/>
+          </p:cNvSpPr>
+          <p:nvPr>
+            <p:ph type="sldImg"/>
+          </p:nvPr>
+        </p:nvSpPr>
+        <p:spPr>
+          <a:xfrm>
+            <a:off x="4325938" y="73025"/>
+            <a:ext cx="2466975" cy="1851025"/>
+          </a:xfrm>
+        </p:spPr>
+      </p:sp>
+      <p:sp>
+        <p:nvSpPr>
+          <p:cNvPr id="3" name="Notes Placeholder 2"/>
+          <p:cNvSpPr>
+            <a:spLocks noGrp="1"/>
+          </p:cNvSpPr>
+          <p:nvPr>
+            <p:ph type="body" idx="1"/>
+          </p:nvPr>
+        </p:nvSpPr>
+        <p:spPr/>
+        <p:txBody>
+          <a:bodyPr/>
+          <a:lstStyle/>
+          <a:p>
+            <a:endParaRPr lang="en-US"/>
+          </a:p>
+        </p:txBody>
+      </p:sp>
+      <p:sp>
+        <p:nvSpPr>
+          <p:cNvPr id="4" name="Slide Number Placeholder 3"/>
+          <p:cNvSpPr>
+            <a:spLocks noGrp="1"/>
+          </p:cNvSpPr>
+          <p:nvPr>
+            <p:ph type="sldNum" sz="quarter" idx="10"/>
+          </p:nvPr>
+        </p:nvSpPr>
+        <p:spPr/>
+        <p:txBody>
+          <a:bodyPr/>
+          <a:lstStyle/>
+          <a:p>
+            <a:fld id="{F19E9337-0361-41F3-9C17-1F4FFD1214BA}" type="slidenum">
+              <a:rPr lang="en-US" smtClean="0"/>
+              <a:t>63</a:t>
+            </a:fld>
+            <a:endParaRPr lang="en-US" dirty="0"/>
+          </a:p>
+        </p:txBody>
+      </p:sp>
+    </p:spTree>
+    <p:extLst>
+      <p:ext uri="{BB962C8B-B14F-4D97-AF65-F5344CB8AC3E}">
+        <p14:creationId xmlns:p14="http://schemas.microsoft.com/office/powerpoint/2010/main" val="318307960"/>
+      </p:ext>
+    </p:extLst>
+  </p:cSld>
+  <p:clrMapOvr>
+    <a:masterClrMapping/>
+  </p:clrMapOvr>
+</p:notes>
+</file>
+
+<file path=ppt/notesSlides/notesSlide64.xml><?xml version="1.0" encoding="utf-8"?>
+<p:notes xmlns:a="http://schemas.openxmlformats.org/drawingml/2006/main" xmlns:r="http://schemas.openxmlformats.org/officeDocument/2006/relationships" xmlns:p="http://schemas.openxmlformats.org/presentationml/2006/main">
+  <p:cSld>
+    <p:spTree>
+      <p:nvGrpSpPr>
+        <p:cNvPr id="1" name=""/>
+        <p:cNvGrpSpPr/>
+        <p:nvPr/>
+      </p:nvGrpSpPr>
+      <p:grpSpPr>
+        <a:xfrm>
+          <a:off x="0" y="0"/>
+          <a:ext cx="0" cy="0"/>
+          <a:chOff x="0" y="0"/>
+          <a:chExt cx="0" cy="0"/>
+        </a:xfrm>
+      </p:grpSpPr>
+      <p:sp>
+        <p:nvSpPr>
+          <p:cNvPr id="2" name="Slide Image Placeholder 1"/>
+          <p:cNvSpPr>
+            <a:spLocks noGrp="1" noRot="1" noChangeAspect="1"/>
+          </p:cNvSpPr>
+          <p:nvPr>
+            <p:ph type="sldImg"/>
+          </p:nvPr>
+        </p:nvSpPr>
+        <p:spPr>
+          <a:xfrm>
+            <a:off x="4325938" y="73025"/>
+            <a:ext cx="2466975" cy="1851025"/>
+          </a:xfrm>
+        </p:spPr>
+      </p:sp>
+      <p:sp>
+        <p:nvSpPr>
+          <p:cNvPr id="3" name="Notes Placeholder 2"/>
+          <p:cNvSpPr>
+            <a:spLocks noGrp="1"/>
+          </p:cNvSpPr>
+          <p:nvPr>
+            <p:ph type="body" idx="1"/>
+          </p:nvPr>
+        </p:nvSpPr>
+        <p:spPr/>
+        <p:txBody>
+          <a:bodyPr/>
+          <a:lstStyle/>
+          <a:p>
+            <a:endParaRPr lang="en-US"/>
+          </a:p>
+        </p:txBody>
+      </p:sp>
+      <p:sp>
+        <p:nvSpPr>
+          <p:cNvPr id="4" name="Slide Number Placeholder 3"/>
+          <p:cNvSpPr>
+            <a:spLocks noGrp="1"/>
+          </p:cNvSpPr>
+          <p:nvPr>
+            <p:ph type="sldNum" sz="quarter" idx="10"/>
+          </p:nvPr>
+        </p:nvSpPr>
+        <p:spPr/>
+        <p:txBody>
+          <a:bodyPr/>
+          <a:lstStyle/>
+          <a:p>
+            <a:fld id="{F19E9337-0361-41F3-9C17-1F4FFD1214BA}" type="slidenum">
+              <a:rPr lang="en-US" smtClean="0"/>
+              <a:t>64</a:t>
+            </a:fld>
+            <a:endParaRPr lang="en-US" dirty="0"/>
+          </a:p>
+        </p:txBody>
+      </p:sp>
+    </p:spTree>
+    <p:extLst>
+      <p:ext uri="{BB962C8B-B14F-4D97-AF65-F5344CB8AC3E}">
+        <p14:creationId xmlns:p14="http://schemas.microsoft.com/office/powerpoint/2010/main" val="4238460074"/>
+      </p:ext>
+    </p:extLst>
+  </p:cSld>
+  <p:clrMapOvr>
+    <a:masterClrMapping/>
+  </p:clrMapOvr>
+</p:notes>
+</file>
+
+<file path=ppt/notesSlides/notesSlide65.xml><?xml version="1.0" encoding="utf-8"?>
+<p:notes xmlns:a="http://schemas.openxmlformats.org/drawingml/2006/main" xmlns:r="http://schemas.openxmlformats.org/officeDocument/2006/relationships" xmlns:p="http://schemas.openxmlformats.org/presentationml/2006/main">
+  <p:cSld>
+    <p:spTree>
+      <p:nvGrpSpPr>
+        <p:cNvPr id="1" name=""/>
+        <p:cNvGrpSpPr/>
+        <p:nvPr/>
+      </p:nvGrpSpPr>
+      <p:grpSpPr>
+        <a:xfrm>
+          <a:off x="0" y="0"/>
+          <a:ext cx="0" cy="0"/>
+          <a:chOff x="0" y="0"/>
+          <a:chExt cx="0" cy="0"/>
+        </a:xfrm>
+      </p:grpSpPr>
+      <p:sp>
+        <p:nvSpPr>
+          <p:cNvPr id="2" name="Slide Image Placeholder 1"/>
+          <p:cNvSpPr>
+            <a:spLocks noGrp="1" noRot="1" noChangeAspect="1"/>
+          </p:cNvSpPr>
+          <p:nvPr>
+            <p:ph type="sldImg"/>
+          </p:nvPr>
+        </p:nvSpPr>
+        <p:spPr>
+          <a:xfrm>
+            <a:off x="4325938" y="73025"/>
+            <a:ext cx="2466975" cy="1851025"/>
+          </a:xfrm>
+        </p:spPr>
+      </p:sp>
+      <p:sp>
+        <p:nvSpPr>
+          <p:cNvPr id="3" name="Notes Placeholder 2"/>
+          <p:cNvSpPr>
+            <a:spLocks noGrp="1"/>
+          </p:cNvSpPr>
+          <p:nvPr>
+            <p:ph type="body" idx="1"/>
+          </p:nvPr>
+        </p:nvSpPr>
+        <p:spPr/>
+        <p:txBody>
+          <a:bodyPr/>
+          <a:lstStyle/>
+          <a:p>
+            <a:endParaRPr lang="en-US"/>
+          </a:p>
+        </p:txBody>
+      </p:sp>
+      <p:sp>
+        <p:nvSpPr>
+          <p:cNvPr id="4" name="Slide Number Placeholder 3"/>
+          <p:cNvSpPr>
+            <a:spLocks noGrp="1"/>
+          </p:cNvSpPr>
+          <p:nvPr>
+            <p:ph type="sldNum" sz="quarter" idx="10"/>
+          </p:nvPr>
+        </p:nvSpPr>
+        <p:spPr/>
+        <p:txBody>
+          <a:bodyPr/>
+          <a:lstStyle/>
+          <a:p>
+            <a:fld id="{F19E9337-0361-41F3-9C17-1F4FFD1214BA}" type="slidenum">
+              <a:rPr lang="en-US" smtClean="0"/>
+              <a:t>65</a:t>
+            </a:fld>
+            <a:endParaRPr lang="en-US" dirty="0"/>
+          </a:p>
+        </p:txBody>
+      </p:sp>
+    </p:spTree>
+    <p:extLst>
+      <p:ext uri="{BB962C8B-B14F-4D97-AF65-F5344CB8AC3E}">
+        <p14:creationId xmlns:p14="http://schemas.microsoft.com/office/powerpoint/2010/main" val="3068385758"/>
+      </p:ext>
+    </p:extLst>
+  </p:cSld>
+  <p:clrMapOvr>
+    <a:masterClrMapping/>
+  </p:clrMapOvr>
+</p:notes>
+</file>
+
+<file path=ppt/notesSlides/notesSlide66.xml><?xml version="1.0" encoding="utf-8"?>
+<p:notes xmlns:a="http://schemas.openxmlformats.org/drawingml/2006/main" xmlns:r="http://schemas.openxmlformats.org/officeDocument/2006/relationships" xmlns:p="http://schemas.openxmlformats.org/presentationml/2006/main">
+  <p:cSld>
+    <p:spTree>
+      <p:nvGrpSpPr>
+        <p:cNvPr id="1" name=""/>
+        <p:cNvGrpSpPr/>
+        <p:nvPr/>
+      </p:nvGrpSpPr>
+      <p:grpSpPr>
+        <a:xfrm>
+          <a:off x="0" y="0"/>
+          <a:ext cx="0" cy="0"/>
+          <a:chOff x="0" y="0"/>
+          <a:chExt cx="0" cy="0"/>
+        </a:xfrm>
+      </p:grpSpPr>
+      <p:sp>
+        <p:nvSpPr>
+          <p:cNvPr id="2" name="Slide Image Placeholder 1"/>
+          <p:cNvSpPr>
+            <a:spLocks noGrp="1" noRot="1" noChangeAspect="1"/>
+          </p:cNvSpPr>
+          <p:nvPr>
+            <p:ph type="sldImg"/>
+          </p:nvPr>
+        </p:nvSpPr>
+        <p:spPr>
+          <a:xfrm>
+            <a:off x="4325938" y="73025"/>
+            <a:ext cx="2466975" cy="1851025"/>
+          </a:xfrm>
+        </p:spPr>
+      </p:sp>
+      <p:sp>
+        <p:nvSpPr>
+          <p:cNvPr id="3" name="Notes Placeholder 2"/>
+          <p:cNvSpPr>
+            <a:spLocks noGrp="1"/>
+          </p:cNvSpPr>
+          <p:nvPr>
+            <p:ph type="body" idx="1"/>
+          </p:nvPr>
+        </p:nvSpPr>
+        <p:spPr/>
+        <p:txBody>
+          <a:bodyPr/>
+          <a:lstStyle/>
+          <a:p>
+            <a:endParaRPr lang="en-US"/>
+          </a:p>
+        </p:txBody>
+      </p:sp>
+      <p:sp>
+        <p:nvSpPr>
+          <p:cNvPr id="4" name="Slide Number Placeholder 3"/>
+          <p:cNvSpPr>
+            <a:spLocks noGrp="1"/>
+          </p:cNvSpPr>
+          <p:nvPr>
+            <p:ph type="sldNum" sz="quarter" idx="10"/>
+          </p:nvPr>
+        </p:nvSpPr>
+        <p:spPr/>
+        <p:txBody>
+          <a:bodyPr/>
+          <a:lstStyle/>
+          <a:p>
+            <a:fld id="{F19E9337-0361-41F3-9C17-1F4FFD1214BA}" type="slidenum">
+              <a:rPr lang="en-US" smtClean="0"/>
+              <a:t>66</a:t>
+            </a:fld>
+            <a:endParaRPr lang="en-US" dirty="0"/>
+          </a:p>
+        </p:txBody>
+      </p:sp>
+    </p:spTree>
+    <p:extLst>
+      <p:ext uri="{BB962C8B-B14F-4D97-AF65-F5344CB8AC3E}">
+        <p14:creationId xmlns:p14="http://schemas.microsoft.com/office/powerpoint/2010/main" val="2416631556"/>
+      </p:ext>
+    </p:extLst>
+  </p:cSld>
+  <p:clrMapOvr>
+    <a:masterClrMapping/>
+  </p:clrMapOvr>
+</p:notes>
+</file>
+
+<file path=ppt/notesSlides/notesSlide67.xml><?xml version="1.0" encoding="utf-8"?>
+<p:notes xmlns:a="http://schemas.openxmlformats.org/drawingml/2006/main" xmlns:r="http://schemas.openxmlformats.org/officeDocument/2006/relationships" xmlns:p="http://schemas.openxmlformats.org/presentationml/2006/main">
+  <p:cSld>
+    <p:spTree>
+      <p:nvGrpSpPr>
+        <p:cNvPr id="1" name=""/>
+        <p:cNvGrpSpPr/>
+        <p:nvPr/>
+      </p:nvGrpSpPr>
+      <p:grpSpPr>
+        <a:xfrm>
+          <a:off x="0" y="0"/>
+          <a:ext cx="0" cy="0"/>
+          <a:chOff x="0" y="0"/>
+          <a:chExt cx="0" cy="0"/>
+        </a:xfrm>
+      </p:grpSpPr>
+      <p:sp>
+        <p:nvSpPr>
+          <p:cNvPr id="2" name="Slide Image Placeholder 1"/>
+          <p:cNvSpPr>
+            <a:spLocks noGrp="1" noRot="1" noChangeAspect="1"/>
+          </p:cNvSpPr>
+          <p:nvPr>
+            <p:ph type="sldImg"/>
+          </p:nvPr>
+        </p:nvSpPr>
+        <p:spPr>
+          <a:xfrm>
+            <a:off x="4325938" y="73025"/>
+            <a:ext cx="2466975" cy="1851025"/>
+          </a:xfrm>
+        </p:spPr>
+      </p:sp>
+      <p:sp>
+        <p:nvSpPr>
+          <p:cNvPr id="3" name="Notes Placeholder 2"/>
+          <p:cNvSpPr>
+            <a:spLocks noGrp="1"/>
+          </p:cNvSpPr>
+          <p:nvPr>
+            <p:ph type="body" idx="1"/>
+          </p:nvPr>
+        </p:nvSpPr>
+        <p:spPr/>
+        <p:txBody>
+          <a:bodyPr/>
+          <a:lstStyle/>
+          <a:p>
+            <a:endParaRPr lang="en-US"/>
+          </a:p>
+        </p:txBody>
+      </p:sp>
+      <p:sp>
+        <p:nvSpPr>
+          <p:cNvPr id="4" name="Slide Number Placeholder 3"/>
+          <p:cNvSpPr>
+            <a:spLocks noGrp="1"/>
+          </p:cNvSpPr>
+          <p:nvPr>
+            <p:ph type="sldNum" sz="quarter" idx="10"/>
+          </p:nvPr>
+        </p:nvSpPr>
+        <p:spPr/>
+        <p:txBody>
+          <a:bodyPr/>
+          <a:lstStyle/>
+          <a:p>
+            <a:fld id="{F19E9337-0361-41F3-9C17-1F4FFD1214BA}" type="slidenum">
+              <a:rPr lang="en-US" smtClean="0"/>
+              <a:t>67</a:t>
+            </a:fld>
+            <a:endParaRPr lang="en-US" dirty="0"/>
+          </a:p>
+        </p:txBody>
+      </p:sp>
+    </p:spTree>
+    <p:extLst>
+      <p:ext uri="{BB962C8B-B14F-4D97-AF65-F5344CB8AC3E}">
+        <p14:creationId xmlns:p14="http://schemas.microsoft.com/office/powerpoint/2010/main" val="1524415225"/>
       </p:ext>
     </p:extLst>
   </p:cSld>
@@ -2198,9 +7265,7 @@
           <a:bodyPr/>
           <a:lstStyle/>
           <a:p>
-            <a:endParaRPr lang="en-IE" sz="1000" baseline="0" dirty="0">
-              <a:latin typeface="Segoe" panose="020B0502040504020203" pitchFamily="34" charset="0"/>
-            </a:endParaRPr>
+            <a:endParaRPr lang="en-US"/>
           </a:p>
         </p:txBody>
       </p:sp>
@@ -2219,88 +7284,10 @@
           <a:bodyPr/>
           <a:lstStyle/>
           <a:p>
-            <a:fld id="{E2FF7759-803D-4F76-9AEC-98B2D9A07B0D}" type="slidenum">
+            <a:fld id="{F19E9337-0361-41F3-9C17-1F4FFD1214BA}" type="slidenum">
               <a:rPr lang="en-US" smtClean="0"/>
-              <a:pPr/>
-              <a:t>69</a:t>
+              <a:t>7</a:t>
             </a:fld>
-            <a:endParaRPr lang="en-US" dirty="0"/>
-          </a:p>
-        </p:txBody>
-      </p:sp>
-      <p:sp>
-        <p:nvSpPr>
-          <p:cNvPr id="5" name="Rectangle 3"/>
-          <p:cNvSpPr>
-            <a:spLocks noGrp="1" noChangeArrowheads="1"/>
-          </p:cNvSpPr>
-          <p:nvPr>
-            <p:ph type="dt" sz="quarter" idx="1"/>
-          </p:nvPr>
-        </p:nvSpPr>
-        <p:spPr>
-          <a:xfrm>
-            <a:off x="264815" y="186683"/>
-            <a:ext cx="1955088" cy="485365"/>
-          </a:xfrm>
-        </p:spPr>
-        <p:txBody>
-          <a:bodyPr/>
-          <a:lstStyle/>
-          <a:p>
-            <a:pPr algn="l">
-              <a:defRPr/>
-            </a:pPr>
-            <a:r>
-              <a:rPr lang="en-US" b="1" dirty="0">
-                <a:latin typeface="Arial" pitchFamily="34" charset="0"/>
-                <a:cs typeface="Arial" pitchFamily="34" charset="0"/>
-              </a:rPr>
-              <a:t>Course 20533D</a:t>
-            </a:r>
-          </a:p>
-          <a:p>
-            <a:pPr algn="l">
-              <a:defRPr/>
-            </a:pPr>
-            <a:r>
-              <a:rPr lang="en-US" b="1" dirty="0">
-                <a:solidFill>
-                  <a:srgbClr val="336699"/>
-                </a:solidFill>
-                <a:latin typeface="Arial" pitchFamily="34" charset="0"/>
-                <a:cs typeface="Arial" pitchFamily="34" charset="0"/>
-              </a:rPr>
-              <a:t>Module</a:t>
-            </a:r>
-            <a:r>
-              <a:rPr lang="en-US" b="1" dirty="0">
-                <a:latin typeface="Arial" pitchFamily="34" charset="0"/>
-                <a:cs typeface="Arial" pitchFamily="34" charset="0"/>
-              </a:rPr>
-              <a:t> </a:t>
-            </a:r>
-            <a:r>
-              <a:rPr lang="en-US" b="1" dirty="0">
-                <a:solidFill>
-                  <a:srgbClr val="336699"/>
-                </a:solidFill>
-                <a:latin typeface="Arial" pitchFamily="34" charset="0"/>
-                <a:cs typeface="Arial" pitchFamily="34" charset="0"/>
-              </a:rPr>
-              <a:t>0: Introduction</a:t>
-            </a:r>
-          </a:p>
-          <a:p>
-            <a:pPr>
-              <a:defRPr/>
-            </a:pPr>
-            <a:endParaRPr lang="en-US" dirty="0"/>
-          </a:p>
-          <a:p>
-            <a:pPr>
-              <a:defRPr/>
-            </a:pPr>
             <a:endParaRPr lang="en-US" dirty="0"/>
           </a:p>
         </p:txBody>
@@ -2308,7 +7295,185 @@
     </p:spTree>
     <p:extLst>
       <p:ext uri="{BB962C8B-B14F-4D97-AF65-F5344CB8AC3E}">
-        <p14:creationId xmlns:p14="http://schemas.microsoft.com/office/powerpoint/2010/main" val="1487420928"/>
+        <p14:creationId xmlns:p14="http://schemas.microsoft.com/office/powerpoint/2010/main" val="2612064862"/>
+      </p:ext>
+    </p:extLst>
+  </p:cSld>
+  <p:clrMapOvr>
+    <a:masterClrMapping/>
+  </p:clrMapOvr>
+</p:notes>
+</file>
+
+<file path=ppt/notesSlides/notesSlide8.xml><?xml version="1.0" encoding="utf-8"?>
+<p:notes xmlns:a="http://schemas.openxmlformats.org/drawingml/2006/main" xmlns:r="http://schemas.openxmlformats.org/officeDocument/2006/relationships" xmlns:p="http://schemas.openxmlformats.org/presentationml/2006/main">
+  <p:cSld>
+    <p:spTree>
+      <p:nvGrpSpPr>
+        <p:cNvPr id="1" name=""/>
+        <p:cNvGrpSpPr/>
+        <p:nvPr/>
+      </p:nvGrpSpPr>
+      <p:grpSpPr>
+        <a:xfrm>
+          <a:off x="0" y="0"/>
+          <a:ext cx="0" cy="0"/>
+          <a:chOff x="0" y="0"/>
+          <a:chExt cx="0" cy="0"/>
+        </a:xfrm>
+      </p:grpSpPr>
+      <p:sp>
+        <p:nvSpPr>
+          <p:cNvPr id="2" name="Slide Image Placeholder 1"/>
+          <p:cNvSpPr>
+            <a:spLocks noGrp="1" noRot="1" noChangeAspect="1"/>
+          </p:cNvSpPr>
+          <p:nvPr>
+            <p:ph type="sldImg"/>
+          </p:nvPr>
+        </p:nvSpPr>
+        <p:spPr>
+          <a:xfrm>
+            <a:off x="4325938" y="73025"/>
+            <a:ext cx="2466975" cy="1851025"/>
+          </a:xfrm>
+        </p:spPr>
+      </p:sp>
+      <p:sp>
+        <p:nvSpPr>
+          <p:cNvPr id="3" name="Notes Placeholder 2"/>
+          <p:cNvSpPr>
+            <a:spLocks noGrp="1"/>
+          </p:cNvSpPr>
+          <p:nvPr>
+            <p:ph type="body" idx="1"/>
+          </p:nvPr>
+        </p:nvSpPr>
+        <p:spPr/>
+        <p:txBody>
+          <a:bodyPr/>
+          <a:lstStyle/>
+          <a:p>
+            <a:endParaRPr lang="en-US"/>
+          </a:p>
+        </p:txBody>
+      </p:sp>
+      <p:sp>
+        <p:nvSpPr>
+          <p:cNvPr id="4" name="Slide Number Placeholder 3"/>
+          <p:cNvSpPr>
+            <a:spLocks noGrp="1"/>
+          </p:cNvSpPr>
+          <p:nvPr>
+            <p:ph type="sldNum" sz="quarter" idx="10"/>
+          </p:nvPr>
+        </p:nvSpPr>
+        <p:spPr/>
+        <p:txBody>
+          <a:bodyPr/>
+          <a:lstStyle/>
+          <a:p>
+            <a:fld id="{F19E9337-0361-41F3-9C17-1F4FFD1214BA}" type="slidenum">
+              <a:rPr lang="en-US" smtClean="0"/>
+              <a:t>8</a:t>
+            </a:fld>
+            <a:endParaRPr lang="en-US" dirty="0"/>
+          </a:p>
+        </p:txBody>
+      </p:sp>
+    </p:spTree>
+    <p:extLst>
+      <p:ext uri="{BB962C8B-B14F-4D97-AF65-F5344CB8AC3E}">
+        <p14:creationId xmlns:p14="http://schemas.microsoft.com/office/powerpoint/2010/main" val="2209045474"/>
+      </p:ext>
+    </p:extLst>
+  </p:cSld>
+  <p:clrMapOvr>
+    <a:masterClrMapping/>
+  </p:clrMapOvr>
+</p:notes>
+</file>
+
+<file path=ppt/notesSlides/notesSlide9.xml><?xml version="1.0" encoding="utf-8"?>
+<p:notes xmlns:a="http://schemas.openxmlformats.org/drawingml/2006/main" xmlns:r="http://schemas.openxmlformats.org/officeDocument/2006/relationships" xmlns:p="http://schemas.openxmlformats.org/presentationml/2006/main">
+  <p:cSld>
+    <p:spTree>
+      <p:nvGrpSpPr>
+        <p:cNvPr id="1" name=""/>
+        <p:cNvGrpSpPr/>
+        <p:nvPr/>
+      </p:nvGrpSpPr>
+      <p:grpSpPr>
+        <a:xfrm>
+          <a:off x="0" y="0"/>
+          <a:ext cx="0" cy="0"/>
+          <a:chOff x="0" y="0"/>
+          <a:chExt cx="0" cy="0"/>
+        </a:xfrm>
+      </p:grpSpPr>
+      <p:sp>
+        <p:nvSpPr>
+          <p:cNvPr id="2" name="Slide Image Placeholder 1"/>
+          <p:cNvSpPr>
+            <a:spLocks noGrp="1" noRot="1" noChangeAspect="1"/>
+          </p:cNvSpPr>
+          <p:nvPr>
+            <p:ph type="sldImg"/>
+          </p:nvPr>
+        </p:nvSpPr>
+        <p:spPr>
+          <a:xfrm>
+            <a:off x="4325938" y="73025"/>
+            <a:ext cx="2466975" cy="1851025"/>
+          </a:xfrm>
+        </p:spPr>
+      </p:sp>
+      <p:sp>
+        <p:nvSpPr>
+          <p:cNvPr id="3" name="Notes Placeholder 2"/>
+          <p:cNvSpPr>
+            <a:spLocks noGrp="1"/>
+          </p:cNvSpPr>
+          <p:nvPr>
+            <p:ph type="body" idx="1"/>
+          </p:nvPr>
+        </p:nvSpPr>
+        <p:spPr/>
+        <p:txBody>
+          <a:bodyPr/>
+          <a:lstStyle/>
+          <a:p>
+            <a:endParaRPr lang="en-US"/>
+          </a:p>
+        </p:txBody>
+      </p:sp>
+      <p:sp>
+        <p:nvSpPr>
+          <p:cNvPr id="4" name="Slide Number Placeholder 3"/>
+          <p:cNvSpPr>
+            <a:spLocks noGrp="1"/>
+          </p:cNvSpPr>
+          <p:nvPr>
+            <p:ph type="sldNum" sz="quarter" idx="10"/>
+          </p:nvPr>
+        </p:nvSpPr>
+        <p:spPr/>
+        <p:txBody>
+          <a:bodyPr/>
+          <a:lstStyle/>
+          <a:p>
+            <a:fld id="{F19E9337-0361-41F3-9C17-1F4FFD1214BA}" type="slidenum">
+              <a:rPr lang="en-US" smtClean="0"/>
+              <a:t>9</a:t>
+            </a:fld>
+            <a:endParaRPr lang="en-US" dirty="0"/>
+          </a:p>
+        </p:txBody>
+      </p:sp>
+    </p:spTree>
+    <p:extLst>
+      <p:ext uri="{BB962C8B-B14F-4D97-AF65-F5344CB8AC3E}">
+        <p14:creationId xmlns:p14="http://schemas.microsoft.com/office/powerpoint/2010/main" val="3950710032"/>
       </p:ext>
     </p:extLst>
   </p:cSld>
@@ -6295,292 +11460,6 @@
 </p:sldLayout>
 </file>
 
-<file path=ppt/slideLayouts/slideLayout20.xml><?xml version="1.0" encoding="utf-8"?>
-<p:sldLayout xmlns:a="http://schemas.openxmlformats.org/drawingml/2006/main" xmlns:r="http://schemas.openxmlformats.org/officeDocument/2006/relationships" xmlns:p="http://schemas.openxmlformats.org/presentationml/2006/main" userDrawn="1">
-  <p:cSld name="32pt Slide Title ">
-    <p:spTree>
-      <p:nvGrpSpPr>
-        <p:cNvPr id="1" name=""/>
-        <p:cNvGrpSpPr/>
-        <p:nvPr/>
-      </p:nvGrpSpPr>
-      <p:grpSpPr>
-        <a:xfrm>
-          <a:off x="0" y="0"/>
-          <a:ext cx="0" cy="0"/>
-          <a:chOff x="0" y="0"/>
-          <a:chExt cx="0" cy="0"/>
-        </a:xfrm>
-      </p:grpSpPr>
-      <p:sp>
-        <p:nvSpPr>
-          <p:cNvPr id="8" name="Rectangle 7"/>
-          <p:cNvSpPr/>
-          <p:nvPr userDrawn="1"/>
-        </p:nvSpPr>
-        <p:spPr>
-          <a:xfrm>
-            <a:off x="0" y="0"/>
-            <a:ext cx="9144000" cy="822960"/>
-          </a:xfrm>
-          <a:prstGeom prst="rect">
-            <a:avLst/>
-          </a:prstGeom>
-          <a:solidFill>
-            <a:srgbClr val="0070C0"/>
-          </a:solidFill>
-          <a:ln>
-            <a:noFill/>
-          </a:ln>
-        </p:spPr>
-        <p:style>
-          <a:lnRef idx="2">
-            <a:schemeClr val="accent1">
-              <a:shade val="50000"/>
-            </a:schemeClr>
-          </a:lnRef>
-          <a:fillRef idx="1">
-            <a:schemeClr val="accent1"/>
-          </a:fillRef>
-          <a:effectRef idx="0">
-            <a:schemeClr val="accent1"/>
-          </a:effectRef>
-          <a:fontRef idx="minor">
-            <a:schemeClr val="lt1"/>
-          </a:fontRef>
-        </p:style>
-        <p:txBody>
-          <a:bodyPr rtlCol="0" anchor="ctr"/>
-          <a:lstStyle/>
-          <a:p>
-            <a:pPr algn="ctr"/>
-            <a:endParaRPr lang="en-US" dirty="0"/>
-          </a:p>
-        </p:txBody>
-      </p:sp>
-      <p:sp>
-        <p:nvSpPr>
-          <p:cNvPr id="2" name="Title 1"/>
-          <p:cNvSpPr>
-            <a:spLocks noGrp="1"/>
-          </p:cNvSpPr>
-          <p:nvPr>
-            <p:ph type="title" hasCustomPrompt="1"/>
-          </p:nvPr>
-        </p:nvSpPr>
-        <p:spPr>
-          <a:xfrm>
-            <a:off x="457200" y="0"/>
-            <a:ext cx="8229600" cy="822960"/>
-          </a:xfrm>
-        </p:spPr>
-        <p:txBody>
-          <a:bodyPr>
-            <a:noAutofit/>
-          </a:bodyPr>
-          <a:lstStyle>
-            <a:lvl1pPr algn="l">
-              <a:lnSpc>
-                <a:spcPct val="90000"/>
-              </a:lnSpc>
-              <a:defRPr sz="2800" baseline="0">
-                <a:solidFill>
-                  <a:schemeClr val="bg1"/>
-                </a:solidFill>
-                <a:latin typeface="Segoe UI Light" panose="020B0502040204020203" pitchFamily="34" charset="0"/>
-                <a:ea typeface="Segoe UI Light" panose="020B0502040204020203" pitchFamily="34" charset="0"/>
-                <a:cs typeface="Segoe UI Light" panose="020B0502040204020203" pitchFamily="34" charset="0"/>
-              </a:defRPr>
-            </a:lvl1pPr>
-          </a:lstStyle>
-          <a:p>
-            <a:r>
-              <a:rPr lang="en-US" dirty="0"/>
-              <a:t>28pt Slide Title</a:t>
-            </a:r>
-          </a:p>
-        </p:txBody>
-      </p:sp>
-      <p:sp>
-        <p:nvSpPr>
-          <p:cNvPr id="10" name="Slide Number Placeholder 9"/>
-          <p:cNvSpPr>
-            <a:spLocks noGrp="1"/>
-          </p:cNvSpPr>
-          <p:nvPr>
-            <p:ph type="sldNum" sz="quarter" idx="12"/>
-          </p:nvPr>
-        </p:nvSpPr>
-        <p:spPr/>
-        <p:txBody>
-          <a:bodyPr/>
-          <a:lstStyle>
-            <a:lvl1pPr>
-              <a:defRPr sz="1200">
-                <a:solidFill>
-                  <a:schemeClr val="tx1">
-                    <a:lumMod val="65000"/>
-                    <a:lumOff val="35000"/>
-                  </a:schemeClr>
-                </a:solidFill>
-                <a:latin typeface="Segoe UI" pitchFamily="34" charset="0"/>
-                <a:ea typeface="Segoe UI" pitchFamily="34" charset="0"/>
-                <a:cs typeface="Segoe UI" pitchFamily="34" charset="0"/>
-              </a:defRPr>
-            </a:lvl1pPr>
-          </a:lstStyle>
-          <a:p>
-            <a:fld id="{D814DA60-3BEE-4BCE-BEDB-E433FD970963}" type="slidenum">
-              <a:rPr lang="en-US" smtClean="0"/>
-              <a:pPr/>
-              <a:t>‹#›</a:t>
-            </a:fld>
-            <a:endParaRPr lang="en-US" dirty="0"/>
-          </a:p>
-        </p:txBody>
-      </p:sp>
-      <p:sp>
-        <p:nvSpPr>
-          <p:cNvPr id="6" name="Footer Placeholder 8"/>
-          <p:cNvSpPr>
-            <a:spLocks noGrp="1"/>
-          </p:cNvSpPr>
-          <p:nvPr>
-            <p:ph type="ftr" sz="quarter" idx="11"/>
-          </p:nvPr>
-        </p:nvSpPr>
-        <p:spPr>
-          <a:xfrm>
-            <a:off x="457200" y="6324600"/>
-            <a:ext cx="2895600" cy="365125"/>
-          </a:xfrm>
-          <a:prstGeom prst="rect">
-            <a:avLst/>
-          </a:prstGeom>
-        </p:spPr>
-        <p:txBody>
-          <a:bodyPr/>
-          <a:lstStyle>
-            <a:lvl1pPr algn="l">
-              <a:defRPr/>
-            </a:lvl1pPr>
-          </a:lstStyle>
-          <a:p>
-            <a:endParaRPr lang="en-US" dirty="0"/>
-          </a:p>
-        </p:txBody>
-      </p:sp>
-      <p:sp>
-        <p:nvSpPr>
-          <p:cNvPr id="9" name="Text Placeholder 4"/>
-          <p:cNvSpPr>
-            <a:spLocks noGrp="1"/>
-          </p:cNvSpPr>
-          <p:nvPr>
-            <p:ph type="body" sz="quarter" idx="13"/>
-          </p:nvPr>
-        </p:nvSpPr>
-        <p:spPr>
-          <a:xfrm>
-            <a:off x="457200" y="1066800"/>
-            <a:ext cx="8229600" cy="5105400"/>
-          </a:xfrm>
-          <a:prstGeom prst="rect">
-            <a:avLst/>
-          </a:prstGeom>
-        </p:spPr>
-        <p:txBody>
-          <a:bodyPr/>
-          <a:lstStyle>
-            <a:lvl1pPr marL="457200" indent="-457200">
-              <a:buClr>
-                <a:srgbClr val="0070C0"/>
-              </a:buClr>
-              <a:buFont typeface="Arial" pitchFamily="34" charset="0"/>
-              <a:buChar char="•"/>
-              <a:defRPr sz="2800" b="0">
-                <a:latin typeface="Segoe UI" pitchFamily="34" charset="0"/>
-                <a:ea typeface="Segoe UI" pitchFamily="34" charset="0"/>
-                <a:cs typeface="Segoe UI" pitchFamily="34" charset="0"/>
-              </a:defRPr>
-            </a:lvl1pPr>
-            <a:lvl2pPr marL="800100" indent="-342900">
-              <a:buClr>
-                <a:srgbClr val="0070C0"/>
-              </a:buClr>
-              <a:buFont typeface="Arial" pitchFamily="34" charset="0"/>
-              <a:buChar char="•"/>
-              <a:defRPr sz="2400" b="0">
-                <a:latin typeface="Segoe UI" pitchFamily="34" charset="0"/>
-                <a:ea typeface="Segoe UI" pitchFamily="34" charset="0"/>
-                <a:cs typeface="Segoe UI" pitchFamily="34" charset="0"/>
-              </a:defRPr>
-            </a:lvl2pPr>
-            <a:lvl3pPr marL="1257300" indent="-342900">
-              <a:buClr>
-                <a:srgbClr val="0070C0"/>
-              </a:buClr>
-              <a:buFont typeface="Arial" pitchFamily="34" charset="0"/>
-              <a:buChar char="•"/>
-              <a:defRPr sz="2000" b="0">
-                <a:latin typeface="Segoe UI" pitchFamily="34" charset="0"/>
-                <a:ea typeface="Segoe UI" pitchFamily="34" charset="0"/>
-                <a:cs typeface="Segoe UI" pitchFamily="34" charset="0"/>
-              </a:defRPr>
-            </a:lvl3pPr>
-            <a:lvl4pPr marL="1371600" indent="0">
-              <a:buNone/>
-              <a:defRPr>
-                <a:latin typeface="Segoe UI" pitchFamily="34" charset="0"/>
-                <a:ea typeface="Segoe UI" pitchFamily="34" charset="0"/>
-                <a:cs typeface="Segoe UI" pitchFamily="34" charset="0"/>
-              </a:defRPr>
-            </a:lvl4pPr>
-            <a:lvl5pPr>
-              <a:defRPr>
-                <a:latin typeface="Segoe UI" pitchFamily="34" charset="0"/>
-                <a:ea typeface="Segoe UI" pitchFamily="34" charset="0"/>
-                <a:cs typeface="Segoe UI" pitchFamily="34" charset="0"/>
-              </a:defRPr>
-            </a:lvl5pPr>
-          </a:lstStyle>
-          <a:p>
-            <a:pPr lvl="0"/>
-            <a:r>
-              <a:rPr lang="en-US" dirty="0"/>
-              <a:t>Click to edit Master text styles</a:t>
-            </a:r>
-          </a:p>
-          <a:p>
-            <a:pPr lvl="1"/>
-            <a:r>
-              <a:rPr lang="en-US" dirty="0"/>
-              <a:t>Second level</a:t>
-            </a:r>
-          </a:p>
-          <a:p>
-            <a:pPr lvl="2"/>
-            <a:r>
-              <a:rPr lang="en-US" dirty="0"/>
-              <a:t>Third level</a:t>
-            </a:r>
-          </a:p>
-        </p:txBody>
-      </p:sp>
-    </p:spTree>
-    <p:extLst>
-      <p:ext uri="{BB962C8B-B14F-4D97-AF65-F5344CB8AC3E}">
-        <p14:creationId xmlns:p14="http://schemas.microsoft.com/office/powerpoint/2010/main" val="2705765972"/>
-      </p:ext>
-    </p:extLst>
-  </p:cSld>
-  <p:clrMapOvr>
-    <a:masterClrMapping/>
-  </p:clrMapOvr>
-  <p:hf hdr="0" ftr="0" dt="0"/>
-</p:sldLayout>
-</file>
-
 <file path=ppt/slideLayouts/slideLayout3.xml><?xml version="1.0" encoding="utf-8"?>
 <p:sldLayout xmlns:a="http://schemas.openxmlformats.org/drawingml/2006/main" xmlns:r="http://schemas.openxmlformats.org/officeDocument/2006/relationships" xmlns:p="http://schemas.openxmlformats.org/presentationml/2006/main" preserve="1" userDrawn="1">
   <p:cSld name="Title Only">
@@ -8572,7 +13451,6 @@
     <p:sldLayoutId id="2147483669" r:id="rId17"/>
     <p:sldLayoutId id="2147483670" r:id="rId18"/>
     <p:sldLayoutId id="2147483671" r:id="rId19"/>
-    <p:sldLayoutId id="2147483673" r:id="rId20"/>
   </p:sldLayoutIdLst>
   <p:txStyles>
     <p:titleStyle>
@@ -9173,7 +14051,11 @@
           </a:p>
           <a:p>
             <a:r>
-              <a:rPr lang="en-US" sz="1600" dirty="0"/>
+              <a:rPr lang="en-US" sz="1600" dirty="0">
+                <a:solidFill>
+                  <a:srgbClr val="FFC000"/>
+                </a:solidFill>
+              </a:rPr>
               <a:t>Manage Azure Security, and Recovery Services (25-30%) </a:t>
             </a:r>
           </a:p>
@@ -9506,7 +14388,7 @@
           <p:nvPr/>
         </p:nvPicPr>
         <p:blipFill>
-          <a:blip r:embed="rId2"/>
+          <a:blip r:embed="rId3"/>
           <a:stretch>
             <a:fillRect/>
           </a:stretch>
@@ -9536,7 +14418,7 @@
           <p:nvPr/>
         </p:nvPicPr>
         <p:blipFill>
-          <a:blip r:embed="rId3"/>
+          <a:blip r:embed="rId4"/>
           <a:stretch>
             <a:fillRect/>
           </a:stretch>
@@ -9566,7 +14448,7 @@
           <p:nvPr/>
         </p:nvPicPr>
         <p:blipFill>
-          <a:blip r:embed="rId4"/>
+          <a:blip r:embed="rId5"/>
           <a:stretch>
             <a:fillRect/>
           </a:stretch>
@@ -10190,7 +15072,7 @@
           <p:nvPr/>
         </p:nvPicPr>
         <p:blipFill>
-          <a:blip r:embed="rId2"/>
+          <a:blip r:embed="rId3"/>
           <a:stretch>
             <a:fillRect/>
           </a:stretch>
@@ -11480,7 +16362,7 @@
           <p:nvPr/>
         </p:nvPicPr>
         <p:blipFill>
-          <a:blip r:embed="rId2"/>
+          <a:blip r:embed="rId3"/>
           <a:stretch>
             <a:fillRect/>
           </a:stretch>
@@ -11510,7 +16392,7 @@
           <p:nvPr/>
         </p:nvPicPr>
         <p:blipFill>
-          <a:blip r:embed="rId3"/>
+          <a:blip r:embed="rId4"/>
           <a:stretch>
             <a:fillRect/>
           </a:stretch>
@@ -12054,7 +16936,7 @@
           <p:nvPr/>
         </p:nvPicPr>
         <p:blipFill>
-          <a:blip r:embed="rId2"/>
+          <a:blip r:embed="rId3"/>
           <a:stretch>
             <a:fillRect/>
           </a:stretch>
@@ -12320,7 +17202,7 @@
           <p:nvPr/>
         </p:nvPicPr>
         <p:blipFill>
-          <a:blip r:embed="rId2"/>
+          <a:blip r:embed="rId3"/>
           <a:stretch>
             <a:fillRect/>
           </a:stretch>
@@ -12350,7 +17232,7 @@
           <p:nvPr/>
         </p:nvPicPr>
         <p:blipFill>
-          <a:blip r:embed="rId3"/>
+          <a:blip r:embed="rId4"/>
           <a:stretch>
             <a:fillRect/>
           </a:stretch>
@@ -12708,7 +17590,7 @@
           <p:nvPr/>
         </p:nvPicPr>
         <p:blipFill>
-          <a:blip r:embed="rId2"/>
+          <a:blip r:embed="rId3"/>
           <a:stretch>
             <a:fillRect/>
           </a:stretch>
@@ -12738,7 +17620,7 @@
           <p:nvPr/>
         </p:nvPicPr>
         <p:blipFill>
-          <a:blip r:embed="rId3"/>
+          <a:blip r:embed="rId4"/>
           <a:stretch>
             <a:fillRect/>
           </a:stretch>
@@ -12768,7 +17650,7 @@
           <p:nvPr/>
         </p:nvPicPr>
         <p:blipFill>
-          <a:blip r:embed="rId4"/>
+          <a:blip r:embed="rId5"/>
           <a:stretch>
             <a:fillRect/>
           </a:stretch>
@@ -12798,7 +17680,7 @@
           <p:nvPr/>
         </p:nvPicPr>
         <p:blipFill>
-          <a:blip r:embed="rId5"/>
+          <a:blip r:embed="rId6"/>
           <a:stretch>
             <a:fillRect/>
           </a:stretch>
@@ -13263,7 +18145,7 @@
           <p:nvPr/>
         </p:nvPicPr>
         <p:blipFill>
-          <a:blip r:embed="rId2"/>
+          <a:blip r:embed="rId3"/>
           <a:stretch>
             <a:fillRect/>
           </a:stretch>
@@ -13635,7 +18517,7 @@
           <p:nvPr/>
         </p:nvPicPr>
         <p:blipFill>
-          <a:blip r:embed="rId2"/>
+          <a:blip r:embed="rId3"/>
           <a:stretch>
             <a:fillRect/>
           </a:stretch>
@@ -13806,7 +18688,7 @@
           <p:nvPr/>
         </p:nvPicPr>
         <p:blipFill>
-          <a:blip r:embed="rId2"/>
+          <a:blip r:embed="rId3"/>
           <a:stretch>
             <a:fillRect/>
           </a:stretch>
@@ -14231,7 +19113,7 @@
           <p:nvPr/>
         </p:nvPicPr>
         <p:blipFill>
-          <a:blip r:embed="rId2"/>
+          <a:blip r:embed="rId3"/>
           <a:stretch>
             <a:fillRect/>
           </a:stretch>
@@ -14750,7 +19632,7 @@
           <p:nvPr/>
         </p:nvPicPr>
         <p:blipFill>
-          <a:blip r:embed="rId2"/>
+          <a:blip r:embed="rId3"/>
           <a:stretch>
             <a:fillRect/>
           </a:stretch>
@@ -14921,7 +19803,7 @@
           <p:nvPr/>
         </p:nvPicPr>
         <p:blipFill>
-          <a:blip r:embed="rId2"/>
+          <a:blip r:embed="rId3"/>
           <a:stretch>
             <a:fillRect/>
           </a:stretch>
@@ -15298,7 +20180,7 @@
           <p:nvPr/>
         </p:nvPicPr>
         <p:blipFill>
-          <a:blip r:embed="rId2"/>
+          <a:blip r:embed="rId3"/>
           <a:stretch>
             <a:fillRect/>
           </a:stretch>
@@ -15328,7 +20210,7 @@
           <p:nvPr/>
         </p:nvPicPr>
         <p:blipFill>
-          <a:blip r:embed="rId3"/>
+          <a:blip r:embed="rId4"/>
           <a:stretch>
             <a:fillRect/>
           </a:stretch>
@@ -15663,7 +20545,7 @@
         <p:spPr>
           <a:xfrm>
             <a:off x="261253" y="1021215"/>
-            <a:ext cx="4310747" cy="5003067"/>
+            <a:ext cx="8576446" cy="5003067"/>
           </a:xfrm>
         </p:spPr>
         <p:txBody>
@@ -15671,51 +20553,58 @@
           <a:lstStyle/>
           <a:p>
             <a:r>
-              <a:rPr lang="en-US" dirty="0"/>
+              <a:rPr lang="en-US" sz="2400" dirty="0"/>
               <a:t>Recommendations blade </a:t>
             </a:r>
           </a:p>
           <a:p>
             <a:pPr lvl="1"/>
             <a:r>
-              <a:rPr lang="en-US" dirty="0"/>
+              <a:rPr lang="en-US" sz="2000" dirty="0"/>
               <a:t>Ordered by severity </a:t>
             </a:r>
           </a:p>
           <a:p>
             <a:pPr lvl="1"/>
             <a:r>
-              <a:rPr lang="en-US" dirty="0"/>
+              <a:rPr lang="en-US" sz="2000" dirty="0"/>
               <a:t>Provides detailed information that is actionable </a:t>
             </a:r>
           </a:p>
           <a:p>
             <a:pPr lvl="1"/>
             <a:r>
-              <a:rPr lang="en-US" dirty="0"/>
+              <a:rPr lang="en-US" sz="2000" dirty="0"/>
               <a:t>Can dismiss recommendations </a:t>
             </a:r>
           </a:p>
           <a:p>
             <a:r>
-              <a:rPr lang="en-US" dirty="0"/>
+              <a:rPr lang="en-US" sz="2400" dirty="0"/>
               <a:t>Identity and Access </a:t>
             </a:r>
           </a:p>
           <a:p>
             <a:pPr lvl="1"/>
             <a:r>
-              <a:rPr lang="en-US" dirty="0"/>
-              <a:t>Visualizations of security logs </a:t>
+              <a:rPr lang="en-US" sz="2000" dirty="0"/>
+              <a:t>Visualizations of security</a:t>
+            </a:r>
+            <a:br>
+              <a:rPr lang="en-US" sz="2000" dirty="0"/>
+            </a:br>
+            <a:r>
+              <a:rPr lang="en-US" sz="2000" dirty="0"/>
+              <a:t>logs </a:t>
             </a:r>
           </a:p>
           <a:p>
             <a:pPr lvl="1"/>
-            <a:endParaRPr lang="en-US" dirty="0"/>
+            <a:endParaRPr lang="en-US" sz="2000" dirty="0"/>
           </a:p>
           <a:p>
             <a:pPr lvl="1"/>
-            <a:endParaRPr lang="en-US" dirty="0"/>
+            <a:endParaRPr lang="en-US" sz="2000" dirty="0"/>
           </a:p>
         </p:txBody>
       </p:sp>
@@ -15759,15 +20648,15 @@
           <p:nvPr/>
         </p:nvPicPr>
         <p:blipFill>
-          <a:blip r:embed="rId2"/>
+          <a:blip r:embed="rId3"/>
           <a:stretch>
             <a:fillRect/>
           </a:stretch>
         </p:blipFill>
         <p:spPr>
           <a:xfrm>
-            <a:off x="4572000" y="812780"/>
-            <a:ext cx="4488821" cy="2864985"/>
+            <a:off x="3513458" y="2746832"/>
+            <a:ext cx="5732045" cy="3658471"/>
           </a:xfrm>
           <a:prstGeom prst="rect">
             <a:avLst/>
@@ -16325,7 +21214,7 @@
           <p:nvPr/>
         </p:nvPicPr>
         <p:blipFill>
-          <a:blip r:embed="rId2"/>
+          <a:blip r:embed="rId3"/>
           <a:stretch>
             <a:fillRect/>
           </a:stretch>
@@ -16703,7 +21592,7 @@
           <a:p>
             <a:r>
               <a:rPr lang="en-US" dirty="0"/>
-              <a:t>Be certain that to know the protocols that are supported for use with federated SSO, namely SAML 2.0, WS-Federation or OpenID Connect.</a:t>
+              <a:t>Be certain that you know the protocols that are supported for use with federated SSO, namely SAML 2.0, WS-Federation or OpenID Connect.</a:t>
             </a:r>
           </a:p>
         </p:txBody>
@@ -17107,7 +21996,7 @@
           <p:nvPr/>
         </p:nvPicPr>
         <p:blipFill>
-          <a:blip r:embed="rId2"/>
+          <a:blip r:embed="rId3"/>
           <a:stretch>
             <a:fillRect/>
           </a:stretch>
@@ -17245,7 +22134,7 @@
           <p:nvPr/>
         </p:nvPicPr>
         <p:blipFill>
-          <a:blip r:embed="rId3"/>
+          <a:blip r:embed="rId4"/>
           <a:stretch>
             <a:fillRect/>
           </a:stretch>
@@ -17358,7 +22247,7 @@
           <p:nvPr/>
         </p:nvPicPr>
         <p:blipFill>
-          <a:blip r:embed="rId4"/>
+          <a:blip r:embed="rId5"/>
           <a:stretch>
             <a:fillRect/>
           </a:stretch>
@@ -17714,7 +22603,7 @@
           <p:nvPr/>
         </p:nvPicPr>
         <p:blipFill>
-          <a:blip r:embed="rId2"/>
+          <a:blip r:embed="rId3"/>
           <a:stretch>
             <a:fillRect/>
           </a:stretch>
@@ -17812,7 +22701,7 @@
           <p:nvPr/>
         </p:nvPicPr>
         <p:blipFill>
-          <a:blip r:embed="rId2"/>
+          <a:blip r:embed="rId3"/>
           <a:stretch>
             <a:fillRect/>
           </a:stretch>
@@ -18119,7 +23008,7 @@
           <p:nvPr/>
         </p:nvPicPr>
         <p:blipFill>
-          <a:blip r:embed="rId2"/>
+          <a:blip r:embed="rId3"/>
           <a:stretch>
             <a:fillRect/>
           </a:stretch>
@@ -18497,7 +23386,7 @@
           <p:nvPr/>
         </p:nvPicPr>
         <p:blipFill>
-          <a:blip r:embed="rId2"/>
+          <a:blip r:embed="rId3"/>
           <a:stretch>
             <a:fillRect/>
           </a:stretch>
@@ -18537,7 +23426,7 @@
           <p:nvPr/>
         </p:nvPicPr>
         <p:blipFill>
-          <a:blip r:embed="rId3"/>
+          <a:blip r:embed="rId4"/>
           <a:stretch>
             <a:fillRect/>
           </a:stretch>
@@ -19142,7 +24031,7 @@
           <p:nvPr/>
         </p:nvPicPr>
         <p:blipFill>
-          <a:blip r:embed="rId2"/>
+          <a:blip r:embed="rId3"/>
           <a:stretch>
             <a:fillRect/>
           </a:stretch>
@@ -19348,7 +24237,7 @@
           <p:nvPr/>
         </p:nvPicPr>
         <p:blipFill>
-          <a:blip r:embed="rId2"/>
+          <a:blip r:embed="rId3"/>
           <a:stretch>
             <a:fillRect/>
           </a:stretch>
@@ -19668,7 +24557,7 @@
           <p:nvPr/>
         </p:nvPicPr>
         <p:blipFill>
-          <a:blip r:embed="rId2"/>
+          <a:blip r:embed="rId3"/>
           <a:stretch>
             <a:fillRect/>
           </a:stretch>
@@ -20257,7 +25146,7 @@
           <p:nvPr/>
         </p:nvPicPr>
         <p:blipFill>
-          <a:blip r:embed="rId2"/>
+          <a:blip r:embed="rId3"/>
           <a:stretch>
             <a:fillRect/>
           </a:stretch>
@@ -20287,7 +25176,7 @@
           <p:nvPr/>
         </p:nvPicPr>
         <p:blipFill>
-          <a:blip r:embed="rId3"/>
+          <a:blip r:embed="rId4"/>
           <a:stretch>
             <a:fillRect/>
           </a:stretch>
@@ -21671,7 +26560,7 @@
           <p:nvPr/>
         </p:nvPicPr>
         <p:blipFill>
-          <a:blip r:embed="rId2"/>
+          <a:blip r:embed="rId3"/>
           <a:stretch>
             <a:fillRect/>
           </a:stretch>
@@ -22039,7 +26928,7 @@
             </a:r>
             <a:r>
               <a:rPr lang="en-US" sz="1800" dirty="0">
-                <a:hlinkClick r:id="rId2"/>
+                <a:hlinkClick r:id="rId3"/>
               </a:rPr>
               <a:t>https://criticalserverrgddisks810.blob.core.windows.net/vhds/CriticalServer.vhd</a:t>
             </a:r>
@@ -23280,7 +28169,7 @@
           <p:nvPr/>
         </p:nvPicPr>
         <p:blipFill>
-          <a:blip r:embed="rId2"/>
+          <a:blip r:embed="rId3"/>
           <a:stretch>
             <a:fillRect/>
           </a:stretch>
@@ -23642,594 +28531,6 @@
 </p:sld>
 </file>
 
-<file path=ppt/slides/slide68.xml><?xml version="1.0" encoding="utf-8"?>
-<p:sld xmlns:a="http://schemas.openxmlformats.org/drawingml/2006/main" xmlns:r="http://schemas.openxmlformats.org/officeDocument/2006/relationships" xmlns:p="http://schemas.openxmlformats.org/presentationml/2006/main">
-  <p:cSld>
-    <p:spTree>
-      <p:nvGrpSpPr>
-        <p:cNvPr id="1" name=""/>
-        <p:cNvGrpSpPr/>
-        <p:nvPr/>
-      </p:nvGrpSpPr>
-      <p:grpSpPr>
-        <a:xfrm>
-          <a:off x="0" y="0"/>
-          <a:ext cx="0" cy="0"/>
-          <a:chOff x="0" y="0"/>
-          <a:chExt cx="0" cy="0"/>
-        </a:xfrm>
-      </p:grpSpPr>
-      <p:sp>
-        <p:nvSpPr>
-          <p:cNvPr id="2" name="Title 1"/>
-          <p:cNvSpPr>
-            <a:spLocks noGrp="1"/>
-          </p:cNvSpPr>
-          <p:nvPr>
-            <p:ph type="title"/>
-          </p:nvPr>
-        </p:nvSpPr>
-        <p:spPr/>
-        <p:txBody>
-          <a:bodyPr/>
-          <a:lstStyle/>
-          <a:p>
-            <a:r>
-              <a:rPr lang="en-US" dirty="0"/>
-              <a:t>Course outline</a:t>
-            </a:r>
-            <a:endParaRPr lang="en-IE" i="1" dirty="0"/>
-          </a:p>
-        </p:txBody>
-      </p:sp>
-      <p:sp>
-        <p:nvSpPr>
-          <p:cNvPr id="5" name="Text Placeholder 2"/>
-          <p:cNvSpPr>
-            <a:spLocks noGrp="1"/>
-          </p:cNvSpPr>
-          <p:nvPr>
-            <p:ph type="body" sz="quarter" idx="13"/>
-          </p:nvPr>
-        </p:nvSpPr>
-        <p:spPr>
-          <a:xfrm>
-            <a:off x="457200" y="1066800"/>
-            <a:ext cx="7924800" cy="5105400"/>
-          </a:xfrm>
-        </p:spPr>
-        <p:txBody>
-          <a:bodyPr/>
-          <a:lstStyle/>
-          <a:p>
-            <a:pPr marL="0" indent="0">
-              <a:spcBef>
-                <a:spcPts val="0"/>
-              </a:spcBef>
-              <a:buNone/>
-            </a:pPr>
-            <a:r>
-              <a:rPr lang="en-CA" sz="2000" dirty="0">
-                <a:solidFill>
-                  <a:srgbClr val="0070C0"/>
-                </a:solidFill>
-              </a:rPr>
-              <a:t>Module 1</a:t>
-            </a:r>
-          </a:p>
-          <a:p>
-            <a:pPr marL="0" indent="0">
-              <a:spcBef>
-                <a:spcPts val="0"/>
-              </a:spcBef>
-              <a:buNone/>
-            </a:pPr>
-            <a:r>
-              <a:rPr lang="en-US" sz="2000" dirty="0"/>
-              <a:t>Introduction to Microsoft Azure</a:t>
-            </a:r>
-            <a:endParaRPr lang="en-CA" sz="2000" dirty="0">
-              <a:solidFill>
-                <a:srgbClr val="0070C0"/>
-              </a:solidFill>
-            </a:endParaRPr>
-          </a:p>
-          <a:p>
-            <a:pPr marL="0" indent="0">
-              <a:spcBef>
-                <a:spcPts val="0"/>
-              </a:spcBef>
-              <a:buNone/>
-            </a:pPr>
-            <a:endParaRPr lang="en-CA" sz="2000" dirty="0">
-              <a:solidFill>
-                <a:srgbClr val="0070C0"/>
-              </a:solidFill>
-            </a:endParaRPr>
-          </a:p>
-          <a:p>
-            <a:pPr marL="0" indent="0">
-              <a:spcBef>
-                <a:spcPts val="0"/>
-              </a:spcBef>
-              <a:buNone/>
-            </a:pPr>
-            <a:r>
-              <a:rPr lang="en-CA" sz="2000" dirty="0">
-                <a:solidFill>
-                  <a:srgbClr val="0070C0"/>
-                </a:solidFill>
-              </a:rPr>
-              <a:t>Module 2</a:t>
-            </a:r>
-          </a:p>
-          <a:p>
-            <a:pPr marL="0" indent="0">
-              <a:spcBef>
-                <a:spcPts val="0"/>
-              </a:spcBef>
-              <a:buNone/>
-            </a:pPr>
-            <a:r>
-              <a:rPr lang="en-US" sz="2000" dirty="0"/>
-              <a:t>Implementing and managing Azure networking </a:t>
-            </a:r>
-            <a:endParaRPr lang="en-CA" sz="2000" dirty="0">
-              <a:solidFill>
-                <a:srgbClr val="0070C0"/>
-              </a:solidFill>
-            </a:endParaRPr>
-          </a:p>
-          <a:p>
-            <a:pPr marL="0" indent="0">
-              <a:spcBef>
-                <a:spcPts val="0"/>
-              </a:spcBef>
-              <a:buNone/>
-            </a:pPr>
-            <a:endParaRPr lang="en-CA" sz="2000" dirty="0">
-              <a:solidFill>
-                <a:srgbClr val="0070C0"/>
-              </a:solidFill>
-            </a:endParaRPr>
-          </a:p>
-          <a:p>
-            <a:pPr marL="0" indent="0">
-              <a:spcBef>
-                <a:spcPts val="0"/>
-              </a:spcBef>
-              <a:buNone/>
-            </a:pPr>
-            <a:r>
-              <a:rPr lang="en-CA" sz="2000" dirty="0">
-                <a:solidFill>
-                  <a:srgbClr val="0070C0"/>
-                </a:solidFill>
-              </a:rPr>
-              <a:t>Module 3</a:t>
-            </a:r>
-          </a:p>
-          <a:p>
-            <a:pPr marL="0" indent="0">
-              <a:spcBef>
-                <a:spcPts val="0"/>
-              </a:spcBef>
-              <a:buNone/>
-            </a:pPr>
-            <a:r>
-              <a:rPr lang="en-US" sz="2000" dirty="0"/>
-              <a:t>Implementing virtual machines</a:t>
-            </a:r>
-            <a:br>
-              <a:rPr lang="en-US" sz="2000" dirty="0"/>
-            </a:br>
-            <a:endParaRPr lang="en-CA" sz="2000" dirty="0">
-              <a:solidFill>
-                <a:srgbClr val="0070C0"/>
-              </a:solidFill>
-            </a:endParaRPr>
-          </a:p>
-          <a:p>
-            <a:pPr marL="0" indent="0">
-              <a:spcBef>
-                <a:spcPts val="0"/>
-              </a:spcBef>
-              <a:buNone/>
-            </a:pPr>
-            <a:r>
-              <a:rPr lang="en-CA" sz="2000" dirty="0">
-                <a:solidFill>
-                  <a:srgbClr val="0070C0"/>
-                </a:solidFill>
-              </a:rPr>
-              <a:t>Module 4</a:t>
-            </a:r>
-          </a:p>
-          <a:p>
-            <a:pPr marL="0" indent="0">
-              <a:spcBef>
-                <a:spcPts val="0"/>
-              </a:spcBef>
-              <a:buNone/>
-            </a:pPr>
-            <a:r>
-              <a:rPr lang="en-US" sz="2000" dirty="0"/>
-              <a:t>Managing Azure VMs</a:t>
-            </a:r>
-            <a:endParaRPr lang="en-CA" sz="2000" dirty="0">
-              <a:solidFill>
-                <a:srgbClr val="0070C0"/>
-              </a:solidFill>
-            </a:endParaRPr>
-          </a:p>
-          <a:p>
-            <a:pPr marL="0" indent="0">
-              <a:spcBef>
-                <a:spcPts val="0"/>
-              </a:spcBef>
-              <a:buNone/>
-            </a:pPr>
-            <a:endParaRPr lang="en-CA" sz="2000" dirty="0">
-              <a:solidFill>
-                <a:srgbClr val="0070C0"/>
-              </a:solidFill>
-            </a:endParaRPr>
-          </a:p>
-          <a:p>
-            <a:pPr marL="0" indent="0">
-              <a:spcBef>
-                <a:spcPts val="0"/>
-              </a:spcBef>
-              <a:buNone/>
-            </a:pPr>
-            <a:r>
-              <a:rPr lang="en-CA" sz="2000" dirty="0">
-                <a:solidFill>
-                  <a:srgbClr val="0070C0"/>
-                </a:solidFill>
-              </a:rPr>
-              <a:t>Module 5</a:t>
-            </a:r>
-          </a:p>
-          <a:p>
-            <a:pPr marL="0" indent="0">
-              <a:spcBef>
-                <a:spcPts val="0"/>
-              </a:spcBef>
-              <a:buNone/>
-            </a:pPr>
-            <a:r>
-              <a:rPr lang="en-IN" sz="2000" dirty="0"/>
-              <a:t>Implementing Azure App Service</a:t>
-            </a:r>
-            <a:endParaRPr lang="en-US" dirty="0"/>
-          </a:p>
-        </p:txBody>
-      </p:sp>
-    </p:spTree>
-    <p:custDataLst>
-      <p:tags r:id="rId1"/>
-    </p:custDataLst>
-    <p:extLst>
-      <p:ext uri="{BB962C8B-B14F-4D97-AF65-F5344CB8AC3E}">
-        <p14:creationId xmlns:p14="http://schemas.microsoft.com/office/powerpoint/2010/main" val="1743810166"/>
-      </p:ext>
-    </p:extLst>
-  </p:cSld>
-  <p:clrMapOvr>
-    <a:masterClrMapping/>
-  </p:clrMapOvr>
-</p:sld>
-</file>
-
-<file path=ppt/slides/slide69.xml><?xml version="1.0" encoding="utf-8"?>
-<p:sld xmlns:a="http://schemas.openxmlformats.org/drawingml/2006/main" xmlns:r="http://schemas.openxmlformats.org/officeDocument/2006/relationships" xmlns:p="http://schemas.openxmlformats.org/presentationml/2006/main">
-  <p:cSld>
-    <p:spTree>
-      <p:nvGrpSpPr>
-        <p:cNvPr id="1" name=""/>
-        <p:cNvGrpSpPr/>
-        <p:nvPr/>
-      </p:nvGrpSpPr>
-      <p:grpSpPr>
-        <a:xfrm>
-          <a:off x="0" y="0"/>
-          <a:ext cx="0" cy="0"/>
-          <a:chOff x="0" y="0"/>
-          <a:chExt cx="0" cy="0"/>
-        </a:xfrm>
-      </p:grpSpPr>
-      <p:sp>
-        <p:nvSpPr>
-          <p:cNvPr id="2" name="Title 1"/>
-          <p:cNvSpPr>
-            <a:spLocks noGrp="1"/>
-          </p:cNvSpPr>
-          <p:nvPr>
-            <p:ph type="title"/>
-          </p:nvPr>
-        </p:nvSpPr>
-        <p:spPr/>
-        <p:txBody>
-          <a:bodyPr/>
-          <a:lstStyle/>
-          <a:p>
-            <a:r>
-              <a:rPr lang="en-US" dirty="0"/>
-              <a:t>Course outline </a:t>
-            </a:r>
-            <a:r>
-              <a:rPr lang="en-US" i="1" dirty="0"/>
-              <a:t>(continued)</a:t>
-            </a:r>
-            <a:endParaRPr lang="en-IE" i="1" dirty="0"/>
-          </a:p>
-        </p:txBody>
-      </p:sp>
-      <p:sp>
-        <p:nvSpPr>
-          <p:cNvPr id="5" name="Text Placeholder 2"/>
-          <p:cNvSpPr>
-            <a:spLocks noGrp="1"/>
-          </p:cNvSpPr>
-          <p:nvPr>
-            <p:ph type="body" sz="quarter" idx="13"/>
-          </p:nvPr>
-        </p:nvSpPr>
-        <p:spPr>
-          <a:xfrm>
-            <a:off x="457200" y="1066800"/>
-            <a:ext cx="7924800" cy="5105400"/>
-          </a:xfrm>
-        </p:spPr>
-        <p:txBody>
-          <a:bodyPr/>
-          <a:lstStyle/>
-          <a:p>
-            <a:pPr marL="0" indent="0">
-              <a:spcBef>
-                <a:spcPts val="0"/>
-              </a:spcBef>
-              <a:buNone/>
-            </a:pPr>
-            <a:r>
-              <a:rPr lang="en-CA" sz="2000" dirty="0">
-                <a:solidFill>
-                  <a:srgbClr val="0070C0"/>
-                </a:solidFill>
-              </a:rPr>
-              <a:t>Module 6</a:t>
-            </a:r>
-          </a:p>
-          <a:p>
-            <a:pPr marL="0" indent="0">
-              <a:spcBef>
-                <a:spcPts val="0"/>
-              </a:spcBef>
-              <a:buNone/>
-            </a:pPr>
-            <a:r>
-              <a:rPr lang="en-US" sz="2000" dirty="0"/>
-              <a:t>Planning and implementing storage, backup, and recovery services</a:t>
-            </a:r>
-          </a:p>
-          <a:p>
-            <a:pPr marL="0" indent="0">
-              <a:spcBef>
-                <a:spcPts val="0"/>
-              </a:spcBef>
-              <a:buNone/>
-            </a:pPr>
-            <a:endParaRPr lang="en-CA" sz="2000" dirty="0"/>
-          </a:p>
-          <a:p>
-            <a:pPr marL="0" indent="0">
-              <a:spcBef>
-                <a:spcPts val="0"/>
-              </a:spcBef>
-              <a:buNone/>
-            </a:pPr>
-            <a:r>
-              <a:rPr lang="en-CA" sz="2000" dirty="0">
-                <a:solidFill>
-                  <a:srgbClr val="0070C0"/>
-                </a:solidFill>
-              </a:rPr>
-              <a:t>Module 7</a:t>
-            </a:r>
-          </a:p>
-          <a:p>
-            <a:pPr marL="0" indent="0">
-              <a:spcBef>
-                <a:spcPts val="0"/>
-              </a:spcBef>
-              <a:buNone/>
-            </a:pPr>
-            <a:r>
-              <a:rPr lang="en-US" sz="2000" dirty="0"/>
-              <a:t>Implementing containers in Azure</a:t>
-            </a:r>
-          </a:p>
-          <a:p>
-            <a:pPr marL="0" indent="0">
-              <a:spcBef>
-                <a:spcPts val="0"/>
-              </a:spcBef>
-              <a:buNone/>
-            </a:pPr>
-            <a:endParaRPr lang="en-CA" sz="2000" dirty="0"/>
-          </a:p>
-          <a:p>
-            <a:pPr marL="0" indent="0">
-              <a:spcBef>
-                <a:spcPts val="0"/>
-              </a:spcBef>
-              <a:buNone/>
-            </a:pPr>
-            <a:r>
-              <a:rPr lang="en-CA" sz="2000" dirty="0">
-                <a:solidFill>
-                  <a:srgbClr val="0070C0"/>
-                </a:solidFill>
-              </a:rPr>
-              <a:t>Module 8</a:t>
-            </a:r>
-          </a:p>
-          <a:p>
-            <a:pPr marL="0" indent="0">
-              <a:spcBef>
-                <a:spcPts val="0"/>
-              </a:spcBef>
-              <a:buNone/>
-            </a:pPr>
-            <a:r>
-              <a:rPr lang="en-US" sz="2000" dirty="0"/>
-              <a:t>Implementing Azure Cloud Services</a:t>
-            </a:r>
-          </a:p>
-          <a:p>
-            <a:pPr marL="0" indent="0">
-              <a:spcBef>
-                <a:spcPts val="0"/>
-              </a:spcBef>
-              <a:buNone/>
-            </a:pPr>
-            <a:endParaRPr lang="en-CA" sz="2000" dirty="0"/>
-          </a:p>
-          <a:p>
-            <a:pPr marL="0" indent="0">
-              <a:spcBef>
-                <a:spcPts val="0"/>
-              </a:spcBef>
-              <a:buNone/>
-            </a:pPr>
-            <a:r>
-              <a:rPr lang="en-CA" sz="2000" dirty="0">
-                <a:solidFill>
-                  <a:srgbClr val="0070C0"/>
-                </a:solidFill>
-              </a:rPr>
-              <a:t>Module 9</a:t>
-            </a:r>
-          </a:p>
-          <a:p>
-            <a:pPr marL="0" indent="0">
-              <a:spcBef>
-                <a:spcPts val="0"/>
-              </a:spcBef>
-              <a:buNone/>
-            </a:pPr>
-            <a:r>
-              <a:rPr lang="en-US" sz="2000" dirty="0"/>
-              <a:t>Implementing Azure Active Directory</a:t>
-            </a:r>
-          </a:p>
-          <a:p>
-            <a:pPr marL="0" indent="0">
-              <a:spcBef>
-                <a:spcPts val="0"/>
-              </a:spcBef>
-              <a:buNone/>
-            </a:pPr>
-            <a:endParaRPr lang="en-CA" sz="2000" dirty="0"/>
-          </a:p>
-          <a:p>
-            <a:pPr marL="0" indent="0">
-              <a:spcBef>
-                <a:spcPts val="0"/>
-              </a:spcBef>
-              <a:buNone/>
-            </a:pPr>
-            <a:r>
-              <a:rPr lang="en-CA" sz="2000" dirty="0">
-                <a:solidFill>
-                  <a:srgbClr val="0070C0"/>
-                </a:solidFill>
-              </a:rPr>
-              <a:t>Module 10</a:t>
-            </a:r>
-          </a:p>
-          <a:p>
-            <a:pPr marL="0" indent="0">
-              <a:spcBef>
-                <a:spcPts val="0"/>
-              </a:spcBef>
-              <a:buNone/>
-            </a:pPr>
-            <a:r>
-              <a:rPr lang="en-US" sz="2000" dirty="0"/>
-              <a:t>Managing an Active Directory infrastructure in a hybrid environment</a:t>
-            </a:r>
-          </a:p>
-          <a:p>
-            <a:pPr marL="0" indent="0">
-              <a:spcBef>
-                <a:spcPts val="0"/>
-              </a:spcBef>
-              <a:buNone/>
-            </a:pPr>
-            <a:endParaRPr lang="en-US" dirty="0"/>
-          </a:p>
-          <a:p>
-            <a:pPr marL="0" indent="0">
-              <a:spcBef>
-                <a:spcPts val="0"/>
-              </a:spcBef>
-              <a:buNone/>
-            </a:pPr>
-            <a:r>
-              <a:rPr lang="en-CA" sz="2000" dirty="0">
-                <a:solidFill>
-                  <a:srgbClr val="0070C0"/>
-                </a:solidFill>
-              </a:rPr>
-              <a:t>Module 11</a:t>
-            </a:r>
-          </a:p>
-          <a:p>
-            <a:pPr marL="0" indent="0">
-              <a:spcBef>
-                <a:spcPts val="0"/>
-              </a:spcBef>
-              <a:buNone/>
-            </a:pPr>
-            <a:r>
-              <a:rPr lang="en-US" sz="2000" dirty="0"/>
-              <a:t>Implementing Azure-based management and automation</a:t>
-            </a:r>
-            <a:endParaRPr lang="en-CA" sz="2000" dirty="0">
-              <a:solidFill>
-                <a:srgbClr val="0070C0"/>
-              </a:solidFill>
-            </a:endParaRPr>
-          </a:p>
-          <a:p>
-            <a:pPr marL="0" indent="0">
-              <a:spcBef>
-                <a:spcPts val="0"/>
-              </a:spcBef>
-              <a:buNone/>
-            </a:pPr>
-            <a:endParaRPr lang="en-US" dirty="0"/>
-          </a:p>
-        </p:txBody>
-      </p:sp>
-    </p:spTree>
-    <p:custDataLst>
-      <p:tags r:id="rId1"/>
-    </p:custDataLst>
-    <p:extLst>
-      <p:ext uri="{BB962C8B-B14F-4D97-AF65-F5344CB8AC3E}">
-        <p14:creationId xmlns:p14="http://schemas.microsoft.com/office/powerpoint/2010/main" val="4156281064"/>
-      </p:ext>
-    </p:extLst>
-  </p:cSld>
-  <p:clrMapOvr>
-    <a:masterClrMapping/>
-  </p:clrMapOvr>
-</p:sld>
-</file>
-
 <file path=ppt/slides/slide7.xml><?xml version="1.0" encoding="utf-8"?>
 <p:sld xmlns:a="http://schemas.openxmlformats.org/drawingml/2006/main" xmlns:r="http://schemas.openxmlformats.org/officeDocument/2006/relationships" xmlns:p="http://schemas.openxmlformats.org/presentationml/2006/main">
   <p:cSld>
@@ -24290,7 +28591,7 @@
           <p:nvPr/>
         </p:nvPicPr>
         <p:blipFill>
-          <a:blip r:embed="rId2"/>
+          <a:blip r:embed="rId3"/>
           <a:stretch>
             <a:fillRect/>
           </a:stretch>
@@ -24345,7 +28646,7 @@
           <p:nvPr/>
         </p:nvPicPr>
         <p:blipFill>
-          <a:blip r:embed="rId3"/>
+          <a:blip r:embed="rId4"/>
           <a:stretch>
             <a:fillRect/>
           </a:stretch>
@@ -24375,7 +28676,7 @@
           <p:nvPr/>
         </p:nvPicPr>
         <p:blipFill>
-          <a:blip r:embed="rId4"/>
+          <a:blip r:embed="rId5"/>
           <a:stretch>
             <a:fillRect/>
           </a:stretch>
@@ -24405,7 +28706,7 @@
           <p:nvPr/>
         </p:nvPicPr>
         <p:blipFill>
-          <a:blip r:embed="rId5"/>
+          <a:blip r:embed="rId6"/>
           <a:stretch>
             <a:fillRect/>
           </a:stretch>
@@ -24435,7 +28736,7 @@
           <p:nvPr/>
         </p:nvPicPr>
         <p:blipFill>
-          <a:blip r:embed="rId6"/>
+          <a:blip r:embed="rId7"/>
           <a:stretch>
             <a:fillRect/>
           </a:stretch>
@@ -25281,18 +29582,6 @@
     <a:masterClrMapping/>
   </p:clrMapOvr>
 </p:sld>
-</file>
-
-<file path=ppt/tags/tag1.xml><?xml version="1.0" encoding="utf-8"?>
-<p:tagLst xmlns:a="http://schemas.openxmlformats.org/drawingml/2006/main" xmlns:r="http://schemas.openxmlformats.org/officeDocument/2006/relationships" xmlns:p="http://schemas.openxmlformats.org/presentationml/2006/main">
-  <p:tag name="ARTICULATE_SLIDE_THUMBNAIL_REFRESH" val="1"/>
-</p:tagLst>
-</file>
-
-<file path=ppt/tags/tag2.xml><?xml version="1.0" encoding="utf-8"?>
-<p:tagLst xmlns:a="http://schemas.openxmlformats.org/drawingml/2006/main" xmlns:r="http://schemas.openxmlformats.org/officeDocument/2006/relationships" xmlns:p="http://schemas.openxmlformats.org/presentationml/2006/main">
-  <p:tag name="ARTICULATE_SLIDE_THUMBNAIL_REFRESH" val="1"/>
-</p:tagLst>
 </file>
 
 <file path=ppt/theme/theme1.xml><?xml version="1.0" encoding="utf-8"?>
